--- a/presentation.pptx
+++ b/presentation.pptx
@@ -120,626 +120,6 @@
 </p:presentation>
 </file>
 
-<file path=ppt/changesInfos/changesInfo1.xml><?xml version="1.0" encoding="utf-8"?>
-<pc:chgInfo xmlns:a="http://schemas.openxmlformats.org/drawingml/2006/main" xmlns:r="http://schemas.openxmlformats.org/officeDocument/2006/relationships" xmlns:ac="http://schemas.microsoft.com/office/drawing/2013/main/command" xmlns:pc="http://schemas.microsoft.com/office/powerpoint/2013/main/command">
-  <pc:docChgLst>
-    <pc:chgData name="Lucas Neiva" userId="c0e7f46d-3f58-49f5-b7e2-d8df91d67c1f" providerId="ADAL" clId="{A4284FFF-1CBB-4C8E-9AF6-D5445A05EB2B}"/>
-    <pc:docChg chg="undo redo custSel addSld delSld modSld sldOrd modMainMaster">
-      <pc:chgData name="Lucas Neiva" userId="c0e7f46d-3f58-49f5-b7e2-d8df91d67c1f" providerId="ADAL" clId="{A4284FFF-1CBB-4C8E-9AF6-D5445A05EB2B}" dt="2022-04-11T16:35:05.119" v="3827" actId="115"/>
-      <pc:docMkLst>
-        <pc:docMk/>
-      </pc:docMkLst>
-      <pc:sldChg chg="delSp new del mod ord">
-        <pc:chgData name="Lucas Neiva" userId="c0e7f46d-3f58-49f5-b7e2-d8df91d67c1f" providerId="ADAL" clId="{A4284FFF-1CBB-4C8E-9AF6-D5445A05EB2B}" dt="2022-04-08T02:34:48.370" v="5" actId="47"/>
-        <pc:sldMkLst>
-          <pc:docMk/>
-          <pc:sldMk cId="1532080334" sldId="256"/>
-        </pc:sldMkLst>
-        <pc:spChg chg="del">
-          <ac:chgData name="Lucas Neiva" userId="c0e7f46d-3f58-49f5-b7e2-d8df91d67c1f" providerId="ADAL" clId="{A4284FFF-1CBB-4C8E-9AF6-D5445A05EB2B}" dt="2022-04-08T02:34:18.060" v="1" actId="478"/>
-          <ac:spMkLst>
-            <pc:docMk/>
-            <pc:sldMk cId="1532080334" sldId="256"/>
-            <ac:spMk id="2" creationId="{9271B457-2A3B-4D34-A9E2-4C3CBF5F15EC}"/>
-          </ac:spMkLst>
-        </pc:spChg>
-        <pc:spChg chg="del">
-          <ac:chgData name="Lucas Neiva" userId="c0e7f46d-3f58-49f5-b7e2-d8df91d67c1f" providerId="ADAL" clId="{A4284FFF-1CBB-4C8E-9AF6-D5445A05EB2B}" dt="2022-04-08T02:34:18.060" v="1" actId="478"/>
-          <ac:spMkLst>
-            <pc:docMk/>
-            <pc:sldMk cId="1532080334" sldId="256"/>
-            <ac:spMk id="3" creationId="{6E6FE921-FC40-4B4D-831A-4A6DEF44900D}"/>
-          </ac:spMkLst>
-        </pc:spChg>
-      </pc:sldChg>
-      <pc:sldChg chg="addSp delSp modSp add mod setBg modNotesTx">
-        <pc:chgData name="Lucas Neiva" userId="c0e7f46d-3f58-49f5-b7e2-d8df91d67c1f" providerId="ADAL" clId="{A4284FFF-1CBB-4C8E-9AF6-D5445A05EB2B}" dt="2022-04-11T16:15:50.218" v="2576" actId="20577"/>
-        <pc:sldMkLst>
-          <pc:docMk/>
-          <pc:sldMk cId="0" sldId="257"/>
-        </pc:sldMkLst>
-        <pc:spChg chg="mod">
-          <ac:chgData name="Lucas Neiva" userId="c0e7f46d-3f58-49f5-b7e2-d8df91d67c1f" providerId="ADAL" clId="{A4284FFF-1CBB-4C8E-9AF6-D5445A05EB2B}" dt="2022-04-08T02:36:38.242" v="104" actId="20577"/>
-          <ac:spMkLst>
-            <pc:docMk/>
-            <pc:sldMk cId="0" sldId="257"/>
-            <ac:spMk id="4" creationId="{A990A77A-4616-4D22-A593-1695DC17D6DE}"/>
-          </ac:spMkLst>
-        </pc:spChg>
-        <pc:spChg chg="mod">
-          <ac:chgData name="Lucas Neiva" userId="c0e7f46d-3f58-49f5-b7e2-d8df91d67c1f" providerId="ADAL" clId="{A4284FFF-1CBB-4C8E-9AF6-D5445A05EB2B}" dt="2022-04-11T13:35:17.699" v="280" actId="1076"/>
-          <ac:spMkLst>
-            <pc:docMk/>
-            <pc:sldMk cId="0" sldId="257"/>
-            <ac:spMk id="8" creationId="{79152283-3815-4CC0-9D36-DD1CE6ECF670}"/>
-          </ac:spMkLst>
-        </pc:spChg>
-        <pc:spChg chg="mod">
-          <ac:chgData name="Lucas Neiva" userId="c0e7f46d-3f58-49f5-b7e2-d8df91d67c1f" providerId="ADAL" clId="{A4284FFF-1CBB-4C8E-9AF6-D5445A05EB2B}" dt="2022-04-11T16:14:23.453" v="2390"/>
-          <ac:spMkLst>
-            <pc:docMk/>
-            <pc:sldMk cId="0" sldId="257"/>
-            <ac:spMk id="9" creationId="{F4893AA6-ED96-402D-85EF-250C1C3EEE9C}"/>
-          </ac:spMkLst>
-        </pc:spChg>
-        <pc:grpChg chg="add del mod">
-          <ac:chgData name="Lucas Neiva" userId="c0e7f46d-3f58-49f5-b7e2-d8df91d67c1f" providerId="ADAL" clId="{A4284FFF-1CBB-4C8E-9AF6-D5445A05EB2B}" dt="2022-04-11T16:14:28.116" v="2391"/>
-          <ac:grpSpMkLst>
-            <pc:docMk/>
-            <pc:sldMk cId="0" sldId="257"/>
-            <ac:grpSpMk id="7" creationId="{672F9638-6377-4709-A403-2C81F249B8CE}"/>
-          </ac:grpSpMkLst>
-        </pc:grpChg>
-        <pc:picChg chg="add mod">
-          <ac:chgData name="Lucas Neiva" userId="c0e7f46d-3f58-49f5-b7e2-d8df91d67c1f" providerId="ADAL" clId="{A4284FFF-1CBB-4C8E-9AF6-D5445A05EB2B}" dt="2022-04-11T14:10:14.240" v="651" actId="1076"/>
-          <ac:picMkLst>
-            <pc:docMk/>
-            <pc:sldMk cId="0" sldId="257"/>
-            <ac:picMk id="5" creationId="{EE5C9DB7-988E-4012-8D16-688E9A82013B}"/>
-          </ac:picMkLst>
-        </pc:picChg>
-        <pc:picChg chg="mod">
-          <ac:chgData name="Lucas Neiva" userId="c0e7f46d-3f58-49f5-b7e2-d8df91d67c1f" providerId="ADAL" clId="{A4284FFF-1CBB-4C8E-9AF6-D5445A05EB2B}" dt="2022-04-11T16:14:23.453" v="2390"/>
-          <ac:picMkLst>
-            <pc:docMk/>
-            <pc:sldMk cId="0" sldId="257"/>
-            <ac:picMk id="10" creationId="{3096F3B3-CF48-487E-83DD-909085A44580}"/>
-          </ac:picMkLst>
-        </pc:picChg>
-      </pc:sldChg>
-      <pc:sldChg chg="delSp modSp add mod modNotesTx">
-        <pc:chgData name="Lucas Neiva" userId="c0e7f46d-3f58-49f5-b7e2-d8df91d67c1f" providerId="ADAL" clId="{A4284FFF-1CBB-4C8E-9AF6-D5445A05EB2B}" dt="2022-04-11T16:35:05.119" v="3827" actId="115"/>
-        <pc:sldMkLst>
-          <pc:docMk/>
-          <pc:sldMk cId="0" sldId="278"/>
-        </pc:sldMkLst>
-        <pc:spChg chg="mod">
-          <ac:chgData name="Lucas Neiva" userId="c0e7f46d-3f58-49f5-b7e2-d8df91d67c1f" providerId="ADAL" clId="{A4284FFF-1CBB-4C8E-9AF6-D5445A05EB2B}" dt="2022-04-11T16:24:37.689" v="3759" actId="6549"/>
-          <ac:spMkLst>
-            <pc:docMk/>
-            <pc:sldMk cId="0" sldId="278"/>
-            <ac:spMk id="9" creationId="{DE679A97-9BC0-4AE3-ADA4-A15465829987}"/>
-          </ac:spMkLst>
-        </pc:spChg>
-        <pc:spChg chg="del">
-          <ac:chgData name="Lucas Neiva" userId="c0e7f46d-3f58-49f5-b7e2-d8df91d67c1f" providerId="ADAL" clId="{A4284FFF-1CBB-4C8E-9AF6-D5445A05EB2B}" dt="2022-04-11T16:24:17.609" v="3734" actId="478"/>
-          <ac:spMkLst>
-            <pc:docMk/>
-            <pc:sldMk cId="0" sldId="278"/>
-            <ac:spMk id="12" creationId="{7A8AECB0-D31C-4687-9CB4-73F6C18D39BC}"/>
-          </ac:spMkLst>
-        </pc:spChg>
-      </pc:sldChg>
-      <pc:sldChg chg="add del">
-        <pc:chgData name="Lucas Neiva" userId="c0e7f46d-3f58-49f5-b7e2-d8df91d67c1f" providerId="ADAL" clId="{A4284FFF-1CBB-4C8E-9AF6-D5445A05EB2B}" dt="2022-04-08T03:33:53.281" v="113" actId="47"/>
-        <pc:sldMkLst>
-          <pc:docMk/>
-          <pc:sldMk cId="3867969709" sldId="288"/>
-        </pc:sldMkLst>
-      </pc:sldChg>
-      <pc:sldChg chg="addSp delSp modSp add mod setBg modNotesTx">
-        <pc:chgData name="Lucas Neiva" userId="c0e7f46d-3f58-49f5-b7e2-d8df91d67c1f" providerId="ADAL" clId="{A4284FFF-1CBB-4C8E-9AF6-D5445A05EB2B}" dt="2022-04-11T16:25:03.515" v="3773" actId="108"/>
-        <pc:sldMkLst>
-          <pc:docMk/>
-          <pc:sldMk cId="1457756091" sldId="299"/>
-        </pc:sldMkLst>
-        <pc:spChg chg="mod">
-          <ac:chgData name="Lucas Neiva" userId="c0e7f46d-3f58-49f5-b7e2-d8df91d67c1f" providerId="ADAL" clId="{A4284FFF-1CBB-4C8E-9AF6-D5445A05EB2B}" dt="2022-04-11T14:30:06.132" v="1582" actId="20577"/>
-          <ac:spMkLst>
-            <pc:docMk/>
-            <pc:sldMk cId="1457756091" sldId="299"/>
-            <ac:spMk id="6" creationId="{235B4DFB-665C-49C0-853F-E876C93C0048}"/>
-          </ac:spMkLst>
-        </pc:spChg>
-        <pc:spChg chg="mod">
-          <ac:chgData name="Lucas Neiva" userId="c0e7f46d-3f58-49f5-b7e2-d8df91d67c1f" providerId="ADAL" clId="{A4284FFF-1CBB-4C8E-9AF6-D5445A05EB2B}" dt="2022-04-08T03:29:39.126" v="106" actId="20577"/>
-          <ac:spMkLst>
-            <pc:docMk/>
-            <pc:sldMk cId="1457756091" sldId="299"/>
-            <ac:spMk id="7" creationId="{6FC91F7D-A8B3-4378-8225-B82E5E244ED7}"/>
-          </ac:spMkLst>
-        </pc:spChg>
-        <pc:spChg chg="mod">
-          <ac:chgData name="Lucas Neiva" userId="c0e7f46d-3f58-49f5-b7e2-d8df91d67c1f" providerId="ADAL" clId="{A4284FFF-1CBB-4C8E-9AF6-D5445A05EB2B}" dt="2022-04-11T16:25:03.515" v="3773" actId="108"/>
-          <ac:spMkLst>
-            <pc:docMk/>
-            <pc:sldMk cId="1457756091" sldId="299"/>
-            <ac:spMk id="11" creationId="{7C536CFA-4A01-439E-B1AC-F74B5278CC21}"/>
-          </ac:spMkLst>
-        </pc:spChg>
-        <pc:spChg chg="mod topLvl">
-          <ac:chgData name="Lucas Neiva" userId="c0e7f46d-3f58-49f5-b7e2-d8df91d67c1f" providerId="ADAL" clId="{A4284FFF-1CBB-4C8E-9AF6-D5445A05EB2B}" dt="2022-04-11T16:24:58.265" v="3771" actId="108"/>
-          <ac:spMkLst>
-            <pc:docMk/>
-            <pc:sldMk cId="1457756091" sldId="299"/>
-            <ac:spMk id="13" creationId="{952F5ECD-2551-4B7E-860E-98628FAF8ECD}"/>
-          </ac:spMkLst>
-        </pc:spChg>
-        <pc:spChg chg="del mod topLvl">
-          <ac:chgData name="Lucas Neiva" userId="c0e7f46d-3f58-49f5-b7e2-d8df91d67c1f" providerId="ADAL" clId="{A4284FFF-1CBB-4C8E-9AF6-D5445A05EB2B}" dt="2022-04-11T14:30:42.012" v="1583" actId="478"/>
-          <ac:spMkLst>
-            <pc:docMk/>
-            <pc:sldMk cId="1457756091" sldId="299"/>
-            <ac:spMk id="14" creationId="{2A3CA71E-D7BF-4470-9388-4E4DE76A312D}"/>
-          </ac:spMkLst>
-        </pc:spChg>
-        <pc:grpChg chg="del">
-          <ac:chgData name="Lucas Neiva" userId="c0e7f46d-3f58-49f5-b7e2-d8df91d67c1f" providerId="ADAL" clId="{A4284FFF-1CBB-4C8E-9AF6-D5445A05EB2B}" dt="2022-04-11T14:00:50.801" v="600" actId="478"/>
-          <ac:grpSpMkLst>
-            <pc:docMk/>
-            <pc:sldMk cId="1457756091" sldId="299"/>
-            <ac:grpSpMk id="2" creationId="{60D330EE-BD5C-433C-A471-45C0D5823EB2}"/>
-          </ac:grpSpMkLst>
-        </pc:grpChg>
-        <pc:grpChg chg="del mod">
-          <ac:chgData name="Lucas Neiva" userId="c0e7f46d-3f58-49f5-b7e2-d8df91d67c1f" providerId="ADAL" clId="{A4284FFF-1CBB-4C8E-9AF6-D5445A05EB2B}" dt="2022-04-11T14:01:27.481" v="606" actId="165"/>
-          <ac:grpSpMkLst>
-            <pc:docMk/>
-            <pc:sldMk cId="1457756091" sldId="299"/>
-            <ac:grpSpMk id="3" creationId="{CC6C90E9-978B-4D2B-9F2F-D8D92DA8F67D}"/>
-          </ac:grpSpMkLst>
-        </pc:grpChg>
-        <pc:picChg chg="add mod">
-          <ac:chgData name="Lucas Neiva" userId="c0e7f46d-3f58-49f5-b7e2-d8df91d67c1f" providerId="ADAL" clId="{A4284FFF-1CBB-4C8E-9AF6-D5445A05EB2B}" dt="2022-04-11T14:12:30.372" v="780" actId="1076"/>
-          <ac:picMkLst>
-            <pc:docMk/>
-            <pc:sldMk cId="1457756091" sldId="299"/>
-            <ac:picMk id="5" creationId="{A7A08768-2D4D-4F9F-9A80-15BAF68062A2}"/>
-          </ac:picMkLst>
-        </pc:picChg>
-        <pc:picChg chg="add del mod">
-          <ac:chgData name="Lucas Neiva" userId="c0e7f46d-3f58-49f5-b7e2-d8df91d67c1f" providerId="ADAL" clId="{A4284FFF-1CBB-4C8E-9AF6-D5445A05EB2B}" dt="2022-04-11T14:05:27.790" v="626" actId="478"/>
-          <ac:picMkLst>
-            <pc:docMk/>
-            <pc:sldMk cId="1457756091" sldId="299"/>
-            <ac:picMk id="9" creationId="{63D7D845-D5C2-4D7B-923C-957ED13EAEC7}"/>
-          </ac:picMkLst>
-        </pc:picChg>
-        <pc:picChg chg="del mod topLvl">
-          <ac:chgData name="Lucas Neiva" userId="c0e7f46d-3f58-49f5-b7e2-d8df91d67c1f" providerId="ADAL" clId="{A4284FFF-1CBB-4C8E-9AF6-D5445A05EB2B}" dt="2022-04-11T14:05:07.582" v="617" actId="478"/>
-          <ac:picMkLst>
-            <pc:docMk/>
-            <pc:sldMk cId="1457756091" sldId="299"/>
-            <ac:picMk id="10" creationId="{CA9057F5-51CB-4B21-83A7-6D40BEB983D6}"/>
-          </ac:picMkLst>
-        </pc:picChg>
-        <pc:picChg chg="del topLvl">
-          <ac:chgData name="Lucas Neiva" userId="c0e7f46d-3f58-49f5-b7e2-d8df91d67c1f" providerId="ADAL" clId="{A4284FFF-1CBB-4C8E-9AF6-D5445A05EB2B}" dt="2022-04-11T14:00:50.801" v="600" actId="478"/>
-          <ac:picMkLst>
-            <pc:docMk/>
-            <pc:sldMk cId="1457756091" sldId="299"/>
-            <ac:picMk id="12" creationId="{8CEE719D-C8ED-4162-8B9D-F3A125121F51}"/>
-          </ac:picMkLst>
-        </pc:picChg>
-        <pc:picChg chg="add mod">
-          <ac:chgData name="Lucas Neiva" userId="c0e7f46d-3f58-49f5-b7e2-d8df91d67c1f" providerId="ADAL" clId="{A4284FFF-1CBB-4C8E-9AF6-D5445A05EB2B}" dt="2022-04-11T14:16:45.606" v="1055" actId="1076"/>
-          <ac:picMkLst>
-            <pc:docMk/>
-            <pc:sldMk cId="1457756091" sldId="299"/>
-            <ac:picMk id="16" creationId="{DAC7646E-7565-4914-A9E1-9F51426A1F22}"/>
-          </ac:picMkLst>
-        </pc:picChg>
-        <pc:picChg chg="add mod">
-          <ac:chgData name="Lucas Neiva" userId="c0e7f46d-3f58-49f5-b7e2-d8df91d67c1f" providerId="ADAL" clId="{A4284FFF-1CBB-4C8E-9AF6-D5445A05EB2B}" dt="2022-04-11T14:16:45.606" v="1055" actId="1076"/>
-          <ac:picMkLst>
-            <pc:docMk/>
-            <pc:sldMk cId="1457756091" sldId="299"/>
-            <ac:picMk id="18" creationId="{CE3716E6-5B28-4847-A35E-E5448827AD55}"/>
-          </ac:picMkLst>
-        </pc:picChg>
-        <pc:picChg chg="add mod">
-          <ac:chgData name="Lucas Neiva" userId="c0e7f46d-3f58-49f5-b7e2-d8df91d67c1f" providerId="ADAL" clId="{A4284FFF-1CBB-4C8E-9AF6-D5445A05EB2B}" dt="2022-04-11T16:12:58.121" v="2261" actId="1076"/>
-          <ac:picMkLst>
-            <pc:docMk/>
-            <pc:sldMk cId="1457756091" sldId="299"/>
-            <ac:picMk id="20" creationId="{1362B2A7-CD78-4D79-9FE4-1A2DF585CC6D}"/>
-          </ac:picMkLst>
-        </pc:picChg>
-        <pc:picChg chg="add mod">
-          <ac:chgData name="Lucas Neiva" userId="c0e7f46d-3f58-49f5-b7e2-d8df91d67c1f" providerId="ADAL" clId="{A4284FFF-1CBB-4C8E-9AF6-D5445A05EB2B}" dt="2022-04-11T14:15:23.563" v="1042" actId="571"/>
-          <ac:picMkLst>
-            <pc:docMk/>
-            <pc:sldMk cId="1457756091" sldId="299"/>
-            <ac:picMk id="24" creationId="{71322C05-FC5D-49E1-9C1E-EA415D190993}"/>
-          </ac:picMkLst>
-        </pc:picChg>
-        <pc:picChg chg="add mod">
-          <ac:chgData name="Lucas Neiva" userId="c0e7f46d-3f58-49f5-b7e2-d8df91d67c1f" providerId="ADAL" clId="{A4284FFF-1CBB-4C8E-9AF6-D5445A05EB2B}" dt="2022-04-11T14:15:23.563" v="1042" actId="571"/>
-          <ac:picMkLst>
-            <pc:docMk/>
-            <pc:sldMk cId="1457756091" sldId="299"/>
-            <ac:picMk id="25" creationId="{E1E2E899-D3F4-4587-8A19-B014F08B1A08}"/>
-          </ac:picMkLst>
-        </pc:picChg>
-        <pc:cxnChg chg="add mod">
-          <ac:chgData name="Lucas Neiva" userId="c0e7f46d-3f58-49f5-b7e2-d8df91d67c1f" providerId="ADAL" clId="{A4284FFF-1CBB-4C8E-9AF6-D5445A05EB2B}" dt="2022-04-11T14:16:45.606" v="1055" actId="1076"/>
-          <ac:cxnSpMkLst>
-            <pc:docMk/>
-            <pc:sldMk cId="1457756091" sldId="299"/>
-            <ac:cxnSpMk id="22" creationId="{125D75E8-2736-451C-91A6-A167A31DCDE4}"/>
-          </ac:cxnSpMkLst>
-        </pc:cxnChg>
-      </pc:sldChg>
-      <pc:sldChg chg="addSp delSp modSp add mod modNotesTx">
-        <pc:chgData name="Lucas Neiva" userId="c0e7f46d-3f58-49f5-b7e2-d8df91d67c1f" providerId="ADAL" clId="{A4284FFF-1CBB-4C8E-9AF6-D5445A05EB2B}" dt="2022-04-11T16:25:10.328" v="3774" actId="114"/>
-        <pc:sldMkLst>
-          <pc:docMk/>
-          <pc:sldMk cId="1161181942" sldId="300"/>
-        </pc:sldMkLst>
-        <pc:spChg chg="mod">
-          <ac:chgData name="Lucas Neiva" userId="c0e7f46d-3f58-49f5-b7e2-d8df91d67c1f" providerId="ADAL" clId="{A4284FFF-1CBB-4C8E-9AF6-D5445A05EB2B}" dt="2022-04-11T16:25:10.328" v="3774" actId="114"/>
-          <ac:spMkLst>
-            <pc:docMk/>
-            <pc:sldMk cId="1161181942" sldId="300"/>
-            <ac:spMk id="5" creationId="{8DCD7D85-72FA-4678-90EE-8C730B7A9759}"/>
-          </ac:spMkLst>
-        </pc:spChg>
-        <pc:spChg chg="mod">
-          <ac:chgData name="Lucas Neiva" userId="c0e7f46d-3f58-49f5-b7e2-d8df91d67c1f" providerId="ADAL" clId="{A4284FFF-1CBB-4C8E-9AF6-D5445A05EB2B}" dt="2022-04-11T16:04:30.200" v="2191" actId="108"/>
-          <ac:spMkLst>
-            <pc:docMk/>
-            <pc:sldMk cId="1161181942" sldId="300"/>
-            <ac:spMk id="30" creationId="{C6286648-E89B-488A-83DF-2D52BB28369A}"/>
-          </ac:spMkLst>
-        </pc:spChg>
-        <pc:spChg chg="mod">
-          <ac:chgData name="Lucas Neiva" userId="c0e7f46d-3f58-49f5-b7e2-d8df91d67c1f" providerId="ADAL" clId="{A4284FFF-1CBB-4C8E-9AF6-D5445A05EB2B}" dt="2022-04-11T16:04:30.200" v="2191" actId="108"/>
-          <ac:spMkLst>
-            <pc:docMk/>
-            <pc:sldMk cId="1161181942" sldId="300"/>
-            <ac:spMk id="31" creationId="{B5A5612A-B501-48CF-B063-74F0BF83250F}"/>
-          </ac:spMkLst>
-        </pc:spChg>
-        <pc:spChg chg="mod">
-          <ac:chgData name="Lucas Neiva" userId="c0e7f46d-3f58-49f5-b7e2-d8df91d67c1f" providerId="ADAL" clId="{A4284FFF-1CBB-4C8E-9AF6-D5445A05EB2B}" dt="2022-04-11T16:04:30.200" v="2191" actId="108"/>
-          <ac:spMkLst>
-            <pc:docMk/>
-            <pc:sldMk cId="1161181942" sldId="300"/>
-            <ac:spMk id="32" creationId="{4CF0A1DC-6806-4A58-B10C-755DA9FCCE11}"/>
-          </ac:spMkLst>
-        </pc:spChg>
-        <pc:spChg chg="mod">
-          <ac:chgData name="Lucas Neiva" userId="c0e7f46d-3f58-49f5-b7e2-d8df91d67c1f" providerId="ADAL" clId="{A4284FFF-1CBB-4C8E-9AF6-D5445A05EB2B}" dt="2022-04-11T16:04:30.200" v="2191" actId="108"/>
-          <ac:spMkLst>
-            <pc:docMk/>
-            <pc:sldMk cId="1161181942" sldId="300"/>
-            <ac:spMk id="33" creationId="{01476F04-9F06-494E-8ED2-42A18BEAB3B3}"/>
-          </ac:spMkLst>
-        </pc:spChg>
-        <pc:spChg chg="mod">
-          <ac:chgData name="Lucas Neiva" userId="c0e7f46d-3f58-49f5-b7e2-d8df91d67c1f" providerId="ADAL" clId="{A4284FFF-1CBB-4C8E-9AF6-D5445A05EB2B}" dt="2022-04-11T16:04:30.200" v="2191" actId="108"/>
-          <ac:spMkLst>
-            <pc:docMk/>
-            <pc:sldMk cId="1161181942" sldId="300"/>
-            <ac:spMk id="34" creationId="{6D0CB6FB-8F5E-4721-83F7-84B43321A4D8}"/>
-          </ac:spMkLst>
-        </pc:spChg>
-        <pc:spChg chg="mod topLvl">
-          <ac:chgData name="Lucas Neiva" userId="c0e7f46d-3f58-49f5-b7e2-d8df91d67c1f" providerId="ADAL" clId="{A4284FFF-1CBB-4C8E-9AF6-D5445A05EB2B}" dt="2022-04-11T16:06:09.470" v="2215" actId="164"/>
-          <ac:spMkLst>
-            <pc:docMk/>
-            <pc:sldMk cId="1161181942" sldId="300"/>
-            <ac:spMk id="49" creationId="{3F4F2A60-2988-48EF-9F5A-EF1EF9C1B447}"/>
-          </ac:spMkLst>
-        </pc:spChg>
-        <pc:spChg chg="mod topLvl">
-          <ac:chgData name="Lucas Neiva" userId="c0e7f46d-3f58-49f5-b7e2-d8df91d67c1f" providerId="ADAL" clId="{A4284FFF-1CBB-4C8E-9AF6-D5445A05EB2B}" dt="2022-04-11T16:06:09.470" v="2215" actId="164"/>
-          <ac:spMkLst>
-            <pc:docMk/>
-            <pc:sldMk cId="1161181942" sldId="300"/>
-            <ac:spMk id="50" creationId="{2FCCBFB3-858C-4A10-AE41-DA917287D408}"/>
-          </ac:spMkLst>
-        </pc:spChg>
-        <pc:spChg chg="mod topLvl">
-          <ac:chgData name="Lucas Neiva" userId="c0e7f46d-3f58-49f5-b7e2-d8df91d67c1f" providerId="ADAL" clId="{A4284FFF-1CBB-4C8E-9AF6-D5445A05EB2B}" dt="2022-04-11T16:06:09.470" v="2215" actId="164"/>
-          <ac:spMkLst>
-            <pc:docMk/>
-            <pc:sldMk cId="1161181942" sldId="300"/>
-            <ac:spMk id="51" creationId="{2A65205A-5378-4F2B-82D6-741170220020}"/>
-          </ac:spMkLst>
-        </pc:spChg>
-        <pc:spChg chg="mod topLvl">
-          <ac:chgData name="Lucas Neiva" userId="c0e7f46d-3f58-49f5-b7e2-d8df91d67c1f" providerId="ADAL" clId="{A4284FFF-1CBB-4C8E-9AF6-D5445A05EB2B}" dt="2022-04-11T16:06:09.470" v="2215" actId="164"/>
-          <ac:spMkLst>
-            <pc:docMk/>
-            <pc:sldMk cId="1161181942" sldId="300"/>
-            <ac:spMk id="52" creationId="{59646714-7B59-4A02-BB8F-B54F3B44FB20}"/>
-          </ac:spMkLst>
-        </pc:spChg>
-        <pc:spChg chg="del mod">
-          <ac:chgData name="Lucas Neiva" userId="c0e7f46d-3f58-49f5-b7e2-d8df91d67c1f" providerId="ADAL" clId="{A4284FFF-1CBB-4C8E-9AF6-D5445A05EB2B}" dt="2022-04-11T16:05:54.055" v="2212" actId="478"/>
-          <ac:spMkLst>
-            <pc:docMk/>
-            <pc:sldMk cId="1161181942" sldId="300"/>
-            <ac:spMk id="55" creationId="{5B0DB465-7CD5-40AD-B28D-D6707F5E8A79}"/>
-          </ac:spMkLst>
-        </pc:spChg>
-        <pc:spChg chg="del mod">
-          <ac:chgData name="Lucas Neiva" userId="c0e7f46d-3f58-49f5-b7e2-d8df91d67c1f" providerId="ADAL" clId="{A4284FFF-1CBB-4C8E-9AF6-D5445A05EB2B}" dt="2022-04-11T14:36:16.639" v="1809" actId="478"/>
-          <ac:spMkLst>
-            <pc:docMk/>
-            <pc:sldMk cId="1161181942" sldId="300"/>
-            <ac:spMk id="56" creationId="{1B2F122A-7D99-40C1-8BD4-62293B8CEF57}"/>
-          </ac:spMkLst>
-        </pc:spChg>
-        <pc:grpChg chg="add mod">
-          <ac:chgData name="Lucas Neiva" userId="c0e7f46d-3f58-49f5-b7e2-d8df91d67c1f" providerId="ADAL" clId="{A4284FFF-1CBB-4C8E-9AF6-D5445A05EB2B}" dt="2022-04-11T16:06:53.353" v="2255" actId="1076"/>
-          <ac:grpSpMkLst>
-            <pc:docMk/>
-            <pc:sldMk cId="1161181942" sldId="300"/>
-            <ac:grpSpMk id="6" creationId="{DD944D93-28CD-4879-864A-0AC6752CB66B}"/>
-          </ac:grpSpMkLst>
-        </pc:grpChg>
-        <pc:grpChg chg="mod topLvl">
-          <ac:chgData name="Lucas Neiva" userId="c0e7f46d-3f58-49f5-b7e2-d8df91d67c1f" providerId="ADAL" clId="{A4284FFF-1CBB-4C8E-9AF6-D5445A05EB2B}" dt="2022-04-11T16:06:09.470" v="2215" actId="164"/>
-          <ac:grpSpMkLst>
-            <pc:docMk/>
-            <pc:sldMk cId="1161181942" sldId="300"/>
-            <ac:grpSpMk id="29" creationId="{9FD5D769-EF73-447C-8454-44FE74B9B408}"/>
-          </ac:grpSpMkLst>
-        </pc:grpChg>
-        <pc:grpChg chg="del">
-          <ac:chgData name="Lucas Neiva" userId="c0e7f46d-3f58-49f5-b7e2-d8df91d67c1f" providerId="ADAL" clId="{A4284FFF-1CBB-4C8E-9AF6-D5445A05EB2B}" dt="2022-04-11T14:01:43.520" v="607" actId="165"/>
-          <ac:grpSpMkLst>
-            <pc:docMk/>
-            <pc:sldMk cId="1161181942" sldId="300"/>
-            <ac:grpSpMk id="53" creationId="{F24AE431-B632-4231-8052-AF4F4698E86B}"/>
-          </ac:grpSpMkLst>
-        </pc:grpChg>
-        <pc:picChg chg="add del">
-          <ac:chgData name="Lucas Neiva" userId="c0e7f46d-3f58-49f5-b7e2-d8df91d67c1f" providerId="ADAL" clId="{A4284FFF-1CBB-4C8E-9AF6-D5445A05EB2B}" dt="2022-04-11T16:04:33.889" v="2192" actId="478"/>
-          <ac:picMkLst>
-            <pc:docMk/>
-            <pc:sldMk cId="1161181942" sldId="300"/>
-            <ac:picMk id="3" creationId="{E2C76801-4BC2-4687-9564-78E4CC75680F}"/>
-          </ac:picMkLst>
-        </pc:picChg>
-        <pc:picChg chg="add mod">
-          <ac:chgData name="Lucas Neiva" userId="c0e7f46d-3f58-49f5-b7e2-d8df91d67c1f" providerId="ADAL" clId="{A4284FFF-1CBB-4C8E-9AF6-D5445A05EB2B}" dt="2022-04-11T16:04:27.552" v="2189" actId="108"/>
-          <ac:picMkLst>
-            <pc:docMk/>
-            <pc:sldMk cId="1161181942" sldId="300"/>
-            <ac:picMk id="4" creationId="{CA9DA71D-DBFE-411E-A03B-738F53730AD9}"/>
-          </ac:picMkLst>
-        </pc:picChg>
-        <pc:picChg chg="add del mod">
-          <ac:chgData name="Lucas Neiva" userId="c0e7f46d-3f58-49f5-b7e2-d8df91d67c1f" providerId="ADAL" clId="{A4284FFF-1CBB-4C8E-9AF6-D5445A05EB2B}" dt="2022-04-11T16:04:33.889" v="2192" actId="478"/>
-          <ac:picMkLst>
-            <pc:docMk/>
-            <pc:sldMk cId="1161181942" sldId="300"/>
-            <ac:picMk id="20" creationId="{77458004-9004-4427-8E88-15829058B527}"/>
-          </ac:picMkLst>
-        </pc:picChg>
-      </pc:sldChg>
-      <pc:sldChg chg="add del">
-        <pc:chgData name="Lucas Neiva" userId="c0e7f46d-3f58-49f5-b7e2-d8df91d67c1f" providerId="ADAL" clId="{A4284FFF-1CBB-4C8E-9AF6-D5445A05EB2B}" dt="2022-04-08T03:35:41.317" v="136" actId="47"/>
-        <pc:sldMkLst>
-          <pc:docMk/>
-          <pc:sldMk cId="128418257" sldId="301"/>
-        </pc:sldMkLst>
-      </pc:sldChg>
-      <pc:sldChg chg="addSp delSp modSp add mod modNotesTx">
-        <pc:chgData name="Lucas Neiva" userId="c0e7f46d-3f58-49f5-b7e2-d8df91d67c1f" providerId="ADAL" clId="{A4284FFF-1CBB-4C8E-9AF6-D5445A05EB2B}" dt="2022-04-11T16:23:02.912" v="3597" actId="20577"/>
-        <pc:sldMkLst>
-          <pc:docMk/>
-          <pc:sldMk cId="3668775416" sldId="302"/>
-        </pc:sldMkLst>
-        <pc:spChg chg="del">
-          <ac:chgData name="Lucas Neiva" userId="c0e7f46d-3f58-49f5-b7e2-d8df91d67c1f" providerId="ADAL" clId="{A4284FFF-1CBB-4C8E-9AF6-D5445A05EB2B}" dt="2022-04-08T03:34:05.455" v="114" actId="478"/>
-          <ac:spMkLst>
-            <pc:docMk/>
-            <pc:sldMk cId="3668775416" sldId="302"/>
-            <ac:spMk id="5" creationId="{8DCD7D85-72FA-4678-90EE-8C730B7A9759}"/>
-          </ac:spMkLst>
-        </pc:spChg>
-        <pc:spChg chg="mod">
-          <ac:chgData name="Lucas Neiva" userId="c0e7f46d-3f58-49f5-b7e2-d8df91d67c1f" providerId="ADAL" clId="{A4284FFF-1CBB-4C8E-9AF6-D5445A05EB2B}" dt="2022-04-08T03:34:14.495" v="127" actId="20577"/>
-          <ac:spMkLst>
-            <pc:docMk/>
-            <pc:sldMk cId="3668775416" sldId="302"/>
-            <ac:spMk id="9" creationId="{38F3903A-9327-46B5-A50A-8DE2B3FFF3A8}"/>
-          </ac:spMkLst>
-        </pc:spChg>
-        <pc:spChg chg="add mod">
-          <ac:chgData name="Lucas Neiva" userId="c0e7f46d-3f58-49f5-b7e2-d8df91d67c1f" providerId="ADAL" clId="{A4284FFF-1CBB-4C8E-9AF6-D5445A05EB2B}" dt="2022-04-08T03:34:46.264" v="131" actId="1076"/>
-          <ac:spMkLst>
-            <pc:docMk/>
-            <pc:sldMk cId="3668775416" sldId="302"/>
-            <ac:spMk id="18" creationId="{C6C92511-E0E3-4260-AEE8-25770B48430C}"/>
-          </ac:spMkLst>
-        </pc:spChg>
-        <pc:spChg chg="add mod">
-          <ac:chgData name="Lucas Neiva" userId="c0e7f46d-3f58-49f5-b7e2-d8df91d67c1f" providerId="ADAL" clId="{A4284FFF-1CBB-4C8E-9AF6-D5445A05EB2B}" dt="2022-04-08T03:34:46.264" v="131" actId="1076"/>
-          <ac:spMkLst>
-            <pc:docMk/>
-            <pc:sldMk cId="3668775416" sldId="302"/>
-            <ac:spMk id="24" creationId="{11185C76-32F1-465C-B349-E499828A11A9}"/>
-          </ac:spMkLst>
-        </pc:spChg>
-        <pc:spChg chg="add mod">
-          <ac:chgData name="Lucas Neiva" userId="c0e7f46d-3f58-49f5-b7e2-d8df91d67c1f" providerId="ADAL" clId="{A4284FFF-1CBB-4C8E-9AF6-D5445A05EB2B}" dt="2022-04-08T03:35:05.218" v="132" actId="20577"/>
-          <ac:spMkLst>
-            <pc:docMk/>
-            <pc:sldMk cId="3668775416" sldId="302"/>
-            <ac:spMk id="25" creationId="{4F9BD403-2A4A-416B-B0D0-53B07E7BB4DF}"/>
-          </ac:spMkLst>
-        </pc:spChg>
-        <pc:spChg chg="add del mod">
-          <ac:chgData name="Lucas Neiva" userId="c0e7f46d-3f58-49f5-b7e2-d8df91d67c1f" providerId="ADAL" clId="{A4284FFF-1CBB-4C8E-9AF6-D5445A05EB2B}" dt="2022-04-08T03:34:20.738" v="128" actId="478"/>
-          <ac:spMkLst>
-            <pc:docMk/>
-            <pc:sldMk cId="3668775416" sldId="302"/>
-            <ac:spMk id="26" creationId="{66C7F7F3-B92D-4295-B1D3-AF7BD024330E}"/>
-          </ac:spMkLst>
-        </pc:spChg>
-        <pc:spChg chg="add mod">
-          <ac:chgData name="Lucas Neiva" userId="c0e7f46d-3f58-49f5-b7e2-d8df91d67c1f" providerId="ADAL" clId="{A4284FFF-1CBB-4C8E-9AF6-D5445A05EB2B}" dt="2022-04-08T03:35:13.277" v="134" actId="20577"/>
-          <ac:spMkLst>
-            <pc:docMk/>
-            <pc:sldMk cId="3668775416" sldId="302"/>
-            <ac:spMk id="27" creationId="{46E4938A-A8A9-488D-A49E-2796A39E3F17}"/>
-          </ac:spMkLst>
-        </pc:spChg>
-        <pc:spChg chg="del">
-          <ac:chgData name="Lucas Neiva" userId="c0e7f46d-3f58-49f5-b7e2-d8df91d67c1f" providerId="ADAL" clId="{A4284FFF-1CBB-4C8E-9AF6-D5445A05EB2B}" dt="2022-04-08T03:34:05.455" v="114" actId="478"/>
-          <ac:spMkLst>
-            <pc:docMk/>
-            <pc:sldMk cId="3668775416" sldId="302"/>
-            <ac:spMk id="55" creationId="{5B0DB465-7CD5-40AD-B28D-D6707F5E8A79}"/>
-          </ac:spMkLst>
-        </pc:spChg>
-        <pc:spChg chg="del">
-          <ac:chgData name="Lucas Neiva" userId="c0e7f46d-3f58-49f5-b7e2-d8df91d67c1f" providerId="ADAL" clId="{A4284FFF-1CBB-4C8E-9AF6-D5445A05EB2B}" dt="2022-04-08T03:34:05.455" v="114" actId="478"/>
-          <ac:spMkLst>
-            <pc:docMk/>
-            <pc:sldMk cId="3668775416" sldId="302"/>
-            <ac:spMk id="56" creationId="{1B2F122A-7D99-40C1-8BD4-62293B8CEF57}"/>
-          </ac:spMkLst>
-        </pc:spChg>
-        <pc:grpChg chg="del">
-          <ac:chgData name="Lucas Neiva" userId="c0e7f46d-3f58-49f5-b7e2-d8df91d67c1f" providerId="ADAL" clId="{A4284FFF-1CBB-4C8E-9AF6-D5445A05EB2B}" dt="2022-04-08T03:34:05.455" v="114" actId="478"/>
-          <ac:grpSpMkLst>
-            <pc:docMk/>
-            <pc:sldMk cId="3668775416" sldId="302"/>
-            <ac:grpSpMk id="53" creationId="{F24AE431-B632-4231-8052-AF4F4698E86B}"/>
-          </ac:grpSpMkLst>
-        </pc:grpChg>
-        <pc:picChg chg="del">
-          <ac:chgData name="Lucas Neiva" userId="c0e7f46d-3f58-49f5-b7e2-d8df91d67c1f" providerId="ADAL" clId="{A4284FFF-1CBB-4C8E-9AF6-D5445A05EB2B}" dt="2022-04-08T03:34:05.455" v="114" actId="478"/>
-          <ac:picMkLst>
-            <pc:docMk/>
-            <pc:sldMk cId="3668775416" sldId="302"/>
-            <ac:picMk id="3" creationId="{E2C76801-4BC2-4687-9564-78E4CC75680F}"/>
-          </ac:picMkLst>
-        </pc:picChg>
-        <pc:picChg chg="add del mod">
-          <ac:chgData name="Lucas Neiva" userId="c0e7f46d-3f58-49f5-b7e2-d8df91d67c1f" providerId="ADAL" clId="{A4284FFF-1CBB-4C8E-9AF6-D5445A05EB2B}" dt="2022-04-08T03:34:20.738" v="128" actId="478"/>
-          <ac:picMkLst>
-            <pc:docMk/>
-            <pc:sldMk cId="3668775416" sldId="302"/>
-            <ac:picMk id="19" creationId="{5C1177B7-DCBC-4758-B963-BBFD059A81CC}"/>
-          </ac:picMkLst>
-        </pc:picChg>
-        <pc:picChg chg="add mod">
-          <ac:chgData name="Lucas Neiva" userId="c0e7f46d-3f58-49f5-b7e2-d8df91d67c1f" providerId="ADAL" clId="{A4284FFF-1CBB-4C8E-9AF6-D5445A05EB2B}" dt="2022-04-08T03:34:46.264" v="131" actId="1076"/>
-          <ac:picMkLst>
-            <pc:docMk/>
-            <pc:sldMk cId="3668775416" sldId="302"/>
-            <ac:picMk id="20" creationId="{6D21E109-7926-4C96-806C-9858D1BE83F5}"/>
-          </ac:picMkLst>
-        </pc:picChg>
-        <pc:picChg chg="add mod">
-          <ac:chgData name="Lucas Neiva" userId="c0e7f46d-3f58-49f5-b7e2-d8df91d67c1f" providerId="ADAL" clId="{A4284FFF-1CBB-4C8E-9AF6-D5445A05EB2B}" dt="2022-04-08T03:34:46.264" v="131" actId="1076"/>
-          <ac:picMkLst>
-            <pc:docMk/>
-            <pc:sldMk cId="3668775416" sldId="302"/>
-            <ac:picMk id="21" creationId="{0E06E743-4AFA-4BCD-B951-355C5000DCA3}"/>
-          </ac:picMkLst>
-        </pc:picChg>
-        <pc:picChg chg="add mod">
-          <ac:chgData name="Lucas Neiva" userId="c0e7f46d-3f58-49f5-b7e2-d8df91d67c1f" providerId="ADAL" clId="{A4284FFF-1CBB-4C8E-9AF6-D5445A05EB2B}" dt="2022-04-08T03:34:46.264" v="131" actId="1076"/>
-          <ac:picMkLst>
-            <pc:docMk/>
-            <pc:sldMk cId="3668775416" sldId="302"/>
-            <ac:picMk id="22" creationId="{DA500679-DBF8-4FAC-A6AF-7AEEA47A62E0}"/>
-          </ac:picMkLst>
-        </pc:picChg>
-        <pc:picChg chg="add mod">
-          <ac:chgData name="Lucas Neiva" userId="c0e7f46d-3f58-49f5-b7e2-d8df91d67c1f" providerId="ADAL" clId="{A4284FFF-1CBB-4C8E-9AF6-D5445A05EB2B}" dt="2022-04-08T03:34:46.264" v="131" actId="1076"/>
-          <ac:picMkLst>
-            <pc:docMk/>
-            <pc:sldMk cId="3668775416" sldId="302"/>
-            <ac:picMk id="23" creationId="{B94A9DF5-9A79-4C08-AE93-6EC1328FC424}"/>
-          </ac:picMkLst>
-        </pc:picChg>
-      </pc:sldChg>
-      <pc:sldChg chg="addSp delSp modSp add mod ord modNotesTx">
-        <pc:chgData name="Lucas Neiva" userId="c0e7f46d-3f58-49f5-b7e2-d8df91d67c1f" providerId="ADAL" clId="{A4284FFF-1CBB-4C8E-9AF6-D5445A05EB2B}" dt="2022-04-11T16:26:04.533" v="3823" actId="1076"/>
-        <pc:sldMkLst>
-          <pc:docMk/>
-          <pc:sldMk cId="3345526427" sldId="305"/>
-        </pc:sldMkLst>
-        <pc:spChg chg="del">
-          <ac:chgData name="Lucas Neiva" userId="c0e7f46d-3f58-49f5-b7e2-d8df91d67c1f" providerId="ADAL" clId="{A4284FFF-1CBB-4C8E-9AF6-D5445A05EB2B}" dt="2022-04-08T03:36:27.438" v="138" actId="478"/>
-          <ac:spMkLst>
-            <pc:docMk/>
-            <pc:sldMk cId="3345526427" sldId="305"/>
-            <ac:spMk id="2" creationId="{8CBC20B0-81AE-4DE3-867A-8C81B1A360F3}"/>
-          </ac:spMkLst>
-        </pc:spChg>
-        <pc:spChg chg="add del mod">
-          <ac:chgData name="Lucas Neiva" userId="c0e7f46d-3f58-49f5-b7e2-d8df91d67c1f" providerId="ADAL" clId="{A4284FFF-1CBB-4C8E-9AF6-D5445A05EB2B}" dt="2022-04-08T03:36:46.981" v="141" actId="478"/>
-          <ac:spMkLst>
-            <pc:docMk/>
-            <pc:sldMk cId="3345526427" sldId="305"/>
-            <ac:spMk id="4" creationId="{57327EB0-7F6D-429B-9718-22159EE3A331}"/>
-          </ac:spMkLst>
-        </pc:spChg>
-        <pc:spChg chg="add mod">
-          <ac:chgData name="Lucas Neiva" userId="c0e7f46d-3f58-49f5-b7e2-d8df91d67c1f" providerId="ADAL" clId="{A4284FFF-1CBB-4C8E-9AF6-D5445A05EB2B}" dt="2022-04-08T03:36:51.488" v="152" actId="20577"/>
-          <ac:spMkLst>
-            <pc:docMk/>
-            <pc:sldMk cId="3345526427" sldId="305"/>
-            <ac:spMk id="5" creationId="{7167F84C-4979-4A48-9B6F-93CAB0C1E134}"/>
-          </ac:spMkLst>
-        </pc:spChg>
-        <pc:spChg chg="add mod">
-          <ac:chgData name="Lucas Neiva" userId="c0e7f46d-3f58-49f5-b7e2-d8df91d67c1f" providerId="ADAL" clId="{A4284FFF-1CBB-4C8E-9AF6-D5445A05EB2B}" dt="2022-04-11T16:26:04.533" v="3823" actId="1076"/>
-          <ac:spMkLst>
-            <pc:docMk/>
-            <pc:sldMk cId="3345526427" sldId="305"/>
-            <ac:spMk id="6" creationId="{FD7CB328-E3CC-4DFE-9BE3-EFC4F669DC9B}"/>
-          </ac:spMkLst>
-        </pc:spChg>
-        <pc:picChg chg="del">
-          <ac:chgData name="Lucas Neiva" userId="c0e7f46d-3f58-49f5-b7e2-d8df91d67c1f" providerId="ADAL" clId="{A4284FFF-1CBB-4C8E-9AF6-D5445A05EB2B}" dt="2022-04-08T03:36:29.502" v="139" actId="478"/>
-          <ac:picMkLst>
-            <pc:docMk/>
-            <pc:sldMk cId="3345526427" sldId="305"/>
-            <ac:picMk id="3" creationId="{4C8B8769-5377-4D09-9DC6-4389FEB0538B}"/>
-          </ac:picMkLst>
-        </pc:picChg>
-      </pc:sldChg>
-      <pc:sldMasterChg chg="modSldLayout">
-        <pc:chgData name="Lucas Neiva" userId="c0e7f46d-3f58-49f5-b7e2-d8df91d67c1f" providerId="ADAL" clId="{A4284FFF-1CBB-4C8E-9AF6-D5445A05EB2B}" dt="2022-04-08T03:33:46.167" v="111"/>
-        <pc:sldMasterMkLst>
-          <pc:docMk/>
-          <pc:sldMasterMk cId="1426427976" sldId="2147483648"/>
-        </pc:sldMasterMkLst>
-        <pc:sldLayoutChg chg="setBg">
-          <pc:chgData name="Lucas Neiva" userId="c0e7f46d-3f58-49f5-b7e2-d8df91d67c1f" providerId="ADAL" clId="{A4284FFF-1CBB-4C8E-9AF6-D5445A05EB2B}" dt="2022-04-08T03:33:46.167" v="111"/>
-          <pc:sldLayoutMkLst>
-            <pc:docMk/>
-            <pc:sldMasterMk cId="1426427976" sldId="2147483648"/>
-            <pc:sldLayoutMk cId="3693109471" sldId="2147483660"/>
-          </pc:sldLayoutMkLst>
-        </pc:sldLayoutChg>
-      </pc:sldMasterChg>
-    </pc:docChg>
-  </pc:docChgLst>
-</pc:chgInfo>
-</file>
-
 <file path=ppt/notesMasters/notesMaster1.xml><?xml version="1.0" encoding="utf-8"?>
 <p:notesMaster xmlns:a="http://schemas.openxmlformats.org/drawingml/2006/main" xmlns:r="http://schemas.openxmlformats.org/officeDocument/2006/relationships" xmlns:p="http://schemas.openxmlformats.org/presentationml/2006/main">
   <p:cSld>
@@ -822,7 +202,7 @@
           <a:p>
             <a:fld id="{58872D7B-688D-4BBA-93EB-EE76EEBCE458}" type="datetimeFigureOut">
               <a:rPr lang="pt-BR" smtClean="0"/>
-              <a:t>11/04/2022</a:t>
+              <a:t>13/04/2022</a:t>
             </a:fld>
             <a:endParaRPr lang="pt-BR"/>
           </a:p>
@@ -1199,7 +579,7 @@
                 <a:latin typeface="Roboto" pitchFamily="2" charset="0"/>
                 <a:ea typeface="Roboto" pitchFamily="2" charset="0"/>
               </a:rPr>
-              <a:t>Olá, hoje iremos apresentar sobre a nossa solução do projeto Enterprise Connection.</a:t>
+              <a:t>Olá! Hoje, iremos apresentar sobre a nossa solução do projeto Enterprise Connection.</a:t>
             </a:r>
             <a:endParaRPr dirty="0"/>
           </a:p>
@@ -1282,7 +662,7 @@
             </a:pPr>
             <a:r>
               <a:rPr lang="pt-BR" sz="1600" dirty="0"/>
-              <a:t>Sua produção é baseada em 2 tipos de produtos: os de base, vendidos à 30 reais e os customizados vendidos à 50 reais.</a:t>
+              <a:t>Sua produção é baseada em 2 tipos de produtos: os de base, vendidos à valores variáveis e os customizados vendidos à 50 reais.</a:t>
             </a:r>
           </a:p>
           <a:p>
@@ -1395,7 +775,7 @@
             </a:pPr>
             <a:r>
               <a:rPr lang="pt-BR" sz="1600" dirty="0"/>
-              <a:t>Através do conceito da Estrutura de Dados ..., nos baseamos em uma linguagem de programação que nos auxilie da melhor forma nessa situação. </a:t>
+              <a:t>Através do conceito da Estrutura de Dados (colocar a estrutura de dados que usamos), nos baseamos em uma linguagem de programação que nos auxilie da melhor forma nessa situação. </a:t>
             </a:r>
           </a:p>
           <a:p>
@@ -1408,18 +788,8 @@
             </a:pPr>
             <a:r>
               <a:rPr lang="pt-BR" sz="1600" dirty="0"/>
-              <a:t>Através do Python, conseguimos solucionar e otimizar o problema que nos foi apresentado. </a:t>
-            </a:r>
-          </a:p>
-          <a:p>
-            <a:pPr marL="0" indent="0">
-              <a:spcBef>
-                <a:spcPts val="0"/>
-              </a:spcBef>
-              <a:buFont typeface="Roboto"/>
-              <a:buNone/>
-            </a:pPr>
-            <a:endParaRPr lang="pt-BR" sz="1600" dirty="0"/>
+              <a:t>Através do Python, conseguimos solucionar e otimizar o problema que nos foi apresentado. Além de entregarmos mais informações do que os lucros como vocês virão mais para frente.</a:t>
+            </a:r>
           </a:p>
           <a:p>
             <a:pPr marL="0" indent="0">
@@ -1540,7 +910,7 @@
                   <a:srgbClr val="FFFF00"/>
                 </a:highlight>
               </a:rPr>
-              <a:t>Mas para que isso fosse possível, contamos com um time capacitado para essa situação. *ler o integrantes e suas responsabilidades*</a:t>
+              <a:t>Mas para que a nossa solução fosse possível, contamos com um time capacitado para essa situação. *ler o integrantes e suas responsabilidades*</a:t>
             </a:r>
           </a:p>
         </p:txBody>
@@ -1604,7 +974,7 @@
           <a:p>
             <a:r>
               <a:rPr lang="pt-BR" dirty="0"/>
-              <a:t>Após essa explicação esquematizada, fiquem agora com a visualização do código em funcionamento. É com você, João!</a:t>
+              <a:t>Fiquem agora com a visualização do código em funcionamento. É com você, João!</a:t>
             </a:r>
           </a:p>
         </p:txBody>
@@ -1737,6 +1107,26 @@
               </a:spcBef>
               <a:buNone/>
             </a:pPr>
+            <a:r>
+              <a:rPr lang="pt-BR" sz="1100" u="none" dirty="0">
+                <a:solidFill>
+                  <a:schemeClr val="bg1"/>
+                </a:solidFill>
+                <a:latin typeface="Roboto" pitchFamily="2" charset="0"/>
+                <a:ea typeface="Roboto" pitchFamily="2" charset="0"/>
+              </a:rPr>
+              <a:t>Ficamos por aqui, pessoal! Com esse algoritmo, conseguimos otimizar o levantamento mensal e anual do lucro da nossa empresa, além de </a:t>
+            </a:r>
+            <a:r>
+              <a:rPr lang="pt-BR" sz="1100" u="none">
+                <a:solidFill>
+                  <a:schemeClr val="bg1"/>
+                </a:solidFill>
+                <a:latin typeface="Roboto" pitchFamily="2" charset="0"/>
+                <a:ea typeface="Roboto" pitchFamily="2" charset="0"/>
+              </a:rPr>
+              <a:t>diversos outros dados. </a:t>
+            </a:r>
             <a:endParaRPr lang="pt-BR" sz="1100" u="none" dirty="0">
               <a:solidFill>
                 <a:schemeClr val="bg1"/>
@@ -1944,7 +1334,7 @@
           <a:p>
             <a:fld id="{EA1DB3B5-7326-4D09-AE12-4EF6A5C8E079}" type="datetimeFigureOut">
               <a:rPr lang="pt-BR" smtClean="0"/>
-              <a:t>11/04/2022</a:t>
+              <a:t>13/04/2022</a:t>
             </a:fld>
             <a:endParaRPr lang="pt-BR"/>
           </a:p>
@@ -2142,7 +1532,7 @@
           <a:p>
             <a:fld id="{EA1DB3B5-7326-4D09-AE12-4EF6A5C8E079}" type="datetimeFigureOut">
               <a:rPr lang="pt-BR" smtClean="0"/>
-              <a:t>11/04/2022</a:t>
+              <a:t>13/04/2022</a:t>
             </a:fld>
             <a:endParaRPr lang="pt-BR"/>
           </a:p>
@@ -2350,7 +1740,7 @@
           <a:p>
             <a:fld id="{EA1DB3B5-7326-4D09-AE12-4EF6A5C8E079}" type="datetimeFigureOut">
               <a:rPr lang="pt-BR" smtClean="0"/>
-              <a:t>11/04/2022</a:t>
+              <a:t>13/04/2022</a:t>
             </a:fld>
             <a:endParaRPr lang="pt-BR"/>
           </a:p>
@@ -3797,7 +3187,7 @@
           <a:p>
             <a:fld id="{EA1DB3B5-7326-4D09-AE12-4EF6A5C8E079}" type="datetimeFigureOut">
               <a:rPr lang="pt-BR" smtClean="0"/>
-              <a:t>11/04/2022</a:t>
+              <a:t>13/04/2022</a:t>
             </a:fld>
             <a:endParaRPr lang="pt-BR"/>
           </a:p>
@@ -4072,7 +3462,7 @@
           <a:p>
             <a:fld id="{EA1DB3B5-7326-4D09-AE12-4EF6A5C8E079}" type="datetimeFigureOut">
               <a:rPr lang="pt-BR" smtClean="0"/>
-              <a:t>11/04/2022</a:t>
+              <a:t>13/04/2022</a:t>
             </a:fld>
             <a:endParaRPr lang="pt-BR"/>
           </a:p>
@@ -4337,7 +3727,7 @@
           <a:p>
             <a:fld id="{EA1DB3B5-7326-4D09-AE12-4EF6A5C8E079}" type="datetimeFigureOut">
               <a:rPr lang="pt-BR" smtClean="0"/>
-              <a:t>11/04/2022</a:t>
+              <a:t>13/04/2022</a:t>
             </a:fld>
             <a:endParaRPr lang="pt-BR"/>
           </a:p>
@@ -4749,7 +4139,7 @@
           <a:p>
             <a:fld id="{EA1DB3B5-7326-4D09-AE12-4EF6A5C8E079}" type="datetimeFigureOut">
               <a:rPr lang="pt-BR" smtClean="0"/>
-              <a:t>11/04/2022</a:t>
+              <a:t>13/04/2022</a:t>
             </a:fld>
             <a:endParaRPr lang="pt-BR"/>
           </a:p>
@@ -4890,7 +4280,7 @@
           <a:p>
             <a:fld id="{EA1DB3B5-7326-4D09-AE12-4EF6A5C8E079}" type="datetimeFigureOut">
               <a:rPr lang="pt-BR" smtClean="0"/>
-              <a:t>11/04/2022</a:t>
+              <a:t>13/04/2022</a:t>
             </a:fld>
             <a:endParaRPr lang="pt-BR"/>
           </a:p>
@@ -5003,7 +4393,7 @@
           <a:p>
             <a:fld id="{EA1DB3B5-7326-4D09-AE12-4EF6A5C8E079}" type="datetimeFigureOut">
               <a:rPr lang="pt-BR" smtClean="0"/>
-              <a:t>11/04/2022</a:t>
+              <a:t>13/04/2022</a:t>
             </a:fld>
             <a:endParaRPr lang="pt-BR"/>
           </a:p>
@@ -5314,7 +4704,7 @@
           <a:p>
             <a:fld id="{EA1DB3B5-7326-4D09-AE12-4EF6A5C8E079}" type="datetimeFigureOut">
               <a:rPr lang="pt-BR" smtClean="0"/>
-              <a:t>11/04/2022</a:t>
+              <a:t>13/04/2022</a:t>
             </a:fld>
             <a:endParaRPr lang="pt-BR"/>
           </a:p>
@@ -5602,7 +4992,7 @@
           <a:p>
             <a:fld id="{EA1DB3B5-7326-4D09-AE12-4EF6A5C8E079}" type="datetimeFigureOut">
               <a:rPr lang="pt-BR" smtClean="0"/>
-              <a:t>11/04/2022</a:t>
+              <a:t>13/04/2022</a:t>
             </a:fld>
             <a:endParaRPr lang="pt-BR"/>
           </a:p>
@@ -5843,7 +5233,7 @@
           <a:p>
             <a:fld id="{EA1DB3B5-7326-4D09-AE12-4EF6A5C8E079}" type="datetimeFigureOut">
               <a:rPr lang="pt-BR" smtClean="0"/>
-              <a:t>11/04/2022</a:t>
+              <a:t>13/04/2022</a:t>
             </a:fld>
             <a:endParaRPr lang="pt-BR"/>
           </a:p>
@@ -6289,6 +5679,13 @@
           <a:ln>
             <a:noFill/>
           </a:ln>
+          <a:effectLst>
+            <a:outerShdw blurRad="50800" dist="38100" dir="2700000" algn="tl" rotWithShape="0">
+              <a:prstClr val="black">
+                <a:alpha val="40000"/>
+              </a:prstClr>
+            </a:outerShdw>
+          </a:effectLst>
         </p:spPr>
         <p:txBody>
           <a:bodyPr spcFirstLastPara="1" wrap="square" lIns="121900" tIns="121900" rIns="121900" bIns="121900" anchor="b" anchorCtr="0">
@@ -6589,6 +5986,13 @@
           <a:prstGeom prst="rect">
             <a:avLst/>
           </a:prstGeom>
+          <a:effectLst>
+            <a:outerShdw blurRad="50800" dist="38100" dir="2700000" algn="tl" rotWithShape="0">
+              <a:prstClr val="black">
+                <a:alpha val="40000"/>
+              </a:prstClr>
+            </a:outerShdw>
+          </a:effectLst>
         </p:spPr>
         <p:txBody>
           <a:bodyPr/>
@@ -6862,6 +6266,13 @@
           <a:ln>
             <a:noFill/>
           </a:ln>
+          <a:effectLst>
+            <a:outerShdw blurRad="50800" dist="38100" dir="2700000" algn="tl" rotWithShape="0">
+              <a:prstClr val="black">
+                <a:alpha val="40000"/>
+              </a:prstClr>
+            </a:outerShdw>
+          </a:effectLst>
         </p:spPr>
         <p:txBody>
           <a:bodyPr spcFirstLastPara="1" wrap="square" lIns="121900" tIns="121900" rIns="121900" bIns="121900" anchor="t" anchorCtr="0">
@@ -7207,8 +6618,8 @@
         </p:nvSpPr>
         <p:spPr>
           <a:xfrm>
-            <a:off x="3950169" y="4011727"/>
-            <a:ext cx="8195630" cy="2556626"/>
+            <a:off x="3626460" y="4011726"/>
+            <a:ext cx="8775091" cy="2846273"/>
           </a:xfrm>
           <a:prstGeom prst="rect">
             <a:avLst/>
@@ -7438,7 +6849,19 @@
             </a:r>
             <a:r>
               <a:rPr lang="pt-BR" sz="2500" dirty="0"/>
-              <a:t>; ▪ Obrigatoriamente, os produtos customizados mais antigos, são </a:t>
+              <a:t>; </a:t>
+            </a:r>
+          </a:p>
+          <a:p>
+            <a:pPr marL="139700" indent="0">
+              <a:spcBef>
+                <a:spcPts val="0"/>
+              </a:spcBef>
+              <a:buNone/>
+            </a:pPr>
+            <a:r>
+              <a:rPr lang="pt-BR" sz="2500" dirty="0"/>
+              <a:t>▪ Obrigatoriamente, os produtos customizados mais antigos, são </a:t>
             </a:r>
             <a:r>
               <a:rPr lang="pt-BR" sz="2500" b="1" i="1" dirty="0">
@@ -7765,7 +7188,7 @@
               <a:rPr lang="pt-BR" sz="2500" dirty="0">
                 <a:cs typeface="Calibri" panose="020F0502020204030204"/>
               </a:rPr>
-              <a:t>Produtos Base R$30,00</a:t>
+              <a:t>Produtos Base R$ *variável*</a:t>
             </a:r>
           </a:p>
           <a:p>
@@ -8486,8 +7909,8 @@
         </p:nvSpPr>
         <p:spPr>
           <a:xfrm>
-            <a:off x="2648647" y="1444462"/>
-            <a:ext cx="9299239" cy="2148111"/>
+            <a:off x="2544866" y="1388501"/>
+            <a:ext cx="9647134" cy="2148111"/>
           </a:xfrm>
           <a:prstGeom prst="rect">
             <a:avLst/>
@@ -8760,7 +8183,7 @@
               <a:rPr lang="pt-BR" sz="2400" dirty="0">
                 <a:cs typeface="Calibri" panose="020F0502020204030204"/>
               </a:rPr>
-              <a:t>Baseado na metodologia de Estrutura de Dados ..., utilizamos uma linguagem que seja de rápida e fácil lógica para a implementação da solução. </a:t>
+              <a:t>Baseado na metodologia de Estrutura de Dados, utilizamos uma linguagem que seja de rápida e fácil lógica para a implementação da solução. </a:t>
             </a:r>
           </a:p>
           <a:p>
@@ -9503,6 +8926,737 @@
           </a:effectLst>
         </p:spPr>
       </p:pic>
+      <p:sp>
+        <p:nvSpPr>
+          <p:cNvPr id="16" name="Espaço Reservado para Conteúdo 2">
+            <a:extLst>
+              <a:ext uri="{FF2B5EF4-FFF2-40B4-BE49-F238E27FC236}">
+                <a16:creationId xmlns:a16="http://schemas.microsoft.com/office/drawing/2014/main" id="{92B3D3F6-11CD-4E54-858D-4E56D2BA8F87}"/>
+              </a:ext>
+            </a:extLst>
+          </p:cNvPr>
+          <p:cNvSpPr txBox="1">
+            <a:spLocks/>
+          </p:cNvSpPr>
+          <p:nvPr/>
+        </p:nvSpPr>
+        <p:spPr>
+          <a:xfrm>
+            <a:off x="3087168" y="3466735"/>
+            <a:ext cx="8860718" cy="1908309"/>
+          </a:xfrm>
+          <a:prstGeom prst="rect">
+            <a:avLst/>
+          </a:prstGeom>
+          <a:noFill/>
+          <a:ln>
+            <a:noFill/>
+          </a:ln>
+        </p:spPr>
+        <p:txBody>
+          <a:bodyPr spcFirstLastPara="1" wrap="square" lIns="121900" tIns="121900" rIns="121900" bIns="121900" anchor="t" anchorCtr="0">
+            <a:normAutofit lnSpcReduction="10000"/>
+          </a:bodyPr>
+          <a:lstStyle>
+            <a:defPPr marR="0" lvl="0" algn="l" rtl="0">
+              <a:lnSpc>
+                <a:spcPct val="100000"/>
+              </a:lnSpc>
+              <a:spcBef>
+                <a:spcPts val="0"/>
+              </a:spcBef>
+              <a:spcAft>
+                <a:spcPts val="0"/>
+              </a:spcAft>
+            </a:defPPr>
+            <a:lvl1pPr marL="457200" marR="0" lvl="0" indent="-419100" algn="l" rtl="0">
+              <a:lnSpc>
+                <a:spcPct val="100000"/>
+              </a:lnSpc>
+              <a:spcBef>
+                <a:spcPts val="600"/>
+              </a:spcBef>
+              <a:spcAft>
+                <a:spcPts val="0"/>
+              </a:spcAft>
+              <a:buClr>
+                <a:schemeClr val="accent1"/>
+              </a:buClr>
+              <a:buSzPts val="3000"/>
+              <a:buFont typeface="Roboto"/>
+              <a:buChar char="▸"/>
+              <a:defRPr sz="3000" b="0" i="0" u="none" strike="noStrike" cap="none">
+                <a:solidFill>
+                  <a:schemeClr val="dk1"/>
+                </a:solidFill>
+                <a:latin typeface="Roboto"/>
+                <a:ea typeface="Roboto"/>
+                <a:cs typeface="Roboto"/>
+                <a:sym typeface="Roboto"/>
+              </a:defRPr>
+            </a:lvl1pPr>
+            <a:lvl2pPr marL="914400" marR="0" lvl="1" indent="-381000" algn="l" rtl="0">
+              <a:lnSpc>
+                <a:spcPct val="100000"/>
+              </a:lnSpc>
+              <a:spcBef>
+                <a:spcPts val="0"/>
+              </a:spcBef>
+              <a:spcAft>
+                <a:spcPts val="0"/>
+              </a:spcAft>
+              <a:buClr>
+                <a:schemeClr val="accent2"/>
+              </a:buClr>
+              <a:buSzPts val="2400"/>
+              <a:buFont typeface="Roboto"/>
+              <a:buChar char="▹"/>
+              <a:defRPr sz="2400" b="0" i="0" u="none" strike="noStrike" cap="none">
+                <a:solidFill>
+                  <a:schemeClr val="dk1"/>
+                </a:solidFill>
+                <a:latin typeface="Roboto"/>
+                <a:ea typeface="Roboto"/>
+                <a:cs typeface="Roboto"/>
+                <a:sym typeface="Roboto"/>
+              </a:defRPr>
+            </a:lvl2pPr>
+            <a:lvl3pPr marL="1371600" marR="0" lvl="2" indent="-381000" algn="l" rtl="0">
+              <a:lnSpc>
+                <a:spcPct val="100000"/>
+              </a:lnSpc>
+              <a:spcBef>
+                <a:spcPts val="0"/>
+              </a:spcBef>
+              <a:spcAft>
+                <a:spcPts val="0"/>
+              </a:spcAft>
+              <a:buClr>
+                <a:schemeClr val="accent5"/>
+              </a:buClr>
+              <a:buSzPts val="2400"/>
+              <a:buFont typeface="Roboto"/>
+              <a:buChar char="▹"/>
+              <a:defRPr sz="2400" b="0" i="0" u="none" strike="noStrike" cap="none">
+                <a:solidFill>
+                  <a:schemeClr val="dk1"/>
+                </a:solidFill>
+                <a:latin typeface="Roboto"/>
+                <a:ea typeface="Roboto"/>
+                <a:cs typeface="Roboto"/>
+                <a:sym typeface="Roboto"/>
+              </a:defRPr>
+            </a:lvl3pPr>
+            <a:lvl4pPr marL="1828800" marR="0" lvl="3" indent="-342900" algn="l" rtl="0">
+              <a:lnSpc>
+                <a:spcPct val="100000"/>
+              </a:lnSpc>
+              <a:spcBef>
+                <a:spcPts val="0"/>
+              </a:spcBef>
+              <a:spcAft>
+                <a:spcPts val="0"/>
+              </a:spcAft>
+              <a:buClr>
+                <a:schemeClr val="accent5"/>
+              </a:buClr>
+              <a:buSzPts val="1800"/>
+              <a:buFont typeface="Roboto"/>
+              <a:buChar char="▹"/>
+              <a:defRPr sz="1800" b="0" i="0" u="none" strike="noStrike" cap="none">
+                <a:solidFill>
+                  <a:schemeClr val="dk1"/>
+                </a:solidFill>
+                <a:latin typeface="Roboto"/>
+                <a:ea typeface="Roboto"/>
+                <a:cs typeface="Roboto"/>
+                <a:sym typeface="Roboto"/>
+              </a:defRPr>
+            </a:lvl4pPr>
+            <a:lvl5pPr marL="2286000" marR="0" lvl="4" indent="-342900" algn="l" rtl="0">
+              <a:lnSpc>
+                <a:spcPct val="100000"/>
+              </a:lnSpc>
+              <a:spcBef>
+                <a:spcPts val="0"/>
+              </a:spcBef>
+              <a:spcAft>
+                <a:spcPts val="0"/>
+              </a:spcAft>
+              <a:buClr>
+                <a:schemeClr val="accent5"/>
+              </a:buClr>
+              <a:buSzPts val="1800"/>
+              <a:buFont typeface="Roboto"/>
+              <a:buChar char="▹"/>
+              <a:defRPr sz="1800" b="0" i="0" u="none" strike="noStrike" cap="none">
+                <a:solidFill>
+                  <a:schemeClr val="dk1"/>
+                </a:solidFill>
+                <a:latin typeface="Roboto"/>
+                <a:ea typeface="Roboto"/>
+                <a:cs typeface="Roboto"/>
+                <a:sym typeface="Roboto"/>
+              </a:defRPr>
+            </a:lvl5pPr>
+            <a:lvl6pPr marL="2743200" marR="0" lvl="5" indent="-342900" algn="l" rtl="0">
+              <a:lnSpc>
+                <a:spcPct val="100000"/>
+              </a:lnSpc>
+              <a:spcBef>
+                <a:spcPts val="0"/>
+              </a:spcBef>
+              <a:spcAft>
+                <a:spcPts val="0"/>
+              </a:spcAft>
+              <a:buClr>
+                <a:schemeClr val="accent5"/>
+              </a:buClr>
+              <a:buSzPts val="1800"/>
+              <a:buFont typeface="Roboto"/>
+              <a:buChar char="▹"/>
+              <a:defRPr sz="1800" b="0" i="0" u="none" strike="noStrike" cap="none">
+                <a:solidFill>
+                  <a:schemeClr val="dk1"/>
+                </a:solidFill>
+                <a:latin typeface="Roboto"/>
+                <a:ea typeface="Roboto"/>
+                <a:cs typeface="Roboto"/>
+                <a:sym typeface="Roboto"/>
+              </a:defRPr>
+            </a:lvl6pPr>
+            <a:lvl7pPr marL="3200400" marR="0" lvl="6" indent="-342900" algn="l" rtl="0">
+              <a:lnSpc>
+                <a:spcPct val="100000"/>
+              </a:lnSpc>
+              <a:spcBef>
+                <a:spcPts val="0"/>
+              </a:spcBef>
+              <a:spcAft>
+                <a:spcPts val="0"/>
+              </a:spcAft>
+              <a:buClr>
+                <a:schemeClr val="accent5"/>
+              </a:buClr>
+              <a:buSzPts val="1800"/>
+              <a:buFont typeface="Roboto"/>
+              <a:buChar char="▹"/>
+              <a:defRPr sz="1800" b="0" i="0" u="none" strike="noStrike" cap="none">
+                <a:solidFill>
+                  <a:schemeClr val="dk1"/>
+                </a:solidFill>
+                <a:latin typeface="Roboto"/>
+                <a:ea typeface="Roboto"/>
+                <a:cs typeface="Roboto"/>
+                <a:sym typeface="Roboto"/>
+              </a:defRPr>
+            </a:lvl7pPr>
+            <a:lvl8pPr marL="3657600" marR="0" lvl="7" indent="-342900" algn="l" rtl="0">
+              <a:lnSpc>
+                <a:spcPct val="100000"/>
+              </a:lnSpc>
+              <a:spcBef>
+                <a:spcPts val="0"/>
+              </a:spcBef>
+              <a:spcAft>
+                <a:spcPts val="0"/>
+              </a:spcAft>
+              <a:buClr>
+                <a:schemeClr val="accent5"/>
+              </a:buClr>
+              <a:buSzPts val="1800"/>
+              <a:buFont typeface="Roboto"/>
+              <a:buChar char="▹"/>
+              <a:defRPr sz="1800" b="0" i="0" u="none" strike="noStrike" cap="none">
+                <a:solidFill>
+                  <a:schemeClr val="dk1"/>
+                </a:solidFill>
+                <a:latin typeface="Roboto"/>
+                <a:ea typeface="Roboto"/>
+                <a:cs typeface="Roboto"/>
+                <a:sym typeface="Roboto"/>
+              </a:defRPr>
+            </a:lvl8pPr>
+            <a:lvl9pPr marL="4114800" marR="0" lvl="8" indent="-342900" algn="l" rtl="0">
+              <a:lnSpc>
+                <a:spcPct val="100000"/>
+              </a:lnSpc>
+              <a:spcBef>
+                <a:spcPts val="0"/>
+              </a:spcBef>
+              <a:spcAft>
+                <a:spcPts val="0"/>
+              </a:spcAft>
+              <a:buClr>
+                <a:schemeClr val="accent5"/>
+              </a:buClr>
+              <a:buSzPts val="1800"/>
+              <a:buFont typeface="Roboto"/>
+              <a:buChar char="▹"/>
+              <a:defRPr sz="1800" b="0" i="0" u="none" strike="noStrike" cap="none">
+                <a:solidFill>
+                  <a:schemeClr val="dk1"/>
+                </a:solidFill>
+                <a:latin typeface="Roboto"/>
+                <a:ea typeface="Roboto"/>
+                <a:cs typeface="Roboto"/>
+                <a:sym typeface="Roboto"/>
+              </a:defRPr>
+            </a:lvl9pPr>
+          </a:lstStyle>
+          <a:p>
+            <a:pPr marL="0" indent="0">
+              <a:spcBef>
+                <a:spcPts val="0"/>
+              </a:spcBef>
+              <a:buSzPct val="75000"/>
+              <a:buNone/>
+            </a:pPr>
+            <a:r>
+              <a:rPr lang="pt-BR" sz="2400" dirty="0">
+                <a:cs typeface="Calibri" panose="020F0502020204030204"/>
+              </a:rPr>
+              <a:t>Utilizamos uma estrutura de dados:</a:t>
+            </a:r>
+          </a:p>
+          <a:p>
+            <a:pPr marL="0" indent="0">
+              <a:spcBef>
+                <a:spcPts val="0"/>
+              </a:spcBef>
+              <a:buSzPct val="75000"/>
+              <a:buNone/>
+            </a:pPr>
+            <a:endParaRPr lang="pt-BR" sz="1600" dirty="0">
+              <a:cs typeface="Calibri" panose="020F0502020204030204"/>
+            </a:endParaRPr>
+          </a:p>
+          <a:p>
+            <a:pPr marL="0" indent="0">
+              <a:spcBef>
+                <a:spcPts val="0"/>
+              </a:spcBef>
+              <a:buSzPct val="75000"/>
+              <a:buNone/>
+            </a:pPr>
+            <a:r>
+              <a:rPr lang="pt-BR" sz="2400" b="1" i="1" dirty="0">
+                <a:solidFill>
+                  <a:srgbClr val="FF8700"/>
+                </a:solidFill>
+                <a:cs typeface="Calibri" panose="020F0502020204030204"/>
+              </a:rPr>
+              <a:t>		for</a:t>
+            </a:r>
+            <a:r>
+              <a:rPr lang="pt-BR" sz="2400" dirty="0">
+                <a:cs typeface="Calibri" panose="020F0502020204030204"/>
+              </a:rPr>
+              <a:t> mês </a:t>
+            </a:r>
+            <a:r>
+              <a:rPr lang="pt-BR" sz="2400" b="1" i="1" dirty="0">
+                <a:solidFill>
+                  <a:srgbClr val="FF8700"/>
+                </a:solidFill>
+                <a:cs typeface="Calibri" panose="020F0502020204030204"/>
+              </a:rPr>
+              <a:t>in</a:t>
+            </a:r>
+            <a:r>
+              <a:rPr lang="pt-BR" sz="2400" dirty="0">
+                <a:cs typeface="Calibri" panose="020F0502020204030204"/>
+              </a:rPr>
+              <a:t> 12meses {</a:t>
+            </a:r>
+          </a:p>
+          <a:p>
+            <a:pPr marL="0" indent="0">
+              <a:spcBef>
+                <a:spcPts val="0"/>
+              </a:spcBef>
+              <a:buSzPct val="75000"/>
+              <a:buNone/>
+            </a:pPr>
+            <a:r>
+              <a:rPr lang="pt-BR" sz="2400" dirty="0">
+                <a:cs typeface="Calibri" panose="020F0502020204030204"/>
+              </a:rPr>
+              <a:t>		       ....</a:t>
+            </a:r>
+          </a:p>
+          <a:p>
+            <a:pPr marL="0" indent="0">
+              <a:spcBef>
+                <a:spcPts val="0"/>
+              </a:spcBef>
+              <a:buSzPct val="75000"/>
+              <a:buNone/>
+            </a:pPr>
+            <a:r>
+              <a:rPr lang="pt-BR" sz="2400" dirty="0">
+                <a:cs typeface="Calibri" panose="020F0502020204030204"/>
+              </a:rPr>
+              <a:t>		}</a:t>
+            </a:r>
+          </a:p>
+        </p:txBody>
+      </p:sp>
+      <p:sp>
+        <p:nvSpPr>
+          <p:cNvPr id="17" name="Espaço Reservado para Conteúdo 2">
+            <a:extLst>
+              <a:ext uri="{FF2B5EF4-FFF2-40B4-BE49-F238E27FC236}">
+                <a16:creationId xmlns:a16="http://schemas.microsoft.com/office/drawing/2014/main" id="{E7673CBA-FBE5-49FE-A90B-07CAFBDBEF1D}"/>
+              </a:ext>
+            </a:extLst>
+          </p:cNvPr>
+          <p:cNvSpPr txBox="1">
+            <a:spLocks/>
+          </p:cNvSpPr>
+          <p:nvPr/>
+        </p:nvSpPr>
+        <p:spPr>
+          <a:xfrm>
+            <a:off x="4190344" y="5139290"/>
+            <a:ext cx="7995479" cy="1672553"/>
+          </a:xfrm>
+          <a:prstGeom prst="rect">
+            <a:avLst/>
+          </a:prstGeom>
+          <a:noFill/>
+          <a:ln>
+            <a:noFill/>
+          </a:ln>
+        </p:spPr>
+        <p:txBody>
+          <a:bodyPr spcFirstLastPara="1" wrap="square" lIns="121900" tIns="121900" rIns="121900" bIns="121900" anchor="t" anchorCtr="0">
+            <a:normAutofit lnSpcReduction="10000"/>
+          </a:bodyPr>
+          <a:lstStyle>
+            <a:defPPr marR="0" lvl="0" algn="l" rtl="0">
+              <a:lnSpc>
+                <a:spcPct val="100000"/>
+              </a:lnSpc>
+              <a:spcBef>
+                <a:spcPts val="0"/>
+              </a:spcBef>
+              <a:spcAft>
+                <a:spcPts val="0"/>
+              </a:spcAft>
+            </a:defPPr>
+            <a:lvl1pPr marL="457200" marR="0" lvl="0" indent="-419100" algn="l" rtl="0">
+              <a:lnSpc>
+                <a:spcPct val="100000"/>
+              </a:lnSpc>
+              <a:spcBef>
+                <a:spcPts val="600"/>
+              </a:spcBef>
+              <a:spcAft>
+                <a:spcPts val="0"/>
+              </a:spcAft>
+              <a:buClr>
+                <a:schemeClr val="accent1"/>
+              </a:buClr>
+              <a:buSzPts val="3000"/>
+              <a:buFont typeface="Roboto"/>
+              <a:buChar char="▸"/>
+              <a:defRPr sz="3000" b="0" i="0" u="none" strike="noStrike" cap="none">
+                <a:solidFill>
+                  <a:schemeClr val="dk1"/>
+                </a:solidFill>
+                <a:latin typeface="Roboto"/>
+                <a:ea typeface="Roboto"/>
+                <a:cs typeface="Roboto"/>
+                <a:sym typeface="Roboto"/>
+              </a:defRPr>
+            </a:lvl1pPr>
+            <a:lvl2pPr marL="914400" marR="0" lvl="1" indent="-381000" algn="l" rtl="0">
+              <a:lnSpc>
+                <a:spcPct val="100000"/>
+              </a:lnSpc>
+              <a:spcBef>
+                <a:spcPts val="0"/>
+              </a:spcBef>
+              <a:spcAft>
+                <a:spcPts val="0"/>
+              </a:spcAft>
+              <a:buClr>
+                <a:schemeClr val="accent2"/>
+              </a:buClr>
+              <a:buSzPts val="2400"/>
+              <a:buFont typeface="Roboto"/>
+              <a:buChar char="▹"/>
+              <a:defRPr sz="2400" b="0" i="0" u="none" strike="noStrike" cap="none">
+                <a:solidFill>
+                  <a:schemeClr val="dk1"/>
+                </a:solidFill>
+                <a:latin typeface="Roboto"/>
+                <a:ea typeface="Roboto"/>
+                <a:cs typeface="Roboto"/>
+                <a:sym typeface="Roboto"/>
+              </a:defRPr>
+            </a:lvl2pPr>
+            <a:lvl3pPr marL="1371600" marR="0" lvl="2" indent="-381000" algn="l" rtl="0">
+              <a:lnSpc>
+                <a:spcPct val="100000"/>
+              </a:lnSpc>
+              <a:spcBef>
+                <a:spcPts val="0"/>
+              </a:spcBef>
+              <a:spcAft>
+                <a:spcPts val="0"/>
+              </a:spcAft>
+              <a:buClr>
+                <a:schemeClr val="accent5"/>
+              </a:buClr>
+              <a:buSzPts val="2400"/>
+              <a:buFont typeface="Roboto"/>
+              <a:buChar char="▹"/>
+              <a:defRPr sz="2400" b="0" i="0" u="none" strike="noStrike" cap="none">
+                <a:solidFill>
+                  <a:schemeClr val="dk1"/>
+                </a:solidFill>
+                <a:latin typeface="Roboto"/>
+                <a:ea typeface="Roboto"/>
+                <a:cs typeface="Roboto"/>
+                <a:sym typeface="Roboto"/>
+              </a:defRPr>
+            </a:lvl3pPr>
+            <a:lvl4pPr marL="1828800" marR="0" lvl="3" indent="-342900" algn="l" rtl="0">
+              <a:lnSpc>
+                <a:spcPct val="100000"/>
+              </a:lnSpc>
+              <a:spcBef>
+                <a:spcPts val="0"/>
+              </a:spcBef>
+              <a:spcAft>
+                <a:spcPts val="0"/>
+              </a:spcAft>
+              <a:buClr>
+                <a:schemeClr val="accent5"/>
+              </a:buClr>
+              <a:buSzPts val="1800"/>
+              <a:buFont typeface="Roboto"/>
+              <a:buChar char="▹"/>
+              <a:defRPr sz="1800" b="0" i="0" u="none" strike="noStrike" cap="none">
+                <a:solidFill>
+                  <a:schemeClr val="dk1"/>
+                </a:solidFill>
+                <a:latin typeface="Roboto"/>
+                <a:ea typeface="Roboto"/>
+                <a:cs typeface="Roboto"/>
+                <a:sym typeface="Roboto"/>
+              </a:defRPr>
+            </a:lvl4pPr>
+            <a:lvl5pPr marL="2286000" marR="0" lvl="4" indent="-342900" algn="l" rtl="0">
+              <a:lnSpc>
+                <a:spcPct val="100000"/>
+              </a:lnSpc>
+              <a:spcBef>
+                <a:spcPts val="0"/>
+              </a:spcBef>
+              <a:spcAft>
+                <a:spcPts val="0"/>
+              </a:spcAft>
+              <a:buClr>
+                <a:schemeClr val="accent5"/>
+              </a:buClr>
+              <a:buSzPts val="1800"/>
+              <a:buFont typeface="Roboto"/>
+              <a:buChar char="▹"/>
+              <a:defRPr sz="1800" b="0" i="0" u="none" strike="noStrike" cap="none">
+                <a:solidFill>
+                  <a:schemeClr val="dk1"/>
+                </a:solidFill>
+                <a:latin typeface="Roboto"/>
+                <a:ea typeface="Roboto"/>
+                <a:cs typeface="Roboto"/>
+                <a:sym typeface="Roboto"/>
+              </a:defRPr>
+            </a:lvl5pPr>
+            <a:lvl6pPr marL="2743200" marR="0" lvl="5" indent="-342900" algn="l" rtl="0">
+              <a:lnSpc>
+                <a:spcPct val="100000"/>
+              </a:lnSpc>
+              <a:spcBef>
+                <a:spcPts val="0"/>
+              </a:spcBef>
+              <a:spcAft>
+                <a:spcPts val="0"/>
+              </a:spcAft>
+              <a:buClr>
+                <a:schemeClr val="accent5"/>
+              </a:buClr>
+              <a:buSzPts val="1800"/>
+              <a:buFont typeface="Roboto"/>
+              <a:buChar char="▹"/>
+              <a:defRPr sz="1800" b="0" i="0" u="none" strike="noStrike" cap="none">
+                <a:solidFill>
+                  <a:schemeClr val="dk1"/>
+                </a:solidFill>
+                <a:latin typeface="Roboto"/>
+                <a:ea typeface="Roboto"/>
+                <a:cs typeface="Roboto"/>
+                <a:sym typeface="Roboto"/>
+              </a:defRPr>
+            </a:lvl6pPr>
+            <a:lvl7pPr marL="3200400" marR="0" lvl="6" indent="-342900" algn="l" rtl="0">
+              <a:lnSpc>
+                <a:spcPct val="100000"/>
+              </a:lnSpc>
+              <a:spcBef>
+                <a:spcPts val="0"/>
+              </a:spcBef>
+              <a:spcAft>
+                <a:spcPts val="0"/>
+              </a:spcAft>
+              <a:buClr>
+                <a:schemeClr val="accent5"/>
+              </a:buClr>
+              <a:buSzPts val="1800"/>
+              <a:buFont typeface="Roboto"/>
+              <a:buChar char="▹"/>
+              <a:defRPr sz="1800" b="0" i="0" u="none" strike="noStrike" cap="none">
+                <a:solidFill>
+                  <a:schemeClr val="dk1"/>
+                </a:solidFill>
+                <a:latin typeface="Roboto"/>
+                <a:ea typeface="Roboto"/>
+                <a:cs typeface="Roboto"/>
+                <a:sym typeface="Roboto"/>
+              </a:defRPr>
+            </a:lvl7pPr>
+            <a:lvl8pPr marL="3657600" marR="0" lvl="7" indent="-342900" algn="l" rtl="0">
+              <a:lnSpc>
+                <a:spcPct val="100000"/>
+              </a:lnSpc>
+              <a:spcBef>
+                <a:spcPts val="0"/>
+              </a:spcBef>
+              <a:spcAft>
+                <a:spcPts val="0"/>
+              </a:spcAft>
+              <a:buClr>
+                <a:schemeClr val="accent5"/>
+              </a:buClr>
+              <a:buSzPts val="1800"/>
+              <a:buFont typeface="Roboto"/>
+              <a:buChar char="▹"/>
+              <a:defRPr sz="1800" b="0" i="0" u="none" strike="noStrike" cap="none">
+                <a:solidFill>
+                  <a:schemeClr val="dk1"/>
+                </a:solidFill>
+                <a:latin typeface="Roboto"/>
+                <a:ea typeface="Roboto"/>
+                <a:cs typeface="Roboto"/>
+                <a:sym typeface="Roboto"/>
+              </a:defRPr>
+            </a:lvl8pPr>
+            <a:lvl9pPr marL="4114800" marR="0" lvl="8" indent="-342900" algn="l" rtl="0">
+              <a:lnSpc>
+                <a:spcPct val="100000"/>
+              </a:lnSpc>
+              <a:spcBef>
+                <a:spcPts val="0"/>
+              </a:spcBef>
+              <a:spcAft>
+                <a:spcPts val="0"/>
+              </a:spcAft>
+              <a:buClr>
+                <a:schemeClr val="accent5"/>
+              </a:buClr>
+              <a:buSzPts val="1800"/>
+              <a:buFont typeface="Roboto"/>
+              <a:buChar char="▹"/>
+              <a:defRPr sz="1800" b="0" i="0" u="none" strike="noStrike" cap="none">
+                <a:solidFill>
+                  <a:schemeClr val="dk1"/>
+                </a:solidFill>
+                <a:latin typeface="Roboto"/>
+                <a:ea typeface="Roboto"/>
+                <a:cs typeface="Roboto"/>
+                <a:sym typeface="Roboto"/>
+              </a:defRPr>
+            </a:lvl9pPr>
+          </a:lstStyle>
+          <a:p>
+            <a:pPr marL="0" indent="0">
+              <a:spcBef>
+                <a:spcPts val="0"/>
+              </a:spcBef>
+              <a:buSzPct val="75000"/>
+              <a:buNone/>
+            </a:pPr>
+            <a:r>
+              <a:rPr lang="pt-BR" sz="2400" dirty="0">
+                <a:cs typeface="Calibri" panose="020F0502020204030204"/>
+              </a:rPr>
+              <a:t>Onde dentro dessa estrutura, </a:t>
+            </a:r>
+            <a:r>
+              <a:rPr lang="pt-BR" sz="2400" b="1" i="1" dirty="0">
+                <a:solidFill>
+                  <a:srgbClr val="FF8700"/>
+                </a:solidFill>
+                <a:cs typeface="Calibri" panose="020F0502020204030204"/>
+              </a:rPr>
+              <a:t>executamos as regras de negócio </a:t>
+            </a:r>
+            <a:r>
+              <a:rPr lang="pt-BR" sz="2400" dirty="0">
+                <a:cs typeface="Calibri" panose="020F0502020204030204"/>
+              </a:rPr>
+              <a:t>até que se termine o prazo determinado (12 meses) e apresente os </a:t>
+            </a:r>
+            <a:r>
+              <a:rPr lang="pt-BR" sz="2400" b="1" i="1" dirty="0">
+                <a:solidFill>
+                  <a:srgbClr val="FF8700"/>
+                </a:solidFill>
+                <a:cs typeface="Calibri" panose="020F0502020204030204"/>
+              </a:rPr>
+              <a:t>resultados</a:t>
+            </a:r>
+            <a:r>
+              <a:rPr lang="pt-BR" sz="2400" dirty="0">
+                <a:cs typeface="Calibri" panose="020F0502020204030204"/>
+              </a:rPr>
+              <a:t> de cada </a:t>
+            </a:r>
+            <a:r>
+              <a:rPr lang="pt-BR" sz="2400" b="1" i="1" dirty="0">
+                <a:solidFill>
+                  <a:srgbClr val="FF8700"/>
+                </a:solidFill>
+                <a:cs typeface="Calibri" panose="020F0502020204030204"/>
+              </a:rPr>
+              <a:t>mês</a:t>
+            </a:r>
+            <a:r>
+              <a:rPr lang="pt-BR" sz="2400" dirty="0">
+                <a:cs typeface="Calibri" panose="020F0502020204030204"/>
+              </a:rPr>
+              <a:t> e do </a:t>
+            </a:r>
+            <a:r>
+              <a:rPr lang="pt-BR" sz="2400" b="1" i="1" dirty="0">
+                <a:solidFill>
+                  <a:srgbClr val="FF8700"/>
+                </a:solidFill>
+                <a:cs typeface="Calibri" panose="020F0502020204030204"/>
+              </a:rPr>
+              <a:t>ano</a:t>
+            </a:r>
+            <a:r>
+              <a:rPr lang="pt-BR" sz="2400" dirty="0">
+                <a:cs typeface="Calibri" panose="020F0502020204030204"/>
+              </a:rPr>
+              <a:t>.</a:t>
+            </a:r>
+          </a:p>
+        </p:txBody>
+      </p:sp>
     </p:spTree>
     <p:extLst>
       <p:ext uri="{BB962C8B-B14F-4D97-AF65-F5344CB8AC3E}">
@@ -9606,6 +9760,14 @@
           <a:ln>
             <a:noFill/>
           </a:ln>
+          <a:effectLst>
+            <a:outerShdw blurRad="50800" dist="38100" dir="2700000" algn="tl" rotWithShape="0">
+              <a:prstClr val="black">
+                <a:alpha val="40000"/>
+              </a:prstClr>
+            </a:outerShdw>
+            <a:reflection blurRad="6350" stA="52000" endA="300" endPos="35000" dir="5400000" sy="-100000" algn="bl" rotWithShape="0"/>
+          </a:effectLst>
         </p:spPr>
         <p:txBody>
           <a:bodyPr spcFirstLastPara="1" wrap="square" lIns="0" tIns="0" rIns="0" bIns="0" anchor="t" anchorCtr="0">
@@ -9635,9 +9797,12 @@
               </a:rPr>
             </a:br>
             <a:r>
-              <a:rPr lang="en" sz="1333" dirty="0">
-                <a:solidFill>
-                  <a:schemeClr val="dk2"/>
+              <a:rPr lang="en" sz="1333" b="1" dirty="0">
+                <a:solidFill>
+                  <a:schemeClr val="tx1">
+                    <a:lumMod val="50000"/>
+                    <a:lumOff val="50000"/>
+                  </a:schemeClr>
                 </a:solidFill>
                 <a:latin typeface="Roboto"/>
                 <a:ea typeface="Roboto"/>
@@ -9646,7 +9811,13 @@
               </a:rPr>
               <a:t>Desenvolvedor</a:t>
             </a:r>
-            <a:endParaRPr sz="2400" dirty="0">
+            <a:endParaRPr sz="2400" b="1" dirty="0">
+              <a:solidFill>
+                <a:schemeClr val="tx1">
+                  <a:lumMod val="50000"/>
+                  <a:lumOff val="50000"/>
+                </a:schemeClr>
+              </a:solidFill>
               <a:latin typeface="Roboto"/>
               <a:ea typeface="Roboto"/>
               <a:cs typeface="Roboto"/>
@@ -9684,8 +9855,8 @@
         </p:blipFill>
         <p:spPr>
           <a:xfrm>
-            <a:off x="9119580" y="2534991"/>
-            <a:ext cx="1788017" cy="1788017"/>
+            <a:off x="9119581" y="2534992"/>
+            <a:ext cx="1786620" cy="1786620"/>
           </a:xfrm>
           <a:prstGeom prst="ellipse">
             <a:avLst/>
@@ -9841,6 +10012,14 @@
           <a:ln>
             <a:noFill/>
           </a:ln>
+          <a:effectLst>
+            <a:outerShdw blurRad="50800" dist="38100" dir="2700000" algn="tl" rotWithShape="0">
+              <a:prstClr val="black">
+                <a:alpha val="40000"/>
+              </a:prstClr>
+            </a:outerShdw>
+            <a:reflection blurRad="6350" stA="52000" endA="300" endPos="35000" dir="5400000" sy="-100000" algn="bl" rotWithShape="0"/>
+          </a:effectLst>
         </p:spPr>
         <p:txBody>
           <a:bodyPr spcFirstLastPara="1" wrap="square" lIns="0" tIns="0" rIns="0" bIns="0" anchor="t" anchorCtr="0">
@@ -9870,9 +10049,12 @@
               </a:rPr>
             </a:br>
             <a:r>
-              <a:rPr lang="en" sz="1333" dirty="0">
-                <a:solidFill>
-                  <a:schemeClr val="dk2"/>
+              <a:rPr lang="en" sz="1333" b="1" dirty="0">
+                <a:solidFill>
+                  <a:schemeClr val="tx1">
+                    <a:lumMod val="50000"/>
+                    <a:lumOff val="50000"/>
+                  </a:schemeClr>
                 </a:solidFill>
                 <a:latin typeface="Roboto"/>
                 <a:ea typeface="Roboto"/>
@@ -9881,7 +10063,13 @@
               </a:rPr>
               <a:t>Desenvolvedor</a:t>
             </a:r>
-            <a:endParaRPr sz="2133" dirty="0">
+            <a:endParaRPr sz="2133" b="1" dirty="0">
+              <a:solidFill>
+                <a:schemeClr val="tx1">
+                  <a:lumMod val="50000"/>
+                  <a:lumOff val="50000"/>
+                </a:schemeClr>
+              </a:solidFill>
               <a:latin typeface="Roboto"/>
               <a:ea typeface="Roboto"/>
               <a:cs typeface="Roboto"/>
@@ -9914,6 +10102,14 @@
           <a:ln>
             <a:noFill/>
           </a:ln>
+          <a:effectLst>
+            <a:outerShdw blurRad="50800" dist="38100" dir="2700000" algn="tl" rotWithShape="0">
+              <a:prstClr val="black">
+                <a:alpha val="40000"/>
+              </a:prstClr>
+            </a:outerShdw>
+            <a:reflection blurRad="6350" stA="52000" endA="300" endPos="35000" dir="5400000" sy="-100000" algn="bl" rotWithShape="0"/>
+          </a:effectLst>
         </p:spPr>
         <p:txBody>
           <a:bodyPr spcFirstLastPara="1" wrap="square" lIns="0" tIns="0" rIns="0" bIns="0" anchor="t" anchorCtr="0">
@@ -9933,6 +10129,24 @@
                 <a:sym typeface="Roboto"/>
               </a:rPr>
               <a:t>Caio Augusto</a:t>
+            </a:r>
+          </a:p>
+          <a:p>
+            <a:pPr algn="ctr"/>
+            <a:r>
+              <a:rPr lang="en" sz="1330" b="1" dirty="0">
+                <a:solidFill>
+                  <a:schemeClr val="tx1">
+                    <a:lumMod val="50000"/>
+                    <a:lumOff val="50000"/>
+                  </a:schemeClr>
+                </a:solidFill>
+                <a:latin typeface="Roboto"/>
+                <a:ea typeface="Roboto"/>
+                <a:cs typeface="Roboto"/>
+                <a:sym typeface="Roboto"/>
+              </a:rPr>
+              <a:t>Scrum Master </a:t>
             </a:r>
             <a:br>
               <a:rPr lang="en" sz="2133" dirty="0">
@@ -9987,6 +10201,14 @@
           <a:ln>
             <a:noFill/>
           </a:ln>
+          <a:effectLst>
+            <a:outerShdw blurRad="50800" dist="38100" dir="2700000" algn="tl" rotWithShape="0">
+              <a:prstClr val="black">
+                <a:alpha val="40000"/>
+              </a:prstClr>
+            </a:outerShdw>
+            <a:reflection blurRad="6350" stA="52000" endA="300" endPos="35000" dir="5400000" sy="-100000" algn="bl" rotWithShape="0"/>
+          </a:effectLst>
         </p:spPr>
         <p:txBody>
           <a:bodyPr spcFirstLastPara="1" wrap="square" lIns="0" tIns="0" rIns="0" bIns="0" anchor="t" anchorCtr="0">
@@ -10007,8 +10229,56 @@
               </a:rPr>
               <a:t>Lucas Neiva</a:t>
             </a:r>
+          </a:p>
+          <a:p>
+            <a:pPr algn="ctr"/>
+            <a:r>
+              <a:rPr lang="pt-BR" sz="1300" b="1" dirty="0" err="1">
+                <a:solidFill>
+                  <a:schemeClr val="tx1">
+                    <a:lumMod val="50000"/>
+                    <a:lumOff val="50000"/>
+                  </a:schemeClr>
+                </a:solidFill>
+                <a:latin typeface="Roboto"/>
+                <a:ea typeface="Roboto"/>
+                <a:cs typeface="Roboto"/>
+                <a:sym typeface="Roboto"/>
+              </a:rPr>
+              <a:t>Product</a:t>
+            </a:r>
+            <a:r>
+              <a:rPr lang="pt-BR" sz="1300" b="1" dirty="0">
+                <a:solidFill>
+                  <a:schemeClr val="tx1">
+                    <a:lumMod val="50000"/>
+                    <a:lumOff val="50000"/>
+                  </a:schemeClr>
+                </a:solidFill>
+                <a:latin typeface="Roboto"/>
+                <a:ea typeface="Roboto"/>
+                <a:cs typeface="Roboto"/>
+                <a:sym typeface="Roboto"/>
+              </a:rPr>
+              <a:t>  </a:t>
+            </a:r>
+            <a:r>
+              <a:rPr lang="pt-BR" sz="1300" b="1" dirty="0" err="1">
+                <a:solidFill>
+                  <a:schemeClr val="tx1">
+                    <a:lumMod val="50000"/>
+                    <a:lumOff val="50000"/>
+                  </a:schemeClr>
+                </a:solidFill>
+                <a:latin typeface="Roboto"/>
+                <a:ea typeface="Roboto"/>
+                <a:cs typeface="Roboto"/>
+                <a:sym typeface="Roboto"/>
+              </a:rPr>
+              <a:t>owner</a:t>
+            </a:r>
             <a:br>
-              <a:rPr lang="en" sz="2133" dirty="0">
+              <a:rPr lang="en" sz="1300" dirty="0">
                 <a:latin typeface="Roboto"/>
                 <a:ea typeface="Roboto"/>
                 <a:cs typeface="Roboto"/>
@@ -10016,7 +10286,7 @@
               </a:rPr>
             </a:br>
             <a:r>
-              <a:rPr lang="en" sz="1333" dirty="0">
+              <a:rPr lang="en" sz="1300" dirty="0">
                 <a:solidFill>
                   <a:schemeClr val="dk2"/>
                 </a:solidFill>
@@ -10027,7 +10297,7 @@
               </a:rPr>
               <a:t>-</a:t>
             </a:r>
-            <a:endParaRPr sz="2133" dirty="0">
+            <a:endParaRPr sz="1300" dirty="0">
               <a:latin typeface="Roboto"/>
               <a:ea typeface="Roboto"/>
               <a:cs typeface="Roboto"/>
@@ -10036,6 +10306,47 @@
           </a:p>
         </p:txBody>
       </p:sp>
+      <p:pic>
+        <p:nvPicPr>
+          <p:cNvPr id="3" name="Imagem 2">
+            <a:extLst>
+              <a:ext uri="{FF2B5EF4-FFF2-40B4-BE49-F238E27FC236}">
+                <a16:creationId xmlns:a16="http://schemas.microsoft.com/office/drawing/2014/main" id="{9E830F17-3B6B-462C-853F-3785A65C2302}"/>
+              </a:ext>
+            </a:extLst>
+          </p:cNvPr>
+          <p:cNvPicPr>
+            <a:picLocks noChangeAspect="1"/>
+          </p:cNvPicPr>
+          <p:nvPr/>
+        </p:nvPicPr>
+        <p:blipFill>
+          <a:blip r:embed="rId7">
+            <a:alphaModFix/>
+            <a:extLst>
+              <a:ext uri="{28A0092B-C50C-407E-A947-70E740481C1C}">
+                <a14:useLocalDpi xmlns:a14="http://schemas.microsoft.com/office/drawing/2010/main" val="0"/>
+              </a:ext>
+            </a:extLst>
+          </a:blip>
+          <a:stretch>
+            <a:fillRect/>
+          </a:stretch>
+        </p:blipFill>
+        <p:spPr>
+          <a:xfrm>
+            <a:off x="1672550" y="2533807"/>
+            <a:ext cx="1789200" cy="1789200"/>
+          </a:xfrm>
+          <a:prstGeom prst="ellipse">
+            <a:avLst/>
+          </a:prstGeom>
+          <a:noFill/>
+          <a:ln>
+            <a:noFill/>
+          </a:ln>
+        </p:spPr>
+      </p:pic>
     </p:spTree>
     <p:extLst>
       <p:ext uri="{BB962C8B-B14F-4D97-AF65-F5344CB8AC3E}">
@@ -10973,7 +11284,7 @@
         </p:nvSpPr>
         <p:spPr>
           <a:xfrm>
-            <a:off x="295799" y="5169242"/>
+            <a:off x="269797" y="5169241"/>
             <a:ext cx="2555919" cy="975601"/>
           </a:xfrm>
           <a:prstGeom prst="rect">
@@ -11256,7 +11567,7 @@
             <a:r>
               <a:rPr lang="pt-BR" sz="2400" b="1" dirty="0">
                 <a:solidFill>
-                  <a:srgbClr val="FF8700"/>
+                  <a:srgbClr val="FF7825"/>
                 </a:solidFill>
                 <a:latin typeface="Roboto" pitchFamily="2" charset="0"/>
                 <a:ea typeface="Roboto" pitchFamily="2" charset="0"/>
@@ -11265,7 +11576,7 @@
             </a:r>
             <a:endParaRPr lang="pt-BR" sz="2400" b="1" dirty="0">
               <a:solidFill>
-                <a:srgbClr val="FF8700"/>
+                <a:srgbClr val="FF7825"/>
               </a:solidFill>
               <a:latin typeface="Roboto" pitchFamily="2" charset="0"/>
               <a:ea typeface="Roboto" pitchFamily="2" charset="0"/>
@@ -11408,7 +11719,7 @@
         </p:nvSpPr>
         <p:spPr>
           <a:xfrm>
-            <a:off x="2935282" y="1924158"/>
+            <a:off x="2851718" y="1994781"/>
             <a:ext cx="8808449" cy="1434219"/>
           </a:xfrm>
           <a:prstGeom prst="rect">
@@ -11418,10 +11729,17 @@
           <a:ln>
             <a:noFill/>
           </a:ln>
+          <a:effectLst>
+            <a:outerShdw blurRad="50800" dist="38100" dir="2700000" algn="tl" rotWithShape="0">
+              <a:prstClr val="black">
+                <a:alpha val="40000"/>
+              </a:prstClr>
+            </a:outerShdw>
+          </a:effectLst>
         </p:spPr>
         <p:txBody>
           <a:bodyPr spcFirstLastPara="1" wrap="square" lIns="121900" tIns="121900" rIns="121900" bIns="121900" anchor="t" anchorCtr="0">
-            <a:normAutofit/>
+            <a:noAutofit/>
           </a:bodyPr>
           <a:lstStyle>
             <a:defPPr marR="0" lvl="0" algn="l" rtl="0">
@@ -11671,43 +11989,58 @@
             </a:lvl9pPr>
           </a:lstStyle>
           <a:p>
-            <a:pPr marL="0" indent="0">
-              <a:spcBef>
-                <a:spcPts val="0"/>
-              </a:spcBef>
-              <a:buSzPct val="100000"/>
+            <a:pPr marL="38100" indent="0">
               <a:buNone/>
             </a:pPr>
             <a:r>
-              <a:rPr lang="pt-BR" sz="3200" dirty="0">
+              <a:rPr lang="pt-BR" sz="2700" b="1" dirty="0">
                 <a:solidFill>
                   <a:schemeClr val="bg1"/>
                 </a:solidFill>
-                <a:ea typeface="+mn-lt"/>
-                <a:cs typeface="+mn-lt"/>
+                <a:latin typeface="Roboto" panose="02000000000000000000" pitchFamily="2" charset="0"/>
               </a:rPr>
-              <a:t>“Frase </a:t>
-            </a:r>
-            <a:r>
-              <a:rPr lang="pt-BR" sz="3200" b="1" i="1" dirty="0">
-                <a:solidFill>
-                  <a:srgbClr val="FF8700"/>
-                </a:solidFill>
-                <a:ea typeface="+mn-lt"/>
-                <a:cs typeface="+mn-lt"/>
+              <a:t>“Aprender a controlar seu orçamento é o modo mais prático de cortar gastos e começar a </a:t>
+            </a:r>
+            <a:r>
+              <a:rPr lang="pt-BR" sz="2700" b="1" dirty="0">
+                <a:solidFill>
+                  <a:srgbClr val="FF7825"/>
+                </a:solidFill>
+                <a:latin typeface="Roboto" panose="02000000000000000000" pitchFamily="2" charset="0"/>
               </a:rPr>
-              <a:t>impactante</a:t>
-            </a:r>
-            <a:r>
-              <a:rPr lang="pt-BR" sz="3200" dirty="0">
+              <a:t>investir</a:t>
+            </a:r>
+            <a:r>
+              <a:rPr lang="pt-BR" sz="2700" b="1" dirty="0">
                 <a:solidFill>
                   <a:schemeClr val="bg1"/>
                 </a:solidFill>
-                <a:ea typeface="+mn-lt"/>
-                <a:cs typeface="+mn-lt"/>
+                <a:latin typeface="Roboto" panose="02000000000000000000" pitchFamily="2" charset="0"/>
               </a:rPr>
-              <a:t>”</a:t>
-            </a:r>
+              <a:t>.”</a:t>
+            </a:r>
+          </a:p>
+          <a:p>
+            <a:pPr marL="38100" indent="0" algn="l">
+              <a:buNone/>
+            </a:pPr>
+            <a:r>
+              <a:rPr lang="pt-BR" sz="1600" b="0" i="0" dirty="0">
+                <a:solidFill>
+                  <a:srgbClr val="FF7825"/>
+                </a:solidFill>
+                <a:effectLst/>
+                <a:latin typeface="Roboto" panose="02000000000000000000" pitchFamily="2" charset="0"/>
+              </a:rPr>
+              <a:t>Douglas Gonçalves</a:t>
+            </a:r>
+            <a:endParaRPr lang="pt-BR" sz="2700" dirty="0">
+              <a:solidFill>
+                <a:srgbClr val="FF7825"/>
+              </a:solidFill>
+              <a:ea typeface="+mn-lt"/>
+              <a:cs typeface="+mn-lt"/>
+            </a:endParaRPr>
           </a:p>
         </p:txBody>
       </p:sp>
@@ -11725,8 +12058,8 @@
         </p:nvGrpSpPr>
         <p:grpSpPr>
           <a:xfrm>
-            <a:off x="7083905" y="5459705"/>
-            <a:ext cx="4721003" cy="821852"/>
+            <a:off x="8071731" y="5657042"/>
+            <a:ext cx="3672000" cy="648000"/>
             <a:chOff x="4471176" y="3684574"/>
             <a:chExt cx="3540752" cy="616389"/>
           </a:xfrm>
@@ -11898,8 +12231,8 @@
         </p:nvSpPr>
         <p:spPr>
           <a:xfrm>
-            <a:off x="7298267" y="4726280"/>
-            <a:ext cx="4445464" cy="618219"/>
+            <a:off x="7851831" y="5023755"/>
+            <a:ext cx="3891900" cy="618219"/>
           </a:xfrm>
           <a:prstGeom prst="rect">
             <a:avLst/>
@@ -12780,8 +13113,28 @@
 </file>
 
 <file path=customXml/item1.xml><?xml version="1.0" encoding="utf-8"?>
-<ct:contentTypeSchema xmlns:ct="http://schemas.microsoft.com/office/2006/metadata/contentType" xmlns:ma="http://schemas.microsoft.com/office/2006/metadata/properties/metaAttributes" ct:_="" ma:_="" ma:contentTypeName="Documento" ma:contentTypeID="0x0101001840908DAF44584A90801C620C0F77DF" ma:contentTypeVersion="16" ma:contentTypeDescription="Crie um novo documento." ma:contentTypeScope="" ma:versionID="3632b788ef0f41f43d5e13c8fbc55c98">
-  <xsd:schema xmlns:xsd="http://www.w3.org/2001/XMLSchema" xmlns:xs="http://www.w3.org/2001/XMLSchema" xmlns:p="http://schemas.microsoft.com/office/2006/metadata/properties" xmlns:ns2="e7a56c43-a551-48af-881e-66529a67f522" xmlns:ns3="9abaf44a-a694-4711-a5ea-c368d004fa3e" targetNamespace="http://schemas.microsoft.com/office/2006/metadata/properties" ma:root="true" ma:fieldsID="22efaec193ce77addd645f47665cc11f" ns2:_="" ns3:_="">
+<p:properties xmlns:p="http://schemas.microsoft.com/office/2006/metadata/properties" xmlns:xsi="http://www.w3.org/2001/XMLSchema-instance" xmlns:pc="http://schemas.microsoft.com/office/infopath/2007/PartnerControls">
+  <documentManagement>
+    <lcf76f155ced4ddcb4097134ff3c332f xmlns="e7a56c43-a551-48af-881e-66529a67f522">
+      <Terms xmlns="http://schemas.microsoft.com/office/infopath/2007/PartnerControls"/>
+    </lcf76f155ced4ddcb4097134ff3c332f>
+    <TaxCatchAll xmlns="9abaf44a-a694-4711-a5ea-c368d004fa3e" xsi:nil="true"/>
+  </documentManagement>
+</p:properties>
+</file>
+
+<file path=customXml/item2.xml><?xml version="1.0" encoding="utf-8"?>
+<?mso-contentType ?>
+<FormTemplates xmlns="http://schemas.microsoft.com/sharepoint/v3/contenttype/forms">
+  <Display>DocumentLibraryForm</Display>
+  <Edit>DocumentLibraryForm</Edit>
+  <New>DocumentLibraryForm</New>
+</FormTemplates>
+</file>
+
+<file path=customXml/item3.xml><?xml version="1.0" encoding="utf-8"?>
+<ct:contentTypeSchema xmlns:ct="http://schemas.microsoft.com/office/2006/metadata/contentType" xmlns:ma="http://schemas.microsoft.com/office/2006/metadata/properties/metaAttributes" ct:_="" ma:_="" ma:contentTypeName="Document" ma:contentTypeID="0x0101001840908DAF44584A90801C620C0F77DF" ma:contentTypeVersion="16" ma:contentTypeDescription="Create a new document." ma:contentTypeScope="" ma:versionID="a7673c88f6de0c69a1d2213372cefd13">
+  <xsd:schema xmlns:xsd="http://www.w3.org/2001/XMLSchema" xmlns:xs="http://www.w3.org/2001/XMLSchema" xmlns:p="http://schemas.microsoft.com/office/2006/metadata/properties" xmlns:ns2="e7a56c43-a551-48af-881e-66529a67f522" xmlns:ns3="9abaf44a-a694-4711-a5ea-c368d004fa3e" targetNamespace="http://schemas.microsoft.com/office/2006/metadata/properties" ma:root="true" ma:fieldsID="46ee861e875f0106da47a2decaca1984" ns2:_="" ns3:_="">
     <xsd:import namespace="e7a56c43-a551-48af-881e-66529a67f522"/>
     <xsd:import namespace="9abaf44a-a694-4711-a5ea-c368d004fa3e"/>
     <xsd:element name="properties">
@@ -12868,7 +13221,7 @@
         </xsd:restriction>
       </xsd:simpleType>
     </xsd:element>
-    <xsd:element name="lcf76f155ced4ddcb4097134ff3c332f" ma:index="21" nillable="true" ma:taxonomy="true" ma:internalName="lcf76f155ced4ddcb4097134ff3c332f" ma:taxonomyFieldName="MediaServiceImageTags" ma:displayName="Marcações de imagem" ma:readOnly="false" ma:fieldId="{5cf76f15-5ced-4ddc-b409-7134ff3c332f}" ma:taxonomyMulti="true" ma:sspId="f566eb4a-84a7-4f03-9cf4-83584b28a29b" ma:termSetId="09814cd3-568e-fe90-9814-8d621ff8fb84" ma:anchorId="fba54fb3-c3e1-fe81-a776-ca4b69148c4d" ma:open="true" ma:isKeyword="false">
+    <xsd:element name="lcf76f155ced4ddcb4097134ff3c332f" ma:index="21" nillable="true" ma:taxonomy="true" ma:internalName="lcf76f155ced4ddcb4097134ff3c332f" ma:taxonomyFieldName="MediaServiceImageTags" ma:displayName="Image Tags" ma:readOnly="false" ma:fieldId="{5cf76f15-5ced-4ddc-b409-7134ff3c332f}" ma:taxonomyMulti="true" ma:sspId="f566eb4a-84a7-4f03-9cf4-83584b28a29b" ma:termSetId="09814cd3-568e-fe90-9814-8d621ff8fb84" ma:anchorId="fba54fb3-c3e1-fe81-a776-ca4b69148c4d" ma:open="true" ma:isKeyword="false">
       <xsd:complexType>
         <xsd:sequence>
           <xsd:element ref="pc:Terms" minOccurs="0" maxOccurs="1"/>
@@ -12879,7 +13232,7 @@
   <xsd:schema xmlns:xsd="http://www.w3.org/2001/XMLSchema" xmlns:xs="http://www.w3.org/2001/XMLSchema" xmlns:dms="http://schemas.microsoft.com/office/2006/documentManagement/types" xmlns:pc="http://schemas.microsoft.com/office/infopath/2007/PartnerControls" targetNamespace="9abaf44a-a694-4711-a5ea-c368d004fa3e" elementFormDefault="qualified">
     <xsd:import namespace="http://schemas.microsoft.com/office/2006/documentManagement/types"/>
     <xsd:import namespace="http://schemas.microsoft.com/office/infopath/2007/PartnerControls"/>
-    <xsd:element name="SharedWithUsers" ma:index="15" nillable="true" ma:displayName="Compartilhado com" ma:internalName="SharedWithUsers" ma:readOnly="true">
+    <xsd:element name="SharedWithUsers" ma:index="15" nillable="true" ma:displayName="Shared With" ma:internalName="SharedWithUsers" ma:readOnly="true">
       <xsd:complexType>
         <xsd:complexContent>
           <xsd:extension base="dms:UserMulti">
@@ -12898,7 +13251,7 @@
         </xsd:complexContent>
       </xsd:complexType>
     </xsd:element>
-    <xsd:element name="SharedWithDetails" ma:index="16" nillable="true" ma:displayName="Detalhes de Compartilhado Com" ma:internalName="SharedWithDetails" ma:readOnly="true">
+    <xsd:element name="SharedWithDetails" ma:index="16" nillable="true" ma:displayName="Shared With Details" ma:internalName="SharedWithDetails" ma:readOnly="true">
       <xsd:simpleType>
         <xsd:restriction base="dms:Note">
           <xsd:maxLength value="255"/>
@@ -12926,8 +13279,8 @@
         <xsd:element ref="dc:creator" minOccurs="0" maxOccurs="1"/>
         <xsd:element ref="dcterms:created" minOccurs="0" maxOccurs="1"/>
         <xsd:element ref="dc:identifier" minOccurs="0" maxOccurs="1"/>
-        <xsd:element name="contentType" minOccurs="0" maxOccurs="1" type="xsd:string" ma:index="0" ma:displayName="Tipo de Conteúdo"/>
-        <xsd:element ref="dc:title" minOccurs="0" maxOccurs="1" ma:index="4" ma:displayName="Título"/>
+        <xsd:element name="contentType" minOccurs="0" maxOccurs="1" type="xsd:string" ma:index="0" ma:displayName="Content Type"/>
+        <xsd:element ref="dc:title" minOccurs="0" maxOccurs="1" ma:index="4" ma:displayName="Title"/>
         <xsd:element ref="dc:subject" minOccurs="0" maxOccurs="1"/>
         <xsd:element ref="dc:description" minOccurs="0" maxOccurs="1"/>
         <xsd:element name="keywords" minOccurs="0" maxOccurs="1" type="xsd:string"/>
@@ -13016,31 +13369,7 @@
 </ct:contentTypeSchema>
 </file>
 
-<file path=customXml/item2.xml><?xml version="1.0" encoding="utf-8"?>
-<p:properties xmlns:p="http://schemas.microsoft.com/office/2006/metadata/properties" xmlns:xsi="http://www.w3.org/2001/XMLSchema-instance" xmlns:pc="http://schemas.microsoft.com/office/infopath/2007/PartnerControls">
-  <documentManagement>
-    <lcf76f155ced4ddcb4097134ff3c332f xmlns="e7a56c43-a551-48af-881e-66529a67f522">
-      <Terms xmlns="http://schemas.microsoft.com/office/infopath/2007/PartnerControls"/>
-    </lcf76f155ced4ddcb4097134ff3c332f>
-    <TaxCatchAll xmlns="9abaf44a-a694-4711-a5ea-c368d004fa3e" xsi:nil="true"/>
-  </documentManagement>
-</p:properties>
-</file>
-
-<file path=customXml/item3.xml><?xml version="1.0" encoding="utf-8"?>
-<?mso-contentType ?>
-<FormTemplates xmlns="http://schemas.microsoft.com/sharepoint/v3/contenttype/forms">
-  <Display>DocumentLibraryForm</Display>
-  <Edit>DocumentLibraryForm</Edit>
-  <New>DocumentLibraryForm</New>
-</FormTemplates>
-</file>
-
 <file path=customXml/itemProps1.xml><?xml version="1.0" encoding="utf-8"?>
-<ds:datastoreItem xmlns:ds="http://schemas.openxmlformats.org/officeDocument/2006/customXml" ds:itemID="{795D8447-47FE-47D3-894C-03F343939701}"/>
-</file>
-
-<file path=customXml/itemProps2.xml><?xml version="1.0" encoding="utf-8"?>
 <ds:datastoreItem xmlns:ds="http://schemas.openxmlformats.org/officeDocument/2006/customXml" ds:itemID="{F57BDDC4-D841-4E5C-8A6E-12EA0D32E620}">
   <ds:schemaRefs>
     <ds:schemaRef ds:uri="http://schemas.microsoft.com/office/2006/metadata/properties"/>
@@ -13051,10 +13380,29 @@
 </ds:datastoreItem>
 </file>
 
-<file path=customXml/itemProps3.xml><?xml version="1.0" encoding="utf-8"?>
+<file path=customXml/itemProps2.xml><?xml version="1.0" encoding="utf-8"?>
 <ds:datastoreItem xmlns:ds="http://schemas.openxmlformats.org/officeDocument/2006/customXml" ds:itemID="{481741EA-086C-42E2-99EB-465115129655}">
   <ds:schemaRefs>
     <ds:schemaRef ds:uri="http://schemas.microsoft.com/sharepoint/v3/contenttype/forms"/>
   </ds:schemaRefs>
 </ds:datastoreItem>
+</file>
+
+<file path=customXml/itemProps3.xml><?xml version="1.0" encoding="utf-8"?>
+<ds:datastoreItem xmlns:ds="http://schemas.openxmlformats.org/officeDocument/2006/customXml" ds:itemID="{553A31A5-B491-4AD7-B987-B2B8F964579F}">
+  <ds:schemaRefs>
+    <ds:schemaRef ds:uri="http://schemas.microsoft.com/office/2006/metadata/contentType"/>
+    <ds:schemaRef ds:uri="http://schemas.microsoft.com/office/2006/metadata/properties/metaAttributes"/>
+    <ds:schemaRef ds:uri="http://www.w3.org/2001/XMLSchema"/>
+    <ds:schemaRef ds:uri="http://schemas.microsoft.com/office/2006/metadata/properties"/>
+    <ds:schemaRef ds:uri="e7a56c43-a551-48af-881e-66529a67f522"/>
+    <ds:schemaRef ds:uri="9abaf44a-a694-4711-a5ea-c368d004fa3e"/>
+    <ds:schemaRef ds:uri="http://schemas.microsoft.com/office/2006/documentManagement/types"/>
+    <ds:schemaRef ds:uri="http://schemas.microsoft.com/office/infopath/2007/PartnerControls"/>
+    <ds:schemaRef ds:uri="http://schemas.openxmlformats.org/package/2006/metadata/core-properties"/>
+    <ds:schemaRef ds:uri="http://purl.org/dc/elements/1.1/"/>
+    <ds:schemaRef ds:uri="http://purl.org/dc/terms/"/>
+    <ds:schemaRef ds:uri="http://schemas.microsoft.com/internal/obd"/>
+  </ds:schemaRefs>
+</ds:datastoreItem>
 </file>
--- a/presentation.pptx
+++ b/presentation.pptx
@@ -12,8 +12,8 @@
     <p:sldId id="299" r:id="rId6"/>
     <p:sldId id="300" r:id="rId7"/>
     <p:sldId id="302" r:id="rId8"/>
-    <p:sldId id="305" r:id="rId9"/>
-    <p:sldId id="278" r:id="rId10"/>
+    <p:sldId id="307" r:id="rId9"/>
+    <p:sldId id="308" r:id="rId10"/>
   </p:sldIdLst>
   <p:sldSz cx="12192000" cy="6858000"/>
   <p:notesSz cx="6858000" cy="9144000"/>
@@ -202,7 +202,7 @@
           <a:p>
             <a:fld id="{58872D7B-688D-4BBA-93EB-EE76EEBCE458}" type="datetimeFigureOut">
               <a:rPr lang="pt-BR" smtClean="0"/>
-              <a:t>13/04/2022</a:t>
+              <a:t>14/04/2022</a:t>
             </a:fld>
             <a:endParaRPr lang="pt-BR"/>
           </a:p>
@@ -929,93 +929,6 @@
 </file>
 
 <file path=ppt/notesSlides/notesSlide5.xml><?xml version="1.0" encoding="utf-8"?>
-<p:notes xmlns:a="http://schemas.openxmlformats.org/drawingml/2006/main" xmlns:r="http://schemas.openxmlformats.org/officeDocument/2006/relationships" xmlns:p="http://schemas.openxmlformats.org/presentationml/2006/main">
-  <p:cSld>
-    <p:spTree>
-      <p:nvGrpSpPr>
-        <p:cNvPr id="1" name=""/>
-        <p:cNvGrpSpPr/>
-        <p:nvPr/>
-      </p:nvGrpSpPr>
-      <p:grpSpPr>
-        <a:xfrm>
-          <a:off x="0" y="0"/>
-          <a:ext cx="0" cy="0"/>
-          <a:chOff x="0" y="0"/>
-          <a:chExt cx="0" cy="0"/>
-        </a:xfrm>
-      </p:grpSpPr>
-      <p:sp>
-        <p:nvSpPr>
-          <p:cNvPr id="2" name="Espaço Reservado para Imagem de Slide 1"/>
-          <p:cNvSpPr>
-            <a:spLocks noGrp="1" noRot="1" noChangeAspect="1"/>
-          </p:cNvSpPr>
-          <p:nvPr>
-            <p:ph type="sldImg"/>
-          </p:nvPr>
-        </p:nvSpPr>
-        <p:spPr/>
-      </p:sp>
-      <p:sp>
-        <p:nvSpPr>
-          <p:cNvPr id="3" name="Espaço Reservado para Anotações 2"/>
-          <p:cNvSpPr>
-            <a:spLocks noGrp="1"/>
-          </p:cNvSpPr>
-          <p:nvPr>
-            <p:ph type="body" idx="1"/>
-          </p:nvPr>
-        </p:nvSpPr>
-        <p:spPr/>
-        <p:txBody>
-          <a:bodyPr/>
-          <a:lstStyle/>
-          <a:p>
-            <a:r>
-              <a:rPr lang="pt-BR" dirty="0"/>
-              <a:t>Fiquem agora com a visualização do código em funcionamento. É com você, João!</a:t>
-            </a:r>
-          </a:p>
-        </p:txBody>
-      </p:sp>
-      <p:sp>
-        <p:nvSpPr>
-          <p:cNvPr id="4" name="Espaço Reservado para Número de Slide 3"/>
-          <p:cNvSpPr>
-            <a:spLocks noGrp="1"/>
-          </p:cNvSpPr>
-          <p:nvPr>
-            <p:ph type="sldNum" sz="quarter" idx="5"/>
-          </p:nvPr>
-        </p:nvSpPr>
-        <p:spPr/>
-        <p:txBody>
-          <a:bodyPr/>
-          <a:lstStyle/>
-          <a:p>
-            <a:fld id="{AB4E449A-C98D-48BA-9542-0DC7BB7677C9}" type="slidenum">
-              <a:rPr lang="pt-BR" smtClean="0"/>
-              <a:t>5</a:t>
-            </a:fld>
-            <a:endParaRPr lang="pt-BR"/>
-          </a:p>
-        </p:txBody>
-      </p:sp>
-    </p:spTree>
-    <p:extLst>
-      <p:ext uri="{BB962C8B-B14F-4D97-AF65-F5344CB8AC3E}">
-        <p14:creationId xmlns:p14="http://schemas.microsoft.com/office/powerpoint/2010/main" val="2313949489"/>
-      </p:ext>
-    </p:extLst>
-  </p:cSld>
-  <p:clrMapOvr>
-    <a:masterClrMapping/>
-  </p:clrMapOvr>
-</p:notes>
-</file>
-
-<file path=ppt/notesSlides/notesSlide6.xml><?xml version="1.0" encoding="utf-8"?>
 <p:notes xmlns:a="http://schemas.openxmlformats.org/drawingml/2006/main" xmlns:r="http://schemas.openxmlformats.org/officeDocument/2006/relationships" xmlns:p="http://schemas.openxmlformats.org/presentationml/2006/main" showMasterSp="0" showMasterPhAnim="0">
   <p:cSld>
     <p:spTree>
@@ -1115,19 +1028,63 @@
                 <a:latin typeface="Roboto" pitchFamily="2" charset="0"/>
                 <a:ea typeface="Roboto" pitchFamily="2" charset="0"/>
               </a:rPr>
-              <a:t>Ficamos por aqui, pessoal! Com esse algoritmo, conseguimos otimizar o levantamento mensal e anual do lucro da nossa empresa, além de </a:t>
-            </a:r>
-            <a:r>
-              <a:rPr lang="pt-BR" sz="1100" u="none">
+              <a:t>Ficamos por aqui, pessoal! Com esse algoritmo, conseguimos otimizar o levantamento mensal e anual do lucro da nossa empresa, além de diversos outros dados. </a:t>
+            </a:r>
+          </a:p>
+          <a:p>
+            <a:pPr marL="139700" indent="0">
+              <a:lnSpc>
+                <a:spcPct val="100000"/>
+              </a:lnSpc>
+              <a:spcBef>
+                <a:spcPts val="0"/>
+              </a:spcBef>
+              <a:buNone/>
+            </a:pPr>
+            <a:r>
+              <a:rPr lang="pt-BR" sz="1100" dirty="0">
                 <a:solidFill>
                   <a:schemeClr val="bg1"/>
                 </a:solidFill>
                 <a:latin typeface="Roboto" pitchFamily="2" charset="0"/>
                 <a:ea typeface="Roboto" pitchFamily="2" charset="0"/>
               </a:rPr>
-              <a:t>diversos outros dados. </a:t>
-            </a:r>
-            <a:endParaRPr lang="pt-BR" sz="1100" u="none" dirty="0">
+              <a:t>Qualquer dúvida ou interesse, entre em contato conosco.</a:t>
+            </a:r>
+          </a:p>
+          <a:p>
+            <a:pPr marL="139700" marR="0" lvl="0" indent="0" algn="l" defTabSz="914400" rtl="0" eaLnBrk="1" fontAlgn="auto" latinLnBrk="0" hangingPunct="1">
+              <a:lnSpc>
+                <a:spcPct val="100000"/>
+              </a:lnSpc>
+              <a:spcBef>
+                <a:spcPts val="0"/>
+              </a:spcBef>
+              <a:spcAft>
+                <a:spcPts val="0"/>
+              </a:spcAft>
+              <a:buClrTx/>
+              <a:buSzTx/>
+              <a:buFontTx/>
+              <a:buNone/>
+              <a:tabLst/>
+              <a:defRPr/>
+            </a:pPr>
+            <a:r>
+              <a:rPr lang="pt-BR" sz="1100" dirty="0">
+                <a:solidFill>
+                  <a:schemeClr val="bg1"/>
+                </a:solidFill>
+                <a:latin typeface="Roboto" pitchFamily="2" charset="0"/>
+                <a:ea typeface="Roboto" pitchFamily="2" charset="0"/>
+              </a:rPr>
+              <a:t>Obrigado pela atenção e f</a:t>
+            </a:r>
+            <a:r>
+              <a:rPr lang="pt-BR" sz="1100" dirty="0"/>
+              <a:t>iquem agora com a visualização do código em funcionamento. É com você, João!</a:t>
+            </a:r>
+            <a:endParaRPr lang="pt-BR" sz="1100" dirty="0">
               <a:solidFill>
                 <a:schemeClr val="bg1"/>
               </a:solidFill>
@@ -1135,51 +1092,93 @@
               <a:ea typeface="Roboto" pitchFamily="2" charset="0"/>
             </a:endParaRPr>
           </a:p>
-          <a:p>
-            <a:pPr marL="139700" indent="0">
-              <a:lnSpc>
-                <a:spcPct val="100000"/>
-              </a:lnSpc>
-              <a:spcBef>
-                <a:spcPts val="0"/>
-              </a:spcBef>
-              <a:buNone/>
-            </a:pPr>
-            <a:r>
-              <a:rPr lang="pt-BR" sz="1100" dirty="0">
-                <a:solidFill>
-                  <a:schemeClr val="bg1"/>
-                </a:solidFill>
-                <a:latin typeface="Roboto" pitchFamily="2" charset="0"/>
-                <a:ea typeface="Roboto" pitchFamily="2" charset="0"/>
-              </a:rPr>
-              <a:t>Qualquer dúvida ou interesse, entre em contato conosco.</a:t>
-            </a:r>
-          </a:p>
-          <a:p>
-            <a:pPr marL="139700" indent="0">
-              <a:lnSpc>
-                <a:spcPct val="100000"/>
-              </a:lnSpc>
-              <a:spcBef>
-                <a:spcPts val="0"/>
-              </a:spcBef>
-              <a:buNone/>
-            </a:pPr>
-            <a:r>
-              <a:rPr lang="pt-BR" sz="1100" dirty="0">
-                <a:solidFill>
-                  <a:schemeClr val="bg1"/>
-                </a:solidFill>
-                <a:latin typeface="Roboto" pitchFamily="2" charset="0"/>
-                <a:ea typeface="Roboto" pitchFamily="2" charset="0"/>
-              </a:rPr>
-              <a:t>Obrigado pela atenção!</a:t>
-            </a:r>
-          </a:p>
         </p:txBody>
       </p:sp>
     </p:spTree>
+  </p:cSld>
+  <p:clrMapOvr>
+    <a:masterClrMapping/>
+  </p:clrMapOvr>
+</p:notes>
+</file>
+
+<file path=ppt/notesSlides/notesSlide6.xml><?xml version="1.0" encoding="utf-8"?>
+<p:notes xmlns:a="http://schemas.openxmlformats.org/drawingml/2006/main" xmlns:r="http://schemas.openxmlformats.org/officeDocument/2006/relationships" xmlns:p="http://schemas.openxmlformats.org/presentationml/2006/main">
+  <p:cSld>
+    <p:spTree>
+      <p:nvGrpSpPr>
+        <p:cNvPr id="1" name=""/>
+        <p:cNvGrpSpPr/>
+        <p:nvPr/>
+      </p:nvGrpSpPr>
+      <p:grpSpPr>
+        <a:xfrm>
+          <a:off x="0" y="0"/>
+          <a:ext cx="0" cy="0"/>
+          <a:chOff x="0" y="0"/>
+          <a:chExt cx="0" cy="0"/>
+        </a:xfrm>
+      </p:grpSpPr>
+      <p:sp>
+        <p:nvSpPr>
+          <p:cNvPr id="2" name="Espaço Reservado para Imagem de Slide 1"/>
+          <p:cNvSpPr>
+            <a:spLocks noGrp="1" noRot="1" noChangeAspect="1"/>
+          </p:cNvSpPr>
+          <p:nvPr>
+            <p:ph type="sldImg"/>
+          </p:nvPr>
+        </p:nvSpPr>
+        <p:spPr/>
+      </p:sp>
+      <p:sp>
+        <p:nvSpPr>
+          <p:cNvPr id="3" name="Espaço Reservado para Anotações 2"/>
+          <p:cNvSpPr>
+            <a:spLocks noGrp="1"/>
+          </p:cNvSpPr>
+          <p:nvPr>
+            <p:ph type="body" idx="1"/>
+          </p:nvPr>
+        </p:nvSpPr>
+        <p:spPr/>
+        <p:txBody>
+          <a:bodyPr/>
+          <a:lstStyle/>
+          <a:p>
+            <a:endParaRPr lang="pt-BR" dirty="0"/>
+          </a:p>
+        </p:txBody>
+      </p:sp>
+      <p:sp>
+        <p:nvSpPr>
+          <p:cNvPr id="4" name="Espaço Reservado para Número de Slide 3"/>
+          <p:cNvSpPr>
+            <a:spLocks noGrp="1"/>
+          </p:cNvSpPr>
+          <p:nvPr>
+            <p:ph type="sldNum" sz="quarter" idx="5"/>
+          </p:nvPr>
+        </p:nvSpPr>
+        <p:spPr/>
+        <p:txBody>
+          <a:bodyPr/>
+          <a:lstStyle/>
+          <a:p>
+            <a:fld id="{AB4E449A-C98D-48BA-9542-0DC7BB7677C9}" type="slidenum">
+              <a:rPr lang="pt-BR" smtClean="0"/>
+              <a:t>6</a:t>
+            </a:fld>
+            <a:endParaRPr lang="pt-BR"/>
+          </a:p>
+        </p:txBody>
+      </p:sp>
+    </p:spTree>
+    <p:extLst>
+      <p:ext uri="{BB962C8B-B14F-4D97-AF65-F5344CB8AC3E}">
+        <p14:creationId xmlns:p14="http://schemas.microsoft.com/office/powerpoint/2010/main" val="2313949489"/>
+      </p:ext>
+    </p:extLst>
   </p:cSld>
   <p:clrMapOvr>
     <a:masterClrMapping/>
@@ -1334,7 +1333,7 @@
           <a:p>
             <a:fld id="{EA1DB3B5-7326-4D09-AE12-4EF6A5C8E079}" type="datetimeFigureOut">
               <a:rPr lang="pt-BR" smtClean="0"/>
-              <a:t>13/04/2022</a:t>
+              <a:t>14/04/2022</a:t>
             </a:fld>
             <a:endParaRPr lang="pt-BR"/>
           </a:p>
@@ -1532,7 +1531,7 @@
           <a:p>
             <a:fld id="{EA1DB3B5-7326-4D09-AE12-4EF6A5C8E079}" type="datetimeFigureOut">
               <a:rPr lang="pt-BR" smtClean="0"/>
-              <a:t>13/04/2022</a:t>
+              <a:t>14/04/2022</a:t>
             </a:fld>
             <a:endParaRPr lang="pt-BR"/>
           </a:p>
@@ -1740,7 +1739,7 @@
           <a:p>
             <a:fld id="{EA1DB3B5-7326-4D09-AE12-4EF6A5C8E079}" type="datetimeFigureOut">
               <a:rPr lang="pt-BR" smtClean="0"/>
-              <a:t>13/04/2022</a:t>
+              <a:t>14/04/2022</a:t>
             </a:fld>
             <a:endParaRPr lang="pt-BR"/>
           </a:p>
@@ -3187,7 +3186,7 @@
           <a:p>
             <a:fld id="{EA1DB3B5-7326-4D09-AE12-4EF6A5C8E079}" type="datetimeFigureOut">
               <a:rPr lang="pt-BR" smtClean="0"/>
-              <a:t>13/04/2022</a:t>
+              <a:t>14/04/2022</a:t>
             </a:fld>
             <a:endParaRPr lang="pt-BR"/>
           </a:p>
@@ -3462,7 +3461,7 @@
           <a:p>
             <a:fld id="{EA1DB3B5-7326-4D09-AE12-4EF6A5C8E079}" type="datetimeFigureOut">
               <a:rPr lang="pt-BR" smtClean="0"/>
-              <a:t>13/04/2022</a:t>
+              <a:t>14/04/2022</a:t>
             </a:fld>
             <a:endParaRPr lang="pt-BR"/>
           </a:p>
@@ -3727,7 +3726,7 @@
           <a:p>
             <a:fld id="{EA1DB3B5-7326-4D09-AE12-4EF6A5C8E079}" type="datetimeFigureOut">
               <a:rPr lang="pt-BR" smtClean="0"/>
-              <a:t>13/04/2022</a:t>
+              <a:t>14/04/2022</a:t>
             </a:fld>
             <a:endParaRPr lang="pt-BR"/>
           </a:p>
@@ -4139,7 +4138,7 @@
           <a:p>
             <a:fld id="{EA1DB3B5-7326-4D09-AE12-4EF6A5C8E079}" type="datetimeFigureOut">
               <a:rPr lang="pt-BR" smtClean="0"/>
-              <a:t>13/04/2022</a:t>
+              <a:t>14/04/2022</a:t>
             </a:fld>
             <a:endParaRPr lang="pt-BR"/>
           </a:p>
@@ -4280,7 +4279,7 @@
           <a:p>
             <a:fld id="{EA1DB3B5-7326-4D09-AE12-4EF6A5C8E079}" type="datetimeFigureOut">
               <a:rPr lang="pt-BR" smtClean="0"/>
-              <a:t>13/04/2022</a:t>
+              <a:t>14/04/2022</a:t>
             </a:fld>
             <a:endParaRPr lang="pt-BR"/>
           </a:p>
@@ -4393,7 +4392,7 @@
           <a:p>
             <a:fld id="{EA1DB3B5-7326-4D09-AE12-4EF6A5C8E079}" type="datetimeFigureOut">
               <a:rPr lang="pt-BR" smtClean="0"/>
-              <a:t>13/04/2022</a:t>
+              <a:t>14/04/2022</a:t>
             </a:fld>
             <a:endParaRPr lang="pt-BR"/>
           </a:p>
@@ -4704,7 +4703,7 @@
           <a:p>
             <a:fld id="{EA1DB3B5-7326-4D09-AE12-4EF6A5C8E079}" type="datetimeFigureOut">
               <a:rPr lang="pt-BR" smtClean="0"/>
-              <a:t>13/04/2022</a:t>
+              <a:t>14/04/2022</a:t>
             </a:fld>
             <a:endParaRPr lang="pt-BR"/>
           </a:p>
@@ -4992,7 +4991,7 @@
           <a:p>
             <a:fld id="{EA1DB3B5-7326-4D09-AE12-4EF6A5C8E079}" type="datetimeFigureOut">
               <a:rPr lang="pt-BR" smtClean="0"/>
-              <a:t>13/04/2022</a:t>
+              <a:t>14/04/2022</a:t>
             </a:fld>
             <a:endParaRPr lang="pt-BR"/>
           </a:p>
@@ -5233,7 +5232,7 @@
           <a:p>
             <a:fld id="{EA1DB3B5-7326-4D09-AE12-4EF6A5C8E079}" type="datetimeFigureOut">
               <a:rPr lang="pt-BR" smtClean="0"/>
-              <a:t>13/04/2022</a:t>
+              <a:t>14/04/2022</a:t>
             </a:fld>
             <a:endParaRPr lang="pt-BR"/>
           </a:p>
@@ -6531,15 +6530,32 @@
               <a:buNone/>
             </a:pPr>
             <a:r>
-              <a:rPr lang="pt-BR" sz="2400" b="1" dirty="0">
+              <a:rPr lang="pt-BR" sz="2800" b="1" dirty="0">
                 <a:solidFill>
                   <a:schemeClr val="bg1"/>
                 </a:solidFill>
                 <a:latin typeface="Roboto" pitchFamily="2" charset="0"/>
                 <a:ea typeface="Roboto" pitchFamily="2" charset="0"/>
               </a:rPr>
-              <a:t>Simple Solution Algorithm - ProfitCo</a:t>
-            </a:r>
+              <a:t>Simple Solution Algorithm </a:t>
+            </a:r>
+            <a:r>
+              <a:rPr lang="pt-BR" sz="2000" b="1" dirty="0">
+                <a:solidFill>
+                  <a:schemeClr val="bg1"/>
+                </a:solidFill>
+                <a:latin typeface="Roboto" pitchFamily="2" charset="0"/>
+                <a:ea typeface="Roboto" pitchFamily="2" charset="0"/>
+              </a:rPr>
+              <a:t>ProfitCo</a:t>
+            </a:r>
+            <a:endParaRPr lang="pt-BR" sz="2400" b="1" dirty="0">
+              <a:solidFill>
+                <a:schemeClr val="bg1"/>
+              </a:solidFill>
+              <a:latin typeface="Roboto" pitchFamily="2" charset="0"/>
+              <a:ea typeface="Roboto" pitchFamily="2" charset="0"/>
+            </a:endParaRPr>
           </a:p>
         </p:txBody>
       </p:sp>
@@ -6618,7 +6634,7 @@
         </p:nvSpPr>
         <p:spPr>
           <a:xfrm>
-            <a:off x="3626460" y="4011726"/>
+            <a:off x="3764082" y="4388451"/>
             <a:ext cx="8775091" cy="2846273"/>
           </a:xfrm>
           <a:prstGeom prst="rect">
@@ -6850,31 +6866,6 @@
             <a:r>
               <a:rPr lang="pt-BR" sz="2500" dirty="0"/>
               <a:t>; </a:t>
-            </a:r>
-          </a:p>
-          <a:p>
-            <a:pPr marL="139700" indent="0">
-              <a:spcBef>
-                <a:spcPts val="0"/>
-              </a:spcBef>
-              <a:buNone/>
-            </a:pPr>
-            <a:r>
-              <a:rPr lang="pt-BR" sz="2500" dirty="0"/>
-              <a:t>▪ Obrigatoriamente, os produtos customizados mais antigos, são </a:t>
-            </a:r>
-            <a:r>
-              <a:rPr lang="pt-BR" sz="2500" b="1" i="1" dirty="0">
-                <a:solidFill>
-                  <a:srgbClr val="FF8700"/>
-                </a:solidFill>
-                <a:sym typeface="Roboto"/>
-              </a:rPr>
-              <a:t>vendidos primeiro</a:t>
-            </a:r>
-            <a:r>
-              <a:rPr lang="pt-BR" sz="2500" dirty="0"/>
-              <a:t>.</a:t>
             </a:r>
           </a:p>
         </p:txBody>
@@ -6895,7 +6886,7 @@
         </p:nvSpPr>
         <p:spPr>
           <a:xfrm>
-            <a:off x="2924460" y="2688194"/>
+            <a:off x="3116972" y="2904768"/>
             <a:ext cx="5448101" cy="1353053"/>
           </a:xfrm>
           <a:prstGeom prst="rect">
@@ -7663,7 +7654,7 @@
         </p:blipFill>
         <p:spPr>
           <a:xfrm>
-            <a:off x="8376834" y="2865370"/>
+            <a:off x="8569346" y="3081944"/>
             <a:ext cx="976743" cy="976743"/>
           </a:xfrm>
           <a:prstGeom prst="rect">
@@ -7709,7 +7700,7 @@
         </p:blipFill>
         <p:spPr>
           <a:xfrm>
-            <a:off x="10515600" y="2846274"/>
+            <a:off x="10708112" y="3062848"/>
             <a:ext cx="976742" cy="976742"/>
           </a:xfrm>
           <a:prstGeom prst="rect">
@@ -7789,7 +7780,7 @@
         </p:nvCxnSpPr>
         <p:spPr>
           <a:xfrm>
-            <a:off x="9582974" y="3414833"/>
+            <a:off x="9775486" y="3631407"/>
             <a:ext cx="703229" cy="0"/>
           </a:xfrm>
           <a:prstGeom prst="straightConnector1">
@@ -9331,7 +9322,7 @@
         </p:spPr>
         <p:txBody>
           <a:bodyPr spcFirstLastPara="1" wrap="square" lIns="121900" tIns="121900" rIns="121900" bIns="121900" anchor="t" anchorCtr="0">
-            <a:normAutofit lnSpcReduction="10000"/>
+            <a:normAutofit/>
           </a:bodyPr>
           <a:lstStyle>
             <a:defPPr marR="0" lvl="0" algn="l" rtl="0">
@@ -10146,27 +10137,7 @@
                 <a:cs typeface="Roboto"/>
                 <a:sym typeface="Roboto"/>
               </a:rPr>
-              <a:t>Scrum Master </a:t>
-            </a:r>
-            <a:br>
-              <a:rPr lang="en" sz="2133" dirty="0">
-                <a:latin typeface="Roboto"/>
-                <a:ea typeface="Roboto"/>
-                <a:cs typeface="Roboto"/>
-                <a:sym typeface="Roboto"/>
-              </a:rPr>
-            </a:br>
-            <a:r>
-              <a:rPr lang="en" sz="1333" dirty="0">
-                <a:solidFill>
-                  <a:schemeClr val="dk2"/>
-                </a:solidFill>
-                <a:latin typeface="Roboto"/>
-                <a:ea typeface="Roboto"/>
-                <a:cs typeface="Roboto"/>
-                <a:sym typeface="Roboto"/>
-              </a:rPr>
-              <a:t>-</a:t>
+              <a:t>Scrum Master</a:t>
             </a:r>
             <a:endParaRPr sz="2400" dirty="0">
               <a:latin typeface="Roboto"/>
@@ -10233,7 +10204,7 @@
           <a:p>
             <a:pPr algn="ctr"/>
             <a:r>
-              <a:rPr lang="pt-BR" sz="1300" b="1" dirty="0" err="1">
+              <a:rPr lang="pt-BR" sz="1300" b="1" dirty="0">
                 <a:solidFill>
                   <a:schemeClr val="tx1">
                     <a:lumMod val="50000"/>
@@ -10245,57 +10216,7 @@
                 <a:cs typeface="Roboto"/>
                 <a:sym typeface="Roboto"/>
               </a:rPr>
-              <a:t>Product</a:t>
-            </a:r>
-            <a:r>
-              <a:rPr lang="pt-BR" sz="1300" b="1" dirty="0">
-                <a:solidFill>
-                  <a:schemeClr val="tx1">
-                    <a:lumMod val="50000"/>
-                    <a:lumOff val="50000"/>
-                  </a:schemeClr>
-                </a:solidFill>
-                <a:latin typeface="Roboto"/>
-                <a:ea typeface="Roboto"/>
-                <a:cs typeface="Roboto"/>
-                <a:sym typeface="Roboto"/>
-              </a:rPr>
-              <a:t>  </a:t>
-            </a:r>
-            <a:r>
-              <a:rPr lang="pt-BR" sz="1300" b="1" dirty="0" err="1">
-                <a:solidFill>
-                  <a:schemeClr val="tx1">
-                    <a:lumMod val="50000"/>
-                    <a:lumOff val="50000"/>
-                  </a:schemeClr>
-                </a:solidFill>
-                <a:latin typeface="Roboto"/>
-                <a:ea typeface="Roboto"/>
-                <a:cs typeface="Roboto"/>
-                <a:sym typeface="Roboto"/>
-              </a:rPr>
-              <a:t>owner</a:t>
-            </a:r>
-            <a:br>
-              <a:rPr lang="en" sz="1300" dirty="0">
-                <a:latin typeface="Roboto"/>
-                <a:ea typeface="Roboto"/>
-                <a:cs typeface="Roboto"/>
-                <a:sym typeface="Roboto"/>
-              </a:rPr>
-            </a:br>
-            <a:r>
-              <a:rPr lang="en" sz="1300" dirty="0">
-                <a:solidFill>
-                  <a:schemeClr val="dk2"/>
-                </a:solidFill>
-                <a:latin typeface="Roboto"/>
-                <a:ea typeface="Roboto"/>
-                <a:cs typeface="Roboto"/>
-                <a:sym typeface="Roboto"/>
-              </a:rPr>
-              <a:t>-</a:t>
+              <a:t>Product  Owner</a:t>
             </a:r>
             <a:endParaRPr sz="1300" dirty="0">
               <a:latin typeface="Roboto"/>
@@ -10361,620 +10282,6 @@
 </file>
 
 <file path=ppt/slides/slide5.xml><?xml version="1.0" encoding="utf-8"?>
-<p:sld xmlns:a="http://schemas.openxmlformats.org/drawingml/2006/main" xmlns:r="http://schemas.openxmlformats.org/officeDocument/2006/relationships" xmlns:p="http://schemas.openxmlformats.org/presentationml/2006/main">
-  <p:cSld>
-    <p:spTree>
-      <p:nvGrpSpPr>
-        <p:cNvPr id="1" name=""/>
-        <p:cNvGrpSpPr/>
-        <p:nvPr/>
-      </p:nvGrpSpPr>
-      <p:grpSpPr>
-        <a:xfrm>
-          <a:off x="0" y="0"/>
-          <a:ext cx="0" cy="0"/>
-          <a:chOff x="0" y="0"/>
-          <a:chExt cx="0" cy="0"/>
-        </a:xfrm>
-      </p:grpSpPr>
-      <p:sp>
-        <p:nvSpPr>
-          <p:cNvPr id="5" name="Título 1">
-            <a:extLst>
-              <a:ext uri="{FF2B5EF4-FFF2-40B4-BE49-F238E27FC236}">
-                <a16:creationId xmlns:a16="http://schemas.microsoft.com/office/drawing/2014/main" id="{7167F84C-4979-4A48-9B6F-93CAB0C1E134}"/>
-              </a:ext>
-            </a:extLst>
-          </p:cNvPr>
-          <p:cNvSpPr txBox="1">
-            <a:spLocks/>
-          </p:cNvSpPr>
-          <p:nvPr/>
-        </p:nvSpPr>
-        <p:spPr>
-          <a:xfrm>
-            <a:off x="1573759" y="351773"/>
-            <a:ext cx="5724508" cy="937907"/>
-          </a:xfrm>
-          <a:prstGeom prst="rect">
-            <a:avLst/>
-          </a:prstGeom>
-          <a:noFill/>
-          <a:ln>
-            <a:noFill/>
-          </a:ln>
-        </p:spPr>
-        <p:txBody>
-          <a:bodyPr spcFirstLastPara="1" wrap="square" lIns="121900" tIns="121900" rIns="121900" bIns="121900" anchor="b" anchorCtr="0">
-            <a:noAutofit/>
-          </a:bodyPr>
-          <a:lstStyle>
-            <a:defPPr marR="0" lvl="0" algn="l" rtl="0">
-              <a:lnSpc>
-                <a:spcPct val="100000"/>
-              </a:lnSpc>
-              <a:spcBef>
-                <a:spcPts val="0"/>
-              </a:spcBef>
-              <a:spcAft>
-                <a:spcPts val="0"/>
-              </a:spcAft>
-            </a:defPPr>
-            <a:lvl1pPr marR="0" lvl="0" algn="l" rtl="0">
-              <a:lnSpc>
-                <a:spcPct val="100000"/>
-              </a:lnSpc>
-              <a:spcBef>
-                <a:spcPts val="0"/>
-              </a:spcBef>
-              <a:spcAft>
-                <a:spcPts val="0"/>
-              </a:spcAft>
-              <a:buClr>
-                <a:srgbClr val="000000"/>
-              </a:buClr>
-              <a:buFont typeface="Arial"/>
-              <a:defRPr sz="1400" b="0" i="0" u="none" strike="noStrike" cap="none">
-                <a:solidFill>
-                  <a:srgbClr val="000000"/>
-                </a:solidFill>
-                <a:latin typeface="Arial"/>
-                <a:ea typeface="Arial"/>
-                <a:cs typeface="Arial"/>
-                <a:sym typeface="Arial"/>
-              </a:defRPr>
-            </a:lvl1pPr>
-            <a:lvl2pPr marR="0" lvl="1" algn="l" rtl="0">
-              <a:lnSpc>
-                <a:spcPct val="100000"/>
-              </a:lnSpc>
-              <a:spcBef>
-                <a:spcPts val="0"/>
-              </a:spcBef>
-              <a:spcAft>
-                <a:spcPts val="0"/>
-              </a:spcAft>
-              <a:buClr>
-                <a:srgbClr val="000000"/>
-              </a:buClr>
-              <a:buFont typeface="Arial"/>
-              <a:defRPr sz="1400" b="0" i="0" u="none" strike="noStrike" cap="none">
-                <a:solidFill>
-                  <a:srgbClr val="000000"/>
-                </a:solidFill>
-                <a:latin typeface="Arial"/>
-                <a:ea typeface="Arial"/>
-                <a:cs typeface="Arial"/>
-                <a:sym typeface="Arial"/>
-              </a:defRPr>
-            </a:lvl2pPr>
-            <a:lvl3pPr marR="0" lvl="2" algn="l" rtl="0">
-              <a:lnSpc>
-                <a:spcPct val="100000"/>
-              </a:lnSpc>
-              <a:spcBef>
-                <a:spcPts val="0"/>
-              </a:spcBef>
-              <a:spcAft>
-                <a:spcPts val="0"/>
-              </a:spcAft>
-              <a:buClr>
-                <a:srgbClr val="000000"/>
-              </a:buClr>
-              <a:buFont typeface="Arial"/>
-              <a:defRPr sz="1400" b="0" i="0" u="none" strike="noStrike" cap="none">
-                <a:solidFill>
-                  <a:srgbClr val="000000"/>
-                </a:solidFill>
-                <a:latin typeface="Arial"/>
-                <a:ea typeface="Arial"/>
-                <a:cs typeface="Arial"/>
-                <a:sym typeface="Arial"/>
-              </a:defRPr>
-            </a:lvl3pPr>
-            <a:lvl4pPr marR="0" lvl="3" algn="l" rtl="0">
-              <a:lnSpc>
-                <a:spcPct val="100000"/>
-              </a:lnSpc>
-              <a:spcBef>
-                <a:spcPts val="0"/>
-              </a:spcBef>
-              <a:spcAft>
-                <a:spcPts val="0"/>
-              </a:spcAft>
-              <a:buClr>
-                <a:srgbClr val="000000"/>
-              </a:buClr>
-              <a:buFont typeface="Arial"/>
-              <a:defRPr sz="1400" b="0" i="0" u="none" strike="noStrike" cap="none">
-                <a:solidFill>
-                  <a:srgbClr val="000000"/>
-                </a:solidFill>
-                <a:latin typeface="Arial"/>
-                <a:ea typeface="Arial"/>
-                <a:cs typeface="Arial"/>
-                <a:sym typeface="Arial"/>
-              </a:defRPr>
-            </a:lvl4pPr>
-            <a:lvl5pPr marR="0" lvl="4" algn="l" rtl="0">
-              <a:lnSpc>
-                <a:spcPct val="100000"/>
-              </a:lnSpc>
-              <a:spcBef>
-                <a:spcPts val="0"/>
-              </a:spcBef>
-              <a:spcAft>
-                <a:spcPts val="0"/>
-              </a:spcAft>
-              <a:buClr>
-                <a:srgbClr val="000000"/>
-              </a:buClr>
-              <a:buFont typeface="Arial"/>
-              <a:defRPr sz="1400" b="0" i="0" u="none" strike="noStrike" cap="none">
-                <a:solidFill>
-                  <a:srgbClr val="000000"/>
-                </a:solidFill>
-                <a:latin typeface="Arial"/>
-                <a:ea typeface="Arial"/>
-                <a:cs typeface="Arial"/>
-                <a:sym typeface="Arial"/>
-              </a:defRPr>
-            </a:lvl5pPr>
-            <a:lvl6pPr marR="0" lvl="5" algn="l" rtl="0">
-              <a:lnSpc>
-                <a:spcPct val="100000"/>
-              </a:lnSpc>
-              <a:spcBef>
-                <a:spcPts val="0"/>
-              </a:spcBef>
-              <a:spcAft>
-                <a:spcPts val="0"/>
-              </a:spcAft>
-              <a:buClr>
-                <a:srgbClr val="000000"/>
-              </a:buClr>
-              <a:buFont typeface="Arial"/>
-              <a:defRPr sz="1400" b="0" i="0" u="none" strike="noStrike" cap="none">
-                <a:solidFill>
-                  <a:srgbClr val="000000"/>
-                </a:solidFill>
-                <a:latin typeface="Arial"/>
-                <a:ea typeface="Arial"/>
-                <a:cs typeface="Arial"/>
-                <a:sym typeface="Arial"/>
-              </a:defRPr>
-            </a:lvl6pPr>
-            <a:lvl7pPr marR="0" lvl="6" algn="l" rtl="0">
-              <a:lnSpc>
-                <a:spcPct val="100000"/>
-              </a:lnSpc>
-              <a:spcBef>
-                <a:spcPts val="0"/>
-              </a:spcBef>
-              <a:spcAft>
-                <a:spcPts val="0"/>
-              </a:spcAft>
-              <a:buClr>
-                <a:srgbClr val="000000"/>
-              </a:buClr>
-              <a:buFont typeface="Arial"/>
-              <a:defRPr sz="1400" b="0" i="0" u="none" strike="noStrike" cap="none">
-                <a:solidFill>
-                  <a:srgbClr val="000000"/>
-                </a:solidFill>
-                <a:latin typeface="Arial"/>
-                <a:ea typeface="Arial"/>
-                <a:cs typeface="Arial"/>
-                <a:sym typeface="Arial"/>
-              </a:defRPr>
-            </a:lvl7pPr>
-            <a:lvl8pPr marR="0" lvl="7" algn="l" rtl="0">
-              <a:lnSpc>
-                <a:spcPct val="100000"/>
-              </a:lnSpc>
-              <a:spcBef>
-                <a:spcPts val="0"/>
-              </a:spcBef>
-              <a:spcAft>
-                <a:spcPts val="0"/>
-              </a:spcAft>
-              <a:buClr>
-                <a:srgbClr val="000000"/>
-              </a:buClr>
-              <a:buFont typeface="Arial"/>
-              <a:defRPr sz="1400" b="0" i="0" u="none" strike="noStrike" cap="none">
-                <a:solidFill>
-                  <a:srgbClr val="000000"/>
-                </a:solidFill>
-                <a:latin typeface="Arial"/>
-                <a:ea typeface="Arial"/>
-                <a:cs typeface="Arial"/>
-                <a:sym typeface="Arial"/>
-              </a:defRPr>
-            </a:lvl8pPr>
-            <a:lvl9pPr marR="0" lvl="8" algn="l" rtl="0">
-              <a:lnSpc>
-                <a:spcPct val="100000"/>
-              </a:lnSpc>
-              <a:spcBef>
-                <a:spcPts val="0"/>
-              </a:spcBef>
-              <a:spcAft>
-                <a:spcPts val="0"/>
-              </a:spcAft>
-              <a:buClr>
-                <a:srgbClr val="000000"/>
-              </a:buClr>
-              <a:buFont typeface="Arial"/>
-              <a:defRPr sz="1400" b="0" i="0" u="none" strike="noStrike" cap="none">
-                <a:solidFill>
-                  <a:srgbClr val="000000"/>
-                </a:solidFill>
-                <a:latin typeface="Arial"/>
-                <a:ea typeface="Arial"/>
-                <a:cs typeface="Arial"/>
-                <a:sym typeface="Arial"/>
-              </a:defRPr>
-            </a:lvl9pPr>
-          </a:lstStyle>
-          <a:p>
-            <a:pPr>
-              <a:buSzPts val="5200"/>
-            </a:pPr>
-            <a:r>
-              <a:rPr lang="pt-BR" sz="4267" dirty="0">
-                <a:solidFill>
-                  <a:schemeClr val="bg1"/>
-                </a:solidFill>
-                <a:latin typeface="Dosis" pitchFamily="2" charset="0"/>
-                <a:ea typeface="Roboto" pitchFamily="2" charset="0"/>
-              </a:rPr>
-              <a:t>O CÓDIGO</a:t>
-            </a:r>
-          </a:p>
-        </p:txBody>
-      </p:sp>
-      <p:sp>
-        <p:nvSpPr>
-          <p:cNvPr id="6" name="Espaço Reservado para Conteúdo 2">
-            <a:extLst>
-              <a:ext uri="{FF2B5EF4-FFF2-40B4-BE49-F238E27FC236}">
-                <a16:creationId xmlns:a16="http://schemas.microsoft.com/office/drawing/2014/main" id="{FD7CB328-E3CC-4DFE-9BE3-EFC4F669DC9B}"/>
-              </a:ext>
-            </a:extLst>
-          </p:cNvPr>
-          <p:cNvSpPr txBox="1">
-            <a:spLocks/>
-          </p:cNvSpPr>
-          <p:nvPr/>
-        </p:nvSpPr>
-        <p:spPr>
-          <a:xfrm>
-            <a:off x="4047069" y="2970788"/>
-            <a:ext cx="6502395" cy="717110"/>
-          </a:xfrm>
-          <a:prstGeom prst="rect">
-            <a:avLst/>
-          </a:prstGeom>
-          <a:noFill/>
-          <a:ln>
-            <a:noFill/>
-          </a:ln>
-        </p:spPr>
-        <p:txBody>
-          <a:bodyPr spcFirstLastPara="1" wrap="square" lIns="121900" tIns="121900" rIns="121900" bIns="121900" anchor="t" anchorCtr="0">
-            <a:normAutofit lnSpcReduction="10000"/>
-          </a:bodyPr>
-          <a:lstStyle>
-            <a:defPPr marR="0" lvl="0" algn="l" rtl="0">
-              <a:lnSpc>
-                <a:spcPct val="100000"/>
-              </a:lnSpc>
-              <a:spcBef>
-                <a:spcPts val="0"/>
-              </a:spcBef>
-              <a:spcAft>
-                <a:spcPts val="0"/>
-              </a:spcAft>
-            </a:defPPr>
-            <a:lvl1pPr marL="457200" marR="0" lvl="0" indent="-419100" algn="l" rtl="0">
-              <a:lnSpc>
-                <a:spcPct val="100000"/>
-              </a:lnSpc>
-              <a:spcBef>
-                <a:spcPts val="600"/>
-              </a:spcBef>
-              <a:spcAft>
-                <a:spcPts val="0"/>
-              </a:spcAft>
-              <a:buClr>
-                <a:schemeClr val="accent1"/>
-              </a:buClr>
-              <a:buSzPts val="3000"/>
-              <a:buFont typeface="Roboto"/>
-              <a:buChar char="▸"/>
-              <a:defRPr sz="3000" b="0" i="0" u="none" strike="noStrike" cap="none">
-                <a:solidFill>
-                  <a:schemeClr val="dk1"/>
-                </a:solidFill>
-                <a:latin typeface="Roboto"/>
-                <a:ea typeface="Roboto"/>
-                <a:cs typeface="Roboto"/>
-                <a:sym typeface="Roboto"/>
-              </a:defRPr>
-            </a:lvl1pPr>
-            <a:lvl2pPr marL="914400" marR="0" lvl="1" indent="-381000" algn="l" rtl="0">
-              <a:lnSpc>
-                <a:spcPct val="100000"/>
-              </a:lnSpc>
-              <a:spcBef>
-                <a:spcPts val="0"/>
-              </a:spcBef>
-              <a:spcAft>
-                <a:spcPts val="0"/>
-              </a:spcAft>
-              <a:buClr>
-                <a:schemeClr val="accent2"/>
-              </a:buClr>
-              <a:buSzPts val="2400"/>
-              <a:buFont typeface="Roboto"/>
-              <a:buChar char="▹"/>
-              <a:defRPr sz="2400" b="0" i="0" u="none" strike="noStrike" cap="none">
-                <a:solidFill>
-                  <a:schemeClr val="dk1"/>
-                </a:solidFill>
-                <a:latin typeface="Roboto"/>
-                <a:ea typeface="Roboto"/>
-                <a:cs typeface="Roboto"/>
-                <a:sym typeface="Roboto"/>
-              </a:defRPr>
-            </a:lvl2pPr>
-            <a:lvl3pPr marL="1371600" marR="0" lvl="2" indent="-381000" algn="l" rtl="0">
-              <a:lnSpc>
-                <a:spcPct val="100000"/>
-              </a:lnSpc>
-              <a:spcBef>
-                <a:spcPts val="0"/>
-              </a:spcBef>
-              <a:spcAft>
-                <a:spcPts val="0"/>
-              </a:spcAft>
-              <a:buClr>
-                <a:schemeClr val="accent5"/>
-              </a:buClr>
-              <a:buSzPts val="2400"/>
-              <a:buFont typeface="Roboto"/>
-              <a:buChar char="▹"/>
-              <a:defRPr sz="2400" b="0" i="0" u="none" strike="noStrike" cap="none">
-                <a:solidFill>
-                  <a:schemeClr val="dk1"/>
-                </a:solidFill>
-                <a:latin typeface="Roboto"/>
-                <a:ea typeface="Roboto"/>
-                <a:cs typeface="Roboto"/>
-                <a:sym typeface="Roboto"/>
-              </a:defRPr>
-            </a:lvl3pPr>
-            <a:lvl4pPr marL="1828800" marR="0" lvl="3" indent="-342900" algn="l" rtl="0">
-              <a:lnSpc>
-                <a:spcPct val="100000"/>
-              </a:lnSpc>
-              <a:spcBef>
-                <a:spcPts val="0"/>
-              </a:spcBef>
-              <a:spcAft>
-                <a:spcPts val="0"/>
-              </a:spcAft>
-              <a:buClr>
-                <a:schemeClr val="accent5"/>
-              </a:buClr>
-              <a:buSzPts val="1800"/>
-              <a:buFont typeface="Roboto"/>
-              <a:buChar char="▹"/>
-              <a:defRPr sz="1800" b="0" i="0" u="none" strike="noStrike" cap="none">
-                <a:solidFill>
-                  <a:schemeClr val="dk1"/>
-                </a:solidFill>
-                <a:latin typeface="Roboto"/>
-                <a:ea typeface="Roboto"/>
-                <a:cs typeface="Roboto"/>
-                <a:sym typeface="Roboto"/>
-              </a:defRPr>
-            </a:lvl4pPr>
-            <a:lvl5pPr marL="2286000" marR="0" lvl="4" indent="-342900" algn="l" rtl="0">
-              <a:lnSpc>
-                <a:spcPct val="100000"/>
-              </a:lnSpc>
-              <a:spcBef>
-                <a:spcPts val="0"/>
-              </a:spcBef>
-              <a:spcAft>
-                <a:spcPts val="0"/>
-              </a:spcAft>
-              <a:buClr>
-                <a:schemeClr val="accent5"/>
-              </a:buClr>
-              <a:buSzPts val="1800"/>
-              <a:buFont typeface="Roboto"/>
-              <a:buChar char="▹"/>
-              <a:defRPr sz="1800" b="0" i="0" u="none" strike="noStrike" cap="none">
-                <a:solidFill>
-                  <a:schemeClr val="dk1"/>
-                </a:solidFill>
-                <a:latin typeface="Roboto"/>
-                <a:ea typeface="Roboto"/>
-                <a:cs typeface="Roboto"/>
-                <a:sym typeface="Roboto"/>
-              </a:defRPr>
-            </a:lvl5pPr>
-            <a:lvl6pPr marL="2743200" marR="0" lvl="5" indent="-342900" algn="l" rtl="0">
-              <a:lnSpc>
-                <a:spcPct val="100000"/>
-              </a:lnSpc>
-              <a:spcBef>
-                <a:spcPts val="0"/>
-              </a:spcBef>
-              <a:spcAft>
-                <a:spcPts val="0"/>
-              </a:spcAft>
-              <a:buClr>
-                <a:schemeClr val="accent5"/>
-              </a:buClr>
-              <a:buSzPts val="1800"/>
-              <a:buFont typeface="Roboto"/>
-              <a:buChar char="▹"/>
-              <a:defRPr sz="1800" b="0" i="0" u="none" strike="noStrike" cap="none">
-                <a:solidFill>
-                  <a:schemeClr val="dk1"/>
-                </a:solidFill>
-                <a:latin typeface="Roboto"/>
-                <a:ea typeface="Roboto"/>
-                <a:cs typeface="Roboto"/>
-                <a:sym typeface="Roboto"/>
-              </a:defRPr>
-            </a:lvl6pPr>
-            <a:lvl7pPr marL="3200400" marR="0" lvl="6" indent="-342900" algn="l" rtl="0">
-              <a:lnSpc>
-                <a:spcPct val="100000"/>
-              </a:lnSpc>
-              <a:spcBef>
-                <a:spcPts val="0"/>
-              </a:spcBef>
-              <a:spcAft>
-                <a:spcPts val="0"/>
-              </a:spcAft>
-              <a:buClr>
-                <a:schemeClr val="accent5"/>
-              </a:buClr>
-              <a:buSzPts val="1800"/>
-              <a:buFont typeface="Roboto"/>
-              <a:buChar char="▹"/>
-              <a:defRPr sz="1800" b="0" i="0" u="none" strike="noStrike" cap="none">
-                <a:solidFill>
-                  <a:schemeClr val="dk1"/>
-                </a:solidFill>
-                <a:latin typeface="Roboto"/>
-                <a:ea typeface="Roboto"/>
-                <a:cs typeface="Roboto"/>
-                <a:sym typeface="Roboto"/>
-              </a:defRPr>
-            </a:lvl7pPr>
-            <a:lvl8pPr marL="3657600" marR="0" lvl="7" indent="-342900" algn="l" rtl="0">
-              <a:lnSpc>
-                <a:spcPct val="100000"/>
-              </a:lnSpc>
-              <a:spcBef>
-                <a:spcPts val="0"/>
-              </a:spcBef>
-              <a:spcAft>
-                <a:spcPts val="0"/>
-              </a:spcAft>
-              <a:buClr>
-                <a:schemeClr val="accent5"/>
-              </a:buClr>
-              <a:buSzPts val="1800"/>
-              <a:buFont typeface="Roboto"/>
-              <a:buChar char="▹"/>
-              <a:defRPr sz="1800" b="0" i="0" u="none" strike="noStrike" cap="none">
-                <a:solidFill>
-                  <a:schemeClr val="dk1"/>
-                </a:solidFill>
-                <a:latin typeface="Roboto"/>
-                <a:ea typeface="Roboto"/>
-                <a:cs typeface="Roboto"/>
-                <a:sym typeface="Roboto"/>
-              </a:defRPr>
-            </a:lvl8pPr>
-            <a:lvl9pPr marL="4114800" marR="0" lvl="8" indent="-342900" algn="l" rtl="0">
-              <a:lnSpc>
-                <a:spcPct val="100000"/>
-              </a:lnSpc>
-              <a:spcBef>
-                <a:spcPts val="0"/>
-              </a:spcBef>
-              <a:spcAft>
-                <a:spcPts val="0"/>
-              </a:spcAft>
-              <a:buClr>
-                <a:schemeClr val="accent5"/>
-              </a:buClr>
-              <a:buSzPts val="1800"/>
-              <a:buFont typeface="Roboto"/>
-              <a:buChar char="▹"/>
-              <a:defRPr sz="1800" b="0" i="0" u="none" strike="noStrike" cap="none">
-                <a:solidFill>
-                  <a:schemeClr val="dk1"/>
-                </a:solidFill>
-                <a:latin typeface="Roboto"/>
-                <a:ea typeface="Roboto"/>
-                <a:cs typeface="Roboto"/>
-                <a:sym typeface="Roboto"/>
-              </a:defRPr>
-            </a:lvl9pPr>
-          </a:lstStyle>
-          <a:p>
-            <a:pPr marL="0" indent="0">
-              <a:spcBef>
-                <a:spcPts val="0"/>
-              </a:spcBef>
-              <a:buSzPct val="100000"/>
-              <a:buNone/>
-            </a:pPr>
-            <a:r>
-              <a:rPr lang="pt-BR" sz="3200" dirty="0">
-                <a:solidFill>
-                  <a:schemeClr val="bg1"/>
-                </a:solidFill>
-                <a:latin typeface="Roboto" pitchFamily="2" charset="0"/>
-                <a:ea typeface="Roboto" pitchFamily="2" charset="0"/>
-                <a:cs typeface="+mn-lt"/>
-              </a:rPr>
-              <a:t>Funcionamento prático do código!</a:t>
-            </a:r>
-            <a:endParaRPr lang="pt-BR" sz="3200" dirty="0">
-              <a:solidFill>
-                <a:schemeClr val="bg1"/>
-              </a:solidFill>
-              <a:ea typeface="+mn-lt"/>
-              <a:cs typeface="+mn-lt"/>
-            </a:endParaRPr>
-          </a:p>
-        </p:txBody>
-      </p:sp>
-    </p:spTree>
-    <p:extLst>
-      <p:ext uri="{BB962C8B-B14F-4D97-AF65-F5344CB8AC3E}">
-        <p14:creationId xmlns:p14="http://schemas.microsoft.com/office/powerpoint/2010/main" val="3345526427"/>
-      </p:ext>
-    </p:extLst>
-  </p:cSld>
-  <p:clrMapOvr>
-    <a:masterClrMapping/>
-  </p:clrMapOvr>
-</p:sld>
-</file>
-
-<file path=ppt/slides/slide6.xml><?xml version="1.0" encoding="utf-8"?>
 <p:sld xmlns:a="http://schemas.openxmlformats.org/drawingml/2006/main" xmlns:r="http://schemas.openxmlformats.org/officeDocument/2006/relationships" xmlns:p="http://schemas.openxmlformats.org/presentationml/2006/main">
   <p:cSld>
     <p:spTree>
@@ -11719,7 +11026,7 @@
         </p:nvSpPr>
         <p:spPr>
           <a:xfrm>
-            <a:off x="2851718" y="1994781"/>
+            <a:off x="3187620" y="2512351"/>
             <a:ext cx="8808449" cy="1434219"/>
           </a:xfrm>
           <a:prstGeom prst="rect">
@@ -11993,29 +11300,29 @@
               <a:buNone/>
             </a:pPr>
             <a:r>
-              <a:rPr lang="pt-BR" sz="2700" b="1" dirty="0">
+              <a:rPr lang="pt-BR" sz="2800" dirty="0">
                 <a:solidFill>
                   <a:schemeClr val="bg1"/>
                 </a:solidFill>
-                <a:latin typeface="Roboto" panose="02000000000000000000" pitchFamily="2" charset="0"/>
+                <a:cs typeface="Calibri" panose="020F0502020204030204"/>
               </a:rPr>
               <a:t>“Aprender a controlar seu orçamento é o modo mais prático de cortar gastos e começar a </a:t>
             </a:r>
             <a:r>
-              <a:rPr lang="pt-BR" sz="2700" b="1" dirty="0">
-                <a:solidFill>
-                  <a:srgbClr val="FF7825"/>
-                </a:solidFill>
-                <a:latin typeface="Roboto" panose="02000000000000000000" pitchFamily="2" charset="0"/>
+              <a:rPr lang="pt-BR" sz="2800" b="1" i="1" dirty="0">
+                <a:solidFill>
+                  <a:srgbClr val="FF8700"/>
+                </a:solidFill>
+                <a:cs typeface="Calibri" panose="020F0502020204030204"/>
               </a:rPr>
               <a:t>investir</a:t>
             </a:r>
             <a:r>
-              <a:rPr lang="pt-BR" sz="2700" b="1" dirty="0">
+              <a:rPr lang="pt-BR" sz="2800" dirty="0">
                 <a:solidFill>
                   <a:schemeClr val="bg1"/>
                 </a:solidFill>
-                <a:latin typeface="Roboto" panose="02000000000000000000" pitchFamily="2" charset="0"/>
+                <a:cs typeface="Calibri" panose="020F0502020204030204"/>
               </a:rPr>
               <a:t>.”</a:t>
             </a:r>
@@ -12025,22 +11332,14 @@
               <a:buNone/>
             </a:pPr>
             <a:r>
-              <a:rPr lang="pt-BR" sz="1600" b="0" i="0" dirty="0">
-                <a:solidFill>
-                  <a:srgbClr val="FF7825"/>
-                </a:solidFill>
-                <a:effectLst/>
-                <a:latin typeface="Roboto" panose="02000000000000000000" pitchFamily="2" charset="0"/>
+              <a:rPr lang="pt-BR" sz="2000" b="1" i="1" dirty="0">
+                <a:solidFill>
+                  <a:srgbClr val="FF8700"/>
+                </a:solidFill>
+                <a:cs typeface="Calibri" panose="020F0502020204030204"/>
               </a:rPr>
               <a:t>Douglas Gonçalves</a:t>
             </a:r>
-            <a:endParaRPr lang="pt-BR" sz="2700" dirty="0">
-              <a:solidFill>
-                <a:srgbClr val="FF7825"/>
-              </a:solidFill>
-              <a:ea typeface="+mn-lt"/>
-              <a:cs typeface="+mn-lt"/>
-            </a:endParaRPr>
           </a:p>
         </p:txBody>
       </p:sp>
@@ -12515,6 +11814,647 @@
         </p:txBody>
       </p:sp>
     </p:spTree>
+  </p:cSld>
+  <p:clrMapOvr>
+    <a:masterClrMapping/>
+  </p:clrMapOvr>
+</p:sld>
+</file>
+
+<file path=ppt/slides/slide6.xml><?xml version="1.0" encoding="utf-8"?>
+<p:sld xmlns:a="http://schemas.openxmlformats.org/drawingml/2006/main" xmlns:r="http://schemas.openxmlformats.org/officeDocument/2006/relationships" xmlns:p="http://schemas.openxmlformats.org/presentationml/2006/main">
+  <p:cSld>
+    <p:spTree>
+      <p:nvGrpSpPr>
+        <p:cNvPr id="1" name=""/>
+        <p:cNvGrpSpPr/>
+        <p:nvPr/>
+      </p:nvGrpSpPr>
+      <p:grpSpPr>
+        <a:xfrm>
+          <a:off x="0" y="0"/>
+          <a:ext cx="0" cy="0"/>
+          <a:chOff x="0" y="0"/>
+          <a:chExt cx="0" cy="0"/>
+        </a:xfrm>
+      </p:grpSpPr>
+      <p:sp>
+        <p:nvSpPr>
+          <p:cNvPr id="5" name="Título 1">
+            <a:extLst>
+              <a:ext uri="{FF2B5EF4-FFF2-40B4-BE49-F238E27FC236}">
+                <a16:creationId xmlns:a16="http://schemas.microsoft.com/office/drawing/2014/main" id="{7167F84C-4979-4A48-9B6F-93CAB0C1E134}"/>
+              </a:ext>
+            </a:extLst>
+          </p:cNvPr>
+          <p:cNvSpPr txBox="1">
+            <a:spLocks/>
+          </p:cNvSpPr>
+          <p:nvPr/>
+        </p:nvSpPr>
+        <p:spPr>
+          <a:xfrm>
+            <a:off x="1573759" y="351773"/>
+            <a:ext cx="5724508" cy="937907"/>
+          </a:xfrm>
+          <a:prstGeom prst="rect">
+            <a:avLst/>
+          </a:prstGeom>
+          <a:noFill/>
+          <a:ln>
+            <a:noFill/>
+          </a:ln>
+        </p:spPr>
+        <p:txBody>
+          <a:bodyPr spcFirstLastPara="1" wrap="square" lIns="121900" tIns="121900" rIns="121900" bIns="121900" anchor="b" anchorCtr="0">
+            <a:noAutofit/>
+          </a:bodyPr>
+          <a:lstStyle>
+            <a:defPPr marR="0" lvl="0" algn="l" rtl="0">
+              <a:lnSpc>
+                <a:spcPct val="100000"/>
+              </a:lnSpc>
+              <a:spcBef>
+                <a:spcPts val="0"/>
+              </a:spcBef>
+              <a:spcAft>
+                <a:spcPts val="0"/>
+              </a:spcAft>
+            </a:defPPr>
+            <a:lvl1pPr marR="0" lvl="0" algn="l" rtl="0">
+              <a:lnSpc>
+                <a:spcPct val="100000"/>
+              </a:lnSpc>
+              <a:spcBef>
+                <a:spcPts val="0"/>
+              </a:spcBef>
+              <a:spcAft>
+                <a:spcPts val="0"/>
+              </a:spcAft>
+              <a:buClr>
+                <a:srgbClr val="000000"/>
+              </a:buClr>
+              <a:buFont typeface="Arial"/>
+              <a:defRPr sz="1400" b="0" i="0" u="none" strike="noStrike" cap="none">
+                <a:solidFill>
+                  <a:srgbClr val="000000"/>
+                </a:solidFill>
+                <a:latin typeface="Arial"/>
+                <a:ea typeface="Arial"/>
+                <a:cs typeface="Arial"/>
+                <a:sym typeface="Arial"/>
+              </a:defRPr>
+            </a:lvl1pPr>
+            <a:lvl2pPr marR="0" lvl="1" algn="l" rtl="0">
+              <a:lnSpc>
+                <a:spcPct val="100000"/>
+              </a:lnSpc>
+              <a:spcBef>
+                <a:spcPts val="0"/>
+              </a:spcBef>
+              <a:spcAft>
+                <a:spcPts val="0"/>
+              </a:spcAft>
+              <a:buClr>
+                <a:srgbClr val="000000"/>
+              </a:buClr>
+              <a:buFont typeface="Arial"/>
+              <a:defRPr sz="1400" b="0" i="0" u="none" strike="noStrike" cap="none">
+                <a:solidFill>
+                  <a:srgbClr val="000000"/>
+                </a:solidFill>
+                <a:latin typeface="Arial"/>
+                <a:ea typeface="Arial"/>
+                <a:cs typeface="Arial"/>
+                <a:sym typeface="Arial"/>
+              </a:defRPr>
+            </a:lvl2pPr>
+            <a:lvl3pPr marR="0" lvl="2" algn="l" rtl="0">
+              <a:lnSpc>
+                <a:spcPct val="100000"/>
+              </a:lnSpc>
+              <a:spcBef>
+                <a:spcPts val="0"/>
+              </a:spcBef>
+              <a:spcAft>
+                <a:spcPts val="0"/>
+              </a:spcAft>
+              <a:buClr>
+                <a:srgbClr val="000000"/>
+              </a:buClr>
+              <a:buFont typeface="Arial"/>
+              <a:defRPr sz="1400" b="0" i="0" u="none" strike="noStrike" cap="none">
+                <a:solidFill>
+                  <a:srgbClr val="000000"/>
+                </a:solidFill>
+                <a:latin typeface="Arial"/>
+                <a:ea typeface="Arial"/>
+                <a:cs typeface="Arial"/>
+                <a:sym typeface="Arial"/>
+              </a:defRPr>
+            </a:lvl3pPr>
+            <a:lvl4pPr marR="0" lvl="3" algn="l" rtl="0">
+              <a:lnSpc>
+                <a:spcPct val="100000"/>
+              </a:lnSpc>
+              <a:spcBef>
+                <a:spcPts val="0"/>
+              </a:spcBef>
+              <a:spcAft>
+                <a:spcPts val="0"/>
+              </a:spcAft>
+              <a:buClr>
+                <a:srgbClr val="000000"/>
+              </a:buClr>
+              <a:buFont typeface="Arial"/>
+              <a:defRPr sz="1400" b="0" i="0" u="none" strike="noStrike" cap="none">
+                <a:solidFill>
+                  <a:srgbClr val="000000"/>
+                </a:solidFill>
+                <a:latin typeface="Arial"/>
+                <a:ea typeface="Arial"/>
+                <a:cs typeface="Arial"/>
+                <a:sym typeface="Arial"/>
+              </a:defRPr>
+            </a:lvl4pPr>
+            <a:lvl5pPr marR="0" lvl="4" algn="l" rtl="0">
+              <a:lnSpc>
+                <a:spcPct val="100000"/>
+              </a:lnSpc>
+              <a:spcBef>
+                <a:spcPts val="0"/>
+              </a:spcBef>
+              <a:spcAft>
+                <a:spcPts val="0"/>
+              </a:spcAft>
+              <a:buClr>
+                <a:srgbClr val="000000"/>
+              </a:buClr>
+              <a:buFont typeface="Arial"/>
+              <a:defRPr sz="1400" b="0" i="0" u="none" strike="noStrike" cap="none">
+                <a:solidFill>
+                  <a:srgbClr val="000000"/>
+                </a:solidFill>
+                <a:latin typeface="Arial"/>
+                <a:ea typeface="Arial"/>
+                <a:cs typeface="Arial"/>
+                <a:sym typeface="Arial"/>
+              </a:defRPr>
+            </a:lvl5pPr>
+            <a:lvl6pPr marR="0" lvl="5" algn="l" rtl="0">
+              <a:lnSpc>
+                <a:spcPct val="100000"/>
+              </a:lnSpc>
+              <a:spcBef>
+                <a:spcPts val="0"/>
+              </a:spcBef>
+              <a:spcAft>
+                <a:spcPts val="0"/>
+              </a:spcAft>
+              <a:buClr>
+                <a:srgbClr val="000000"/>
+              </a:buClr>
+              <a:buFont typeface="Arial"/>
+              <a:defRPr sz="1400" b="0" i="0" u="none" strike="noStrike" cap="none">
+                <a:solidFill>
+                  <a:srgbClr val="000000"/>
+                </a:solidFill>
+                <a:latin typeface="Arial"/>
+                <a:ea typeface="Arial"/>
+                <a:cs typeface="Arial"/>
+                <a:sym typeface="Arial"/>
+              </a:defRPr>
+            </a:lvl6pPr>
+            <a:lvl7pPr marR="0" lvl="6" algn="l" rtl="0">
+              <a:lnSpc>
+                <a:spcPct val="100000"/>
+              </a:lnSpc>
+              <a:spcBef>
+                <a:spcPts val="0"/>
+              </a:spcBef>
+              <a:spcAft>
+                <a:spcPts val="0"/>
+              </a:spcAft>
+              <a:buClr>
+                <a:srgbClr val="000000"/>
+              </a:buClr>
+              <a:buFont typeface="Arial"/>
+              <a:defRPr sz="1400" b="0" i="0" u="none" strike="noStrike" cap="none">
+                <a:solidFill>
+                  <a:srgbClr val="000000"/>
+                </a:solidFill>
+                <a:latin typeface="Arial"/>
+                <a:ea typeface="Arial"/>
+                <a:cs typeface="Arial"/>
+                <a:sym typeface="Arial"/>
+              </a:defRPr>
+            </a:lvl7pPr>
+            <a:lvl8pPr marR="0" lvl="7" algn="l" rtl="0">
+              <a:lnSpc>
+                <a:spcPct val="100000"/>
+              </a:lnSpc>
+              <a:spcBef>
+                <a:spcPts val="0"/>
+              </a:spcBef>
+              <a:spcAft>
+                <a:spcPts val="0"/>
+              </a:spcAft>
+              <a:buClr>
+                <a:srgbClr val="000000"/>
+              </a:buClr>
+              <a:buFont typeface="Arial"/>
+              <a:defRPr sz="1400" b="0" i="0" u="none" strike="noStrike" cap="none">
+                <a:solidFill>
+                  <a:srgbClr val="000000"/>
+                </a:solidFill>
+                <a:latin typeface="Arial"/>
+                <a:ea typeface="Arial"/>
+                <a:cs typeface="Arial"/>
+                <a:sym typeface="Arial"/>
+              </a:defRPr>
+            </a:lvl8pPr>
+            <a:lvl9pPr marR="0" lvl="8" algn="l" rtl="0">
+              <a:lnSpc>
+                <a:spcPct val="100000"/>
+              </a:lnSpc>
+              <a:spcBef>
+                <a:spcPts val="0"/>
+              </a:spcBef>
+              <a:spcAft>
+                <a:spcPts val="0"/>
+              </a:spcAft>
+              <a:buClr>
+                <a:srgbClr val="000000"/>
+              </a:buClr>
+              <a:buFont typeface="Arial"/>
+              <a:defRPr sz="1400" b="0" i="0" u="none" strike="noStrike" cap="none">
+                <a:solidFill>
+                  <a:srgbClr val="000000"/>
+                </a:solidFill>
+                <a:latin typeface="Arial"/>
+                <a:ea typeface="Arial"/>
+                <a:cs typeface="Arial"/>
+                <a:sym typeface="Arial"/>
+              </a:defRPr>
+            </a:lvl9pPr>
+          </a:lstStyle>
+          <a:p>
+            <a:pPr>
+              <a:buSzPts val="5200"/>
+            </a:pPr>
+            <a:r>
+              <a:rPr lang="pt-BR" sz="4267" dirty="0">
+                <a:solidFill>
+                  <a:schemeClr val="bg1"/>
+                </a:solidFill>
+                <a:latin typeface="Dosis" pitchFamily="2" charset="0"/>
+                <a:ea typeface="Roboto" pitchFamily="2" charset="0"/>
+              </a:rPr>
+              <a:t>O CÓDIGO</a:t>
+            </a:r>
+          </a:p>
+        </p:txBody>
+      </p:sp>
+      <p:sp>
+        <p:nvSpPr>
+          <p:cNvPr id="6" name="Espaço Reservado para Conteúdo 2">
+            <a:extLst>
+              <a:ext uri="{FF2B5EF4-FFF2-40B4-BE49-F238E27FC236}">
+                <a16:creationId xmlns:a16="http://schemas.microsoft.com/office/drawing/2014/main" id="{FD7CB328-E3CC-4DFE-9BE3-EFC4F669DC9B}"/>
+              </a:ext>
+            </a:extLst>
+          </p:cNvPr>
+          <p:cNvSpPr txBox="1">
+            <a:spLocks/>
+          </p:cNvSpPr>
+          <p:nvPr/>
+        </p:nvSpPr>
+        <p:spPr>
+          <a:xfrm>
+            <a:off x="3431249" y="3070445"/>
+            <a:ext cx="6502395" cy="717110"/>
+          </a:xfrm>
+          <a:prstGeom prst="rect">
+            <a:avLst/>
+          </a:prstGeom>
+          <a:noFill/>
+          <a:ln>
+            <a:noFill/>
+          </a:ln>
+        </p:spPr>
+        <p:txBody>
+          <a:bodyPr spcFirstLastPara="1" wrap="square" lIns="121900" tIns="121900" rIns="121900" bIns="121900" anchor="t" anchorCtr="0">
+            <a:normAutofit lnSpcReduction="10000"/>
+          </a:bodyPr>
+          <a:lstStyle>
+            <a:defPPr marR="0" lvl="0" algn="l" rtl="0">
+              <a:lnSpc>
+                <a:spcPct val="100000"/>
+              </a:lnSpc>
+              <a:spcBef>
+                <a:spcPts val="0"/>
+              </a:spcBef>
+              <a:spcAft>
+                <a:spcPts val="0"/>
+              </a:spcAft>
+            </a:defPPr>
+            <a:lvl1pPr marL="457200" marR="0" lvl="0" indent="-419100" algn="l" rtl="0">
+              <a:lnSpc>
+                <a:spcPct val="100000"/>
+              </a:lnSpc>
+              <a:spcBef>
+                <a:spcPts val="600"/>
+              </a:spcBef>
+              <a:spcAft>
+                <a:spcPts val="0"/>
+              </a:spcAft>
+              <a:buClr>
+                <a:schemeClr val="accent1"/>
+              </a:buClr>
+              <a:buSzPts val="3000"/>
+              <a:buFont typeface="Roboto"/>
+              <a:buChar char="▸"/>
+              <a:defRPr sz="3000" b="0" i="0" u="none" strike="noStrike" cap="none">
+                <a:solidFill>
+                  <a:schemeClr val="dk1"/>
+                </a:solidFill>
+                <a:latin typeface="Roboto"/>
+                <a:ea typeface="Roboto"/>
+                <a:cs typeface="Roboto"/>
+                <a:sym typeface="Roboto"/>
+              </a:defRPr>
+            </a:lvl1pPr>
+            <a:lvl2pPr marL="914400" marR="0" lvl="1" indent="-381000" algn="l" rtl="0">
+              <a:lnSpc>
+                <a:spcPct val="100000"/>
+              </a:lnSpc>
+              <a:spcBef>
+                <a:spcPts val="0"/>
+              </a:spcBef>
+              <a:spcAft>
+                <a:spcPts val="0"/>
+              </a:spcAft>
+              <a:buClr>
+                <a:schemeClr val="accent2"/>
+              </a:buClr>
+              <a:buSzPts val="2400"/>
+              <a:buFont typeface="Roboto"/>
+              <a:buChar char="▹"/>
+              <a:defRPr sz="2400" b="0" i="0" u="none" strike="noStrike" cap="none">
+                <a:solidFill>
+                  <a:schemeClr val="dk1"/>
+                </a:solidFill>
+                <a:latin typeface="Roboto"/>
+                <a:ea typeface="Roboto"/>
+                <a:cs typeface="Roboto"/>
+                <a:sym typeface="Roboto"/>
+              </a:defRPr>
+            </a:lvl2pPr>
+            <a:lvl3pPr marL="1371600" marR="0" lvl="2" indent="-381000" algn="l" rtl="0">
+              <a:lnSpc>
+                <a:spcPct val="100000"/>
+              </a:lnSpc>
+              <a:spcBef>
+                <a:spcPts val="0"/>
+              </a:spcBef>
+              <a:spcAft>
+                <a:spcPts val="0"/>
+              </a:spcAft>
+              <a:buClr>
+                <a:schemeClr val="accent5"/>
+              </a:buClr>
+              <a:buSzPts val="2400"/>
+              <a:buFont typeface="Roboto"/>
+              <a:buChar char="▹"/>
+              <a:defRPr sz="2400" b="0" i="0" u="none" strike="noStrike" cap="none">
+                <a:solidFill>
+                  <a:schemeClr val="dk1"/>
+                </a:solidFill>
+                <a:latin typeface="Roboto"/>
+                <a:ea typeface="Roboto"/>
+                <a:cs typeface="Roboto"/>
+                <a:sym typeface="Roboto"/>
+              </a:defRPr>
+            </a:lvl3pPr>
+            <a:lvl4pPr marL="1828800" marR="0" lvl="3" indent="-342900" algn="l" rtl="0">
+              <a:lnSpc>
+                <a:spcPct val="100000"/>
+              </a:lnSpc>
+              <a:spcBef>
+                <a:spcPts val="0"/>
+              </a:spcBef>
+              <a:spcAft>
+                <a:spcPts val="0"/>
+              </a:spcAft>
+              <a:buClr>
+                <a:schemeClr val="accent5"/>
+              </a:buClr>
+              <a:buSzPts val="1800"/>
+              <a:buFont typeface="Roboto"/>
+              <a:buChar char="▹"/>
+              <a:defRPr sz="1800" b="0" i="0" u="none" strike="noStrike" cap="none">
+                <a:solidFill>
+                  <a:schemeClr val="dk1"/>
+                </a:solidFill>
+                <a:latin typeface="Roboto"/>
+                <a:ea typeface="Roboto"/>
+                <a:cs typeface="Roboto"/>
+                <a:sym typeface="Roboto"/>
+              </a:defRPr>
+            </a:lvl4pPr>
+            <a:lvl5pPr marL="2286000" marR="0" lvl="4" indent="-342900" algn="l" rtl="0">
+              <a:lnSpc>
+                <a:spcPct val="100000"/>
+              </a:lnSpc>
+              <a:spcBef>
+                <a:spcPts val="0"/>
+              </a:spcBef>
+              <a:spcAft>
+                <a:spcPts val="0"/>
+              </a:spcAft>
+              <a:buClr>
+                <a:schemeClr val="accent5"/>
+              </a:buClr>
+              <a:buSzPts val="1800"/>
+              <a:buFont typeface="Roboto"/>
+              <a:buChar char="▹"/>
+              <a:defRPr sz="1800" b="0" i="0" u="none" strike="noStrike" cap="none">
+                <a:solidFill>
+                  <a:schemeClr val="dk1"/>
+                </a:solidFill>
+                <a:latin typeface="Roboto"/>
+                <a:ea typeface="Roboto"/>
+                <a:cs typeface="Roboto"/>
+                <a:sym typeface="Roboto"/>
+              </a:defRPr>
+            </a:lvl5pPr>
+            <a:lvl6pPr marL="2743200" marR="0" lvl="5" indent="-342900" algn="l" rtl="0">
+              <a:lnSpc>
+                <a:spcPct val="100000"/>
+              </a:lnSpc>
+              <a:spcBef>
+                <a:spcPts val="0"/>
+              </a:spcBef>
+              <a:spcAft>
+                <a:spcPts val="0"/>
+              </a:spcAft>
+              <a:buClr>
+                <a:schemeClr val="accent5"/>
+              </a:buClr>
+              <a:buSzPts val="1800"/>
+              <a:buFont typeface="Roboto"/>
+              <a:buChar char="▹"/>
+              <a:defRPr sz="1800" b="0" i="0" u="none" strike="noStrike" cap="none">
+                <a:solidFill>
+                  <a:schemeClr val="dk1"/>
+                </a:solidFill>
+                <a:latin typeface="Roboto"/>
+                <a:ea typeface="Roboto"/>
+                <a:cs typeface="Roboto"/>
+                <a:sym typeface="Roboto"/>
+              </a:defRPr>
+            </a:lvl6pPr>
+            <a:lvl7pPr marL="3200400" marR="0" lvl="6" indent="-342900" algn="l" rtl="0">
+              <a:lnSpc>
+                <a:spcPct val="100000"/>
+              </a:lnSpc>
+              <a:spcBef>
+                <a:spcPts val="0"/>
+              </a:spcBef>
+              <a:spcAft>
+                <a:spcPts val="0"/>
+              </a:spcAft>
+              <a:buClr>
+                <a:schemeClr val="accent5"/>
+              </a:buClr>
+              <a:buSzPts val="1800"/>
+              <a:buFont typeface="Roboto"/>
+              <a:buChar char="▹"/>
+              <a:defRPr sz="1800" b="0" i="0" u="none" strike="noStrike" cap="none">
+                <a:solidFill>
+                  <a:schemeClr val="dk1"/>
+                </a:solidFill>
+                <a:latin typeface="Roboto"/>
+                <a:ea typeface="Roboto"/>
+                <a:cs typeface="Roboto"/>
+                <a:sym typeface="Roboto"/>
+              </a:defRPr>
+            </a:lvl7pPr>
+            <a:lvl8pPr marL="3657600" marR="0" lvl="7" indent="-342900" algn="l" rtl="0">
+              <a:lnSpc>
+                <a:spcPct val="100000"/>
+              </a:lnSpc>
+              <a:spcBef>
+                <a:spcPts val="0"/>
+              </a:spcBef>
+              <a:spcAft>
+                <a:spcPts val="0"/>
+              </a:spcAft>
+              <a:buClr>
+                <a:schemeClr val="accent5"/>
+              </a:buClr>
+              <a:buSzPts val="1800"/>
+              <a:buFont typeface="Roboto"/>
+              <a:buChar char="▹"/>
+              <a:defRPr sz="1800" b="0" i="0" u="none" strike="noStrike" cap="none">
+                <a:solidFill>
+                  <a:schemeClr val="dk1"/>
+                </a:solidFill>
+                <a:latin typeface="Roboto"/>
+                <a:ea typeface="Roboto"/>
+                <a:cs typeface="Roboto"/>
+                <a:sym typeface="Roboto"/>
+              </a:defRPr>
+            </a:lvl8pPr>
+            <a:lvl9pPr marL="4114800" marR="0" lvl="8" indent="-342900" algn="l" rtl="0">
+              <a:lnSpc>
+                <a:spcPct val="100000"/>
+              </a:lnSpc>
+              <a:spcBef>
+                <a:spcPts val="0"/>
+              </a:spcBef>
+              <a:spcAft>
+                <a:spcPts val="0"/>
+              </a:spcAft>
+              <a:buClr>
+                <a:schemeClr val="accent5"/>
+              </a:buClr>
+              <a:buSzPts val="1800"/>
+              <a:buFont typeface="Roboto"/>
+              <a:buChar char="▹"/>
+              <a:defRPr sz="1800" b="0" i="0" u="none" strike="noStrike" cap="none">
+                <a:solidFill>
+                  <a:schemeClr val="dk1"/>
+                </a:solidFill>
+                <a:latin typeface="Roboto"/>
+                <a:ea typeface="Roboto"/>
+                <a:cs typeface="Roboto"/>
+                <a:sym typeface="Roboto"/>
+              </a:defRPr>
+            </a:lvl9pPr>
+          </a:lstStyle>
+          <a:p>
+            <a:pPr marL="0" indent="0">
+              <a:spcBef>
+                <a:spcPts val="0"/>
+              </a:spcBef>
+              <a:buSzPct val="100000"/>
+              <a:buNone/>
+            </a:pPr>
+            <a:r>
+              <a:rPr lang="pt-BR" sz="3200" dirty="0">
+                <a:solidFill>
+                  <a:schemeClr val="bg1"/>
+                </a:solidFill>
+                <a:cs typeface="Calibri" panose="020F0502020204030204"/>
+              </a:rPr>
+              <a:t>Funcionamento prático do código!</a:t>
+            </a:r>
+          </a:p>
+        </p:txBody>
+      </p:sp>
+      <p:pic>
+        <p:nvPicPr>
+          <p:cNvPr id="3" name="Imagem 2">
+            <a:extLst>
+              <a:ext uri="{FF2B5EF4-FFF2-40B4-BE49-F238E27FC236}">
+                <a16:creationId xmlns:a16="http://schemas.microsoft.com/office/drawing/2014/main" id="{30E2B993-F886-4463-B90C-D6D879FBDF43}"/>
+              </a:ext>
+            </a:extLst>
+          </p:cNvPr>
+          <p:cNvPicPr>
+            <a:picLocks noChangeAspect="1"/>
+          </p:cNvPicPr>
+          <p:nvPr/>
+        </p:nvPicPr>
+        <p:blipFill>
+          <a:blip r:embed="rId3">
+            <a:extLst>
+              <a:ext uri="{28A0092B-C50C-407E-A947-70E740481C1C}">
+                <a14:useLocalDpi xmlns:a14="http://schemas.microsoft.com/office/drawing/2010/main" val="0"/>
+              </a:ext>
+            </a:extLst>
+          </a:blip>
+          <a:stretch>
+            <a:fillRect/>
+          </a:stretch>
+        </p:blipFill>
+        <p:spPr>
+          <a:xfrm>
+            <a:off x="10138917" y="2732235"/>
+            <a:ext cx="1080000" cy="1080000"/>
+          </a:xfrm>
+          <a:prstGeom prst="rect">
+            <a:avLst/>
+          </a:prstGeom>
+        </p:spPr>
+      </p:pic>
+    </p:spTree>
+    <p:extLst>
+      <p:ext uri="{BB962C8B-B14F-4D97-AF65-F5344CB8AC3E}">
+        <p14:creationId xmlns:p14="http://schemas.microsoft.com/office/powerpoint/2010/main" val="2107018321"/>
+      </p:ext>
+    </p:extLst>
   </p:cSld>
   <p:clrMapOvr>
     <a:masterClrMapping/>
@@ -13113,6 +13053,15 @@
 </file>
 
 <file path=customXml/item1.xml><?xml version="1.0" encoding="utf-8"?>
+<?mso-contentType ?>
+<FormTemplates xmlns="http://schemas.microsoft.com/sharepoint/v3/contenttype/forms">
+  <Display>DocumentLibraryForm</Display>
+  <Edit>DocumentLibraryForm</Edit>
+  <New>DocumentLibraryForm</New>
+</FormTemplates>
+</file>
+
+<file path=customXml/item2.xml><?xml version="1.0" encoding="utf-8"?>
 <p:properties xmlns:p="http://schemas.microsoft.com/office/2006/metadata/properties" xmlns:xsi="http://www.w3.org/2001/XMLSchema-instance" xmlns:pc="http://schemas.microsoft.com/office/infopath/2007/PartnerControls">
   <documentManagement>
     <lcf76f155ced4ddcb4097134ff3c332f xmlns="e7a56c43-a551-48af-881e-66529a67f522">
@@ -13123,18 +13072,9 @@
 </p:properties>
 </file>
 
-<file path=customXml/item2.xml><?xml version="1.0" encoding="utf-8"?>
-<?mso-contentType ?>
-<FormTemplates xmlns="http://schemas.microsoft.com/sharepoint/v3/contenttype/forms">
-  <Display>DocumentLibraryForm</Display>
-  <Edit>DocumentLibraryForm</Edit>
-  <New>DocumentLibraryForm</New>
-</FormTemplates>
-</file>
-
 <file path=customXml/item3.xml><?xml version="1.0" encoding="utf-8"?>
-<ct:contentTypeSchema xmlns:ct="http://schemas.microsoft.com/office/2006/metadata/contentType" xmlns:ma="http://schemas.microsoft.com/office/2006/metadata/properties/metaAttributes" ct:_="" ma:_="" ma:contentTypeName="Document" ma:contentTypeID="0x0101001840908DAF44584A90801C620C0F77DF" ma:contentTypeVersion="16" ma:contentTypeDescription="Create a new document." ma:contentTypeScope="" ma:versionID="a7673c88f6de0c69a1d2213372cefd13">
-  <xsd:schema xmlns:xsd="http://www.w3.org/2001/XMLSchema" xmlns:xs="http://www.w3.org/2001/XMLSchema" xmlns:p="http://schemas.microsoft.com/office/2006/metadata/properties" xmlns:ns2="e7a56c43-a551-48af-881e-66529a67f522" xmlns:ns3="9abaf44a-a694-4711-a5ea-c368d004fa3e" targetNamespace="http://schemas.microsoft.com/office/2006/metadata/properties" ma:root="true" ma:fieldsID="46ee861e875f0106da47a2decaca1984" ns2:_="" ns3:_="">
+<ct:contentTypeSchema xmlns:ct="http://schemas.microsoft.com/office/2006/metadata/contentType" xmlns:ma="http://schemas.microsoft.com/office/2006/metadata/properties/metaAttributes" ct:_="" ma:_="" ma:contentTypeName="Documento" ma:contentTypeID="0x0101001840908DAF44584A90801C620C0F77DF" ma:contentTypeVersion="16" ma:contentTypeDescription="Crie um novo documento." ma:contentTypeScope="" ma:versionID="3632b788ef0f41f43d5e13c8fbc55c98">
+  <xsd:schema xmlns:xsd="http://www.w3.org/2001/XMLSchema" xmlns:xs="http://www.w3.org/2001/XMLSchema" xmlns:p="http://schemas.microsoft.com/office/2006/metadata/properties" xmlns:ns2="e7a56c43-a551-48af-881e-66529a67f522" xmlns:ns3="9abaf44a-a694-4711-a5ea-c368d004fa3e" targetNamespace="http://schemas.microsoft.com/office/2006/metadata/properties" ma:root="true" ma:fieldsID="22efaec193ce77addd645f47665cc11f" ns2:_="" ns3:_="">
     <xsd:import namespace="e7a56c43-a551-48af-881e-66529a67f522"/>
     <xsd:import namespace="9abaf44a-a694-4711-a5ea-c368d004fa3e"/>
     <xsd:element name="properties">
@@ -13221,7 +13161,7 @@
         </xsd:restriction>
       </xsd:simpleType>
     </xsd:element>
-    <xsd:element name="lcf76f155ced4ddcb4097134ff3c332f" ma:index="21" nillable="true" ma:taxonomy="true" ma:internalName="lcf76f155ced4ddcb4097134ff3c332f" ma:taxonomyFieldName="MediaServiceImageTags" ma:displayName="Image Tags" ma:readOnly="false" ma:fieldId="{5cf76f15-5ced-4ddc-b409-7134ff3c332f}" ma:taxonomyMulti="true" ma:sspId="f566eb4a-84a7-4f03-9cf4-83584b28a29b" ma:termSetId="09814cd3-568e-fe90-9814-8d621ff8fb84" ma:anchorId="fba54fb3-c3e1-fe81-a776-ca4b69148c4d" ma:open="true" ma:isKeyword="false">
+    <xsd:element name="lcf76f155ced4ddcb4097134ff3c332f" ma:index="21" nillable="true" ma:taxonomy="true" ma:internalName="lcf76f155ced4ddcb4097134ff3c332f" ma:taxonomyFieldName="MediaServiceImageTags" ma:displayName="Marcações de imagem" ma:readOnly="false" ma:fieldId="{5cf76f15-5ced-4ddc-b409-7134ff3c332f}" ma:taxonomyMulti="true" ma:sspId="f566eb4a-84a7-4f03-9cf4-83584b28a29b" ma:termSetId="09814cd3-568e-fe90-9814-8d621ff8fb84" ma:anchorId="fba54fb3-c3e1-fe81-a776-ca4b69148c4d" ma:open="true" ma:isKeyword="false">
       <xsd:complexType>
         <xsd:sequence>
           <xsd:element ref="pc:Terms" minOccurs="0" maxOccurs="1"/>
@@ -13232,7 +13172,7 @@
   <xsd:schema xmlns:xsd="http://www.w3.org/2001/XMLSchema" xmlns:xs="http://www.w3.org/2001/XMLSchema" xmlns:dms="http://schemas.microsoft.com/office/2006/documentManagement/types" xmlns:pc="http://schemas.microsoft.com/office/infopath/2007/PartnerControls" targetNamespace="9abaf44a-a694-4711-a5ea-c368d004fa3e" elementFormDefault="qualified">
     <xsd:import namespace="http://schemas.microsoft.com/office/2006/documentManagement/types"/>
     <xsd:import namespace="http://schemas.microsoft.com/office/infopath/2007/PartnerControls"/>
-    <xsd:element name="SharedWithUsers" ma:index="15" nillable="true" ma:displayName="Shared With" ma:internalName="SharedWithUsers" ma:readOnly="true">
+    <xsd:element name="SharedWithUsers" ma:index="15" nillable="true" ma:displayName="Compartilhado com" ma:internalName="SharedWithUsers" ma:readOnly="true">
       <xsd:complexType>
         <xsd:complexContent>
           <xsd:extension base="dms:UserMulti">
@@ -13251,7 +13191,7 @@
         </xsd:complexContent>
       </xsd:complexType>
     </xsd:element>
-    <xsd:element name="SharedWithDetails" ma:index="16" nillable="true" ma:displayName="Shared With Details" ma:internalName="SharedWithDetails" ma:readOnly="true">
+    <xsd:element name="SharedWithDetails" ma:index="16" nillable="true" ma:displayName="Detalhes de Compartilhado Com" ma:internalName="SharedWithDetails" ma:readOnly="true">
       <xsd:simpleType>
         <xsd:restriction base="dms:Note">
           <xsd:maxLength value="255"/>
@@ -13279,8 +13219,8 @@
         <xsd:element ref="dc:creator" minOccurs="0" maxOccurs="1"/>
         <xsd:element ref="dcterms:created" minOccurs="0" maxOccurs="1"/>
         <xsd:element ref="dc:identifier" minOccurs="0" maxOccurs="1"/>
-        <xsd:element name="contentType" minOccurs="0" maxOccurs="1" type="xsd:string" ma:index="0" ma:displayName="Content Type"/>
-        <xsd:element ref="dc:title" minOccurs="0" maxOccurs="1" ma:index="4" ma:displayName="Title"/>
+        <xsd:element name="contentType" minOccurs="0" maxOccurs="1" type="xsd:string" ma:index="0" ma:displayName="Tipo de Conteúdo"/>
+        <xsd:element ref="dc:title" minOccurs="0" maxOccurs="1" ma:index="4" ma:displayName="Título"/>
         <xsd:element ref="dc:subject" minOccurs="0" maxOccurs="1"/>
         <xsd:element ref="dc:description" minOccurs="0" maxOccurs="1"/>
         <xsd:element name="keywords" minOccurs="0" maxOccurs="1" type="xsd:string"/>
@@ -13370,6 +13310,14 @@
 </file>
 
 <file path=customXml/itemProps1.xml><?xml version="1.0" encoding="utf-8"?>
+<ds:datastoreItem xmlns:ds="http://schemas.openxmlformats.org/officeDocument/2006/customXml" ds:itemID="{481741EA-086C-42E2-99EB-465115129655}">
+  <ds:schemaRefs>
+    <ds:schemaRef ds:uri="http://schemas.microsoft.com/sharepoint/v3/contenttype/forms"/>
+  </ds:schemaRefs>
+</ds:datastoreItem>
+</file>
+
+<file path=customXml/itemProps2.xml><?xml version="1.0" encoding="utf-8"?>
 <ds:datastoreItem xmlns:ds="http://schemas.openxmlformats.org/officeDocument/2006/customXml" ds:itemID="{F57BDDC4-D841-4E5C-8A6E-12EA0D32E620}">
   <ds:schemaRefs>
     <ds:schemaRef ds:uri="http://schemas.microsoft.com/office/2006/metadata/properties"/>
@@ -13380,29 +13328,6 @@
 </ds:datastoreItem>
 </file>
 
-<file path=customXml/itemProps2.xml><?xml version="1.0" encoding="utf-8"?>
-<ds:datastoreItem xmlns:ds="http://schemas.openxmlformats.org/officeDocument/2006/customXml" ds:itemID="{481741EA-086C-42E2-99EB-465115129655}">
-  <ds:schemaRefs>
-    <ds:schemaRef ds:uri="http://schemas.microsoft.com/sharepoint/v3/contenttype/forms"/>
-  </ds:schemaRefs>
-</ds:datastoreItem>
-</file>
-
 <file path=customXml/itemProps3.xml><?xml version="1.0" encoding="utf-8"?>
-<ds:datastoreItem xmlns:ds="http://schemas.openxmlformats.org/officeDocument/2006/customXml" ds:itemID="{553A31A5-B491-4AD7-B987-B2B8F964579F}">
-  <ds:schemaRefs>
-    <ds:schemaRef ds:uri="http://schemas.microsoft.com/office/2006/metadata/contentType"/>
-    <ds:schemaRef ds:uri="http://schemas.microsoft.com/office/2006/metadata/properties/metaAttributes"/>
-    <ds:schemaRef ds:uri="http://www.w3.org/2001/XMLSchema"/>
-    <ds:schemaRef ds:uri="http://schemas.microsoft.com/office/2006/metadata/properties"/>
-    <ds:schemaRef ds:uri="e7a56c43-a551-48af-881e-66529a67f522"/>
-    <ds:schemaRef ds:uri="9abaf44a-a694-4711-a5ea-c368d004fa3e"/>
-    <ds:schemaRef ds:uri="http://schemas.microsoft.com/office/2006/documentManagement/types"/>
-    <ds:schemaRef ds:uri="http://schemas.microsoft.com/office/infopath/2007/PartnerControls"/>
-    <ds:schemaRef ds:uri="http://schemas.openxmlformats.org/package/2006/metadata/core-properties"/>
-    <ds:schemaRef ds:uri="http://purl.org/dc/elements/1.1/"/>
-    <ds:schemaRef ds:uri="http://purl.org/dc/terms/"/>
-    <ds:schemaRef ds:uri="http://schemas.microsoft.com/internal/obd"/>
-  </ds:schemaRefs>
-</ds:datastoreItem>
+<ds:datastoreItem xmlns:ds="http://schemas.openxmlformats.org/officeDocument/2006/customXml" ds:itemID="{A7858E37-8D59-4DCF-A26A-95BB87388DF4}"/>
 </file>
--- a/presentation.pptx
+++ b/presentation.pptx
@@ -202,7 +202,7 @@
           <a:p>
             <a:fld id="{58872D7B-688D-4BBA-93EB-EE76EEBCE458}" type="datetimeFigureOut">
               <a:rPr lang="pt-BR" smtClean="0"/>
-              <a:t>14/04/2022</a:t>
+              <a:t>19/04/2022</a:t>
             </a:fld>
             <a:endParaRPr lang="pt-BR"/>
           </a:p>
@@ -579,7 +579,38 @@
                 <a:latin typeface="Roboto" pitchFamily="2" charset="0"/>
                 <a:ea typeface="Roboto" pitchFamily="2" charset="0"/>
               </a:rPr>
-              <a:t>Olá! Hoje, iremos apresentar sobre a nossa solução do projeto Enterprise Connection.</a:t>
+              <a:t>Boa noite, nós somos a Startup Tech Warriors!</a:t>
+            </a:r>
+          </a:p>
+          <a:p>
+            <a:pPr marL="0" marR="0" lvl="0" indent="0" algn="l" defTabSz="914400" rtl="0" eaLnBrk="1" fontAlgn="auto" latinLnBrk="0" hangingPunct="1">
+              <a:lnSpc>
+                <a:spcPct val="100000"/>
+              </a:lnSpc>
+              <a:spcBef>
+                <a:spcPts val="0"/>
+              </a:spcBef>
+              <a:spcAft>
+                <a:spcPts val="0"/>
+              </a:spcAft>
+              <a:buClr>
+                <a:srgbClr val="000000"/>
+              </a:buClr>
+              <a:buSzPts val="1400"/>
+              <a:buFont typeface="Arial"/>
+              <a:buNone/>
+              <a:tabLst/>
+              <a:defRPr/>
+            </a:pPr>
+            <a:r>
+              <a:rPr lang="pt-BR" sz="1100" u="none" dirty="0">
+                <a:solidFill>
+                  <a:schemeClr val="bg1"/>
+                </a:solidFill>
+                <a:latin typeface="Roboto" pitchFamily="2" charset="0"/>
+                <a:ea typeface="Roboto" pitchFamily="2" charset="0"/>
+              </a:rPr>
+              <a:t>Hoje, iremos apresentar sobre a nossa solução do projeto Enterprise Connection.</a:t>
             </a:r>
             <a:endParaRPr dirty="0"/>
           </a:p>
@@ -662,7 +693,7 @@
             </a:pPr>
             <a:r>
               <a:rPr lang="pt-BR" sz="1600" dirty="0"/>
-              <a:t>Sua produção é baseada em 2 tipos de produtos: os de base, vendidos à valores variáveis e os customizados vendidos à 50 reais.</a:t>
+              <a:t>Sua produção é baseada na compra dos produtos base, que possuem valores mensais variáveis. Esses produtos são customizados e vendidos à um valor fixo de 50 reais.</a:t>
             </a:r>
           </a:p>
           <a:p>
@@ -690,7 +721,7 @@
                   <a:srgbClr val="FFFF00"/>
                 </a:highlight>
               </a:rPr>
-              <a:t>Tendo em vista esse cenário, pensamos em uma solução que ajude a empresa melhorando, otimizando e facilitando a sua logística.</a:t>
+              <a:t>Tendo em vista esse cenário, pensamos em uma solução que ajude a empresa, melhorando, otimizando e facilitando a sua logística.</a:t>
             </a:r>
           </a:p>
           <a:p>
@@ -775,7 +806,7 @@
             </a:pPr>
             <a:r>
               <a:rPr lang="pt-BR" sz="1600" dirty="0"/>
-              <a:t>Através do conceito da Estrutura de Dados (colocar a estrutura de dados que usamos), nos baseamos em uma linguagem de programação que nos auxilie da melhor forma nessa situação. </a:t>
+              <a:t>Através do conceito da Estrutura de Dados, utilizamos uma linguagem de programação que nos auxilie da melhor forma nessa situação. </a:t>
             </a:r>
           </a:p>
           <a:p>
@@ -788,7 +819,7 @@
             </a:pPr>
             <a:r>
               <a:rPr lang="pt-BR" sz="1600" dirty="0"/>
-              <a:t>Através do Python, conseguimos solucionar e otimizar o problema que nos foi apresentado. Além de entregarmos mais informações do que os lucros como vocês virão mais para frente.</a:t>
+              <a:t>Através do Python, conseguimos solucionar e otimizar o problema que nos foi apresentado. Além de entregarmos mais informações do que os lucros, como vocês virão mais para frente.</a:t>
             </a:r>
           </a:p>
           <a:p>
@@ -910,7 +941,7 @@
                   <a:srgbClr val="FFFF00"/>
                 </a:highlight>
               </a:rPr>
-              <a:t>Mas para que a nossa solução fosse possível, contamos com um time capacitado para essa situação. *ler o integrantes e suas responsabilidades*</a:t>
+              <a:t>E para que a nossa solução fosse possível, contamos com um time capacitado. *ler o integrantes e suas responsabilidades*</a:t>
             </a:r>
           </a:p>
         </p:txBody>
@@ -1028,7 +1059,7 @@
                 <a:latin typeface="Roboto" pitchFamily="2" charset="0"/>
                 <a:ea typeface="Roboto" pitchFamily="2" charset="0"/>
               </a:rPr>
-              <a:t>Ficamos por aqui, pessoal! Com esse algoritmo, conseguimos otimizar o levantamento mensal e anual do lucro da nossa empresa, além de diversos outros dados. </a:t>
+              <a:t>Com esse algoritmo, conseguimos otimizar o levantamento mensal e anual do lucro da empresa, além de diversos outros dados. </a:t>
             </a:r>
           </a:p>
           <a:p>
@@ -1053,36 +1084,38 @@
             </a:r>
           </a:p>
           <a:p>
-            <a:pPr marL="139700" marR="0" lvl="0" indent="0" algn="l" defTabSz="914400" rtl="0" eaLnBrk="1" fontAlgn="auto" latinLnBrk="0" hangingPunct="1">
-              <a:lnSpc>
-                <a:spcPct val="100000"/>
-              </a:lnSpc>
-              <a:spcBef>
-                <a:spcPts val="0"/>
-              </a:spcBef>
-              <a:spcAft>
-                <a:spcPts val="0"/>
-              </a:spcAft>
-              <a:buClrTx/>
-              <a:buSzTx/>
-              <a:buFontTx/>
-              <a:buNone/>
-              <a:tabLst/>
-              <a:defRPr/>
+            <a:pPr marL="139700" indent="0">
+              <a:lnSpc>
+                <a:spcPct val="100000"/>
+              </a:lnSpc>
+              <a:spcBef>
+                <a:spcPts val="0"/>
+              </a:spcBef>
+              <a:buNone/>
             </a:pPr>
             <a:r>
-              <a:rPr lang="pt-BR" sz="1100" dirty="0">
+              <a:rPr lang="pt-BR" sz="1100" u="none" dirty="0">
                 <a:solidFill>
                   <a:schemeClr val="bg1"/>
                 </a:solidFill>
                 <a:latin typeface="Roboto" pitchFamily="2" charset="0"/>
                 <a:ea typeface="Roboto" pitchFamily="2" charset="0"/>
               </a:rPr>
-              <a:t>Obrigado pela atenção e f</a:t>
+              <a:t>Fico por aqui, obrigado </a:t>
+            </a:r>
+            <a:r>
+              <a:rPr lang="pt-BR" sz="1100" dirty="0">
+                <a:solidFill>
+                  <a:schemeClr val="bg1"/>
+                </a:solidFill>
+                <a:latin typeface="Roboto" pitchFamily="2" charset="0"/>
+                <a:ea typeface="Roboto" pitchFamily="2" charset="0"/>
+              </a:rPr>
+              <a:t>pela atenção e </a:t>
             </a:r>
             <a:r>
               <a:rPr lang="pt-BR" sz="1100" dirty="0"/>
-              <a:t>iquem agora com a visualização do código em funcionamento. É com você, João!</a:t>
+              <a:t>agora o João irá apresentar o código em funcionamento!</a:t>
             </a:r>
             <a:endParaRPr lang="pt-BR" sz="1100" dirty="0">
               <a:solidFill>
@@ -1333,7 +1366,7 @@
           <a:p>
             <a:fld id="{EA1DB3B5-7326-4D09-AE12-4EF6A5C8E079}" type="datetimeFigureOut">
               <a:rPr lang="pt-BR" smtClean="0"/>
-              <a:t>14/04/2022</a:t>
+              <a:t>19/04/2022</a:t>
             </a:fld>
             <a:endParaRPr lang="pt-BR"/>
           </a:p>
@@ -1531,7 +1564,7 @@
           <a:p>
             <a:fld id="{EA1DB3B5-7326-4D09-AE12-4EF6A5C8E079}" type="datetimeFigureOut">
               <a:rPr lang="pt-BR" smtClean="0"/>
-              <a:t>14/04/2022</a:t>
+              <a:t>19/04/2022</a:t>
             </a:fld>
             <a:endParaRPr lang="pt-BR"/>
           </a:p>
@@ -1739,7 +1772,7 @@
           <a:p>
             <a:fld id="{EA1DB3B5-7326-4D09-AE12-4EF6A5C8E079}" type="datetimeFigureOut">
               <a:rPr lang="pt-BR" smtClean="0"/>
-              <a:t>14/04/2022</a:t>
+              <a:t>19/04/2022</a:t>
             </a:fld>
             <a:endParaRPr lang="pt-BR"/>
           </a:p>
@@ -3186,7 +3219,7 @@
           <a:p>
             <a:fld id="{EA1DB3B5-7326-4D09-AE12-4EF6A5C8E079}" type="datetimeFigureOut">
               <a:rPr lang="pt-BR" smtClean="0"/>
-              <a:t>14/04/2022</a:t>
+              <a:t>19/04/2022</a:t>
             </a:fld>
             <a:endParaRPr lang="pt-BR"/>
           </a:p>
@@ -3461,7 +3494,7 @@
           <a:p>
             <a:fld id="{EA1DB3B5-7326-4D09-AE12-4EF6A5C8E079}" type="datetimeFigureOut">
               <a:rPr lang="pt-BR" smtClean="0"/>
-              <a:t>14/04/2022</a:t>
+              <a:t>19/04/2022</a:t>
             </a:fld>
             <a:endParaRPr lang="pt-BR"/>
           </a:p>
@@ -3726,7 +3759,7 @@
           <a:p>
             <a:fld id="{EA1DB3B5-7326-4D09-AE12-4EF6A5C8E079}" type="datetimeFigureOut">
               <a:rPr lang="pt-BR" smtClean="0"/>
-              <a:t>14/04/2022</a:t>
+              <a:t>19/04/2022</a:t>
             </a:fld>
             <a:endParaRPr lang="pt-BR"/>
           </a:p>
@@ -4138,7 +4171,7 @@
           <a:p>
             <a:fld id="{EA1DB3B5-7326-4D09-AE12-4EF6A5C8E079}" type="datetimeFigureOut">
               <a:rPr lang="pt-BR" smtClean="0"/>
-              <a:t>14/04/2022</a:t>
+              <a:t>19/04/2022</a:t>
             </a:fld>
             <a:endParaRPr lang="pt-BR"/>
           </a:p>
@@ -4279,7 +4312,7 @@
           <a:p>
             <a:fld id="{EA1DB3B5-7326-4D09-AE12-4EF6A5C8E079}" type="datetimeFigureOut">
               <a:rPr lang="pt-BR" smtClean="0"/>
-              <a:t>14/04/2022</a:t>
+              <a:t>19/04/2022</a:t>
             </a:fld>
             <a:endParaRPr lang="pt-BR"/>
           </a:p>
@@ -4392,7 +4425,7 @@
           <a:p>
             <a:fld id="{EA1DB3B5-7326-4D09-AE12-4EF6A5C8E079}" type="datetimeFigureOut">
               <a:rPr lang="pt-BR" smtClean="0"/>
-              <a:t>14/04/2022</a:t>
+              <a:t>19/04/2022</a:t>
             </a:fld>
             <a:endParaRPr lang="pt-BR"/>
           </a:p>
@@ -4703,7 +4736,7 @@
           <a:p>
             <a:fld id="{EA1DB3B5-7326-4D09-AE12-4EF6A5C8E079}" type="datetimeFigureOut">
               <a:rPr lang="pt-BR" smtClean="0"/>
-              <a:t>14/04/2022</a:t>
+              <a:t>19/04/2022</a:t>
             </a:fld>
             <a:endParaRPr lang="pt-BR"/>
           </a:p>
@@ -4991,7 +5024,7 @@
           <a:p>
             <a:fld id="{EA1DB3B5-7326-4D09-AE12-4EF6A5C8E079}" type="datetimeFigureOut">
               <a:rPr lang="pt-BR" smtClean="0"/>
-              <a:t>14/04/2022</a:t>
+              <a:t>19/04/2022</a:t>
             </a:fld>
             <a:endParaRPr lang="pt-BR"/>
           </a:p>
@@ -5232,7 +5265,7 @@
           <a:p>
             <a:fld id="{EA1DB3B5-7326-4D09-AE12-4EF6A5C8E079}" type="datetimeFigureOut">
               <a:rPr lang="pt-BR" smtClean="0"/>
-              <a:t>14/04/2022</a:t>
+              <a:t>19/04/2022</a:t>
             </a:fld>
             <a:endParaRPr lang="pt-BR"/>
           </a:p>
@@ -6231,7 +6264,7 @@
                 <a:solidFill>
                   <a:schemeClr val="accent1"/>
                 </a:solidFill>
-                <a:latin typeface="Roboto" pitchFamily="2" charset="0"/>
+                <a:latin typeface="+mn-lt"/>
                 <a:ea typeface="Roboto" pitchFamily="2" charset="0"/>
               </a:rPr>
               <a:t>Abril 2022 - Tech Warriors</a:t>
@@ -6534,7 +6567,7 @@
                 <a:solidFill>
                   <a:schemeClr val="bg1"/>
                 </a:solidFill>
-                <a:latin typeface="Roboto" pitchFamily="2" charset="0"/>
+                <a:latin typeface="+mn-lt"/>
                 <a:ea typeface="Roboto" pitchFamily="2" charset="0"/>
               </a:rPr>
               <a:t>Simple Solution Algorithm </a:t>
@@ -6544,7 +6577,7 @@
                 <a:solidFill>
                   <a:schemeClr val="bg1"/>
                 </a:solidFill>
-                <a:latin typeface="Roboto" pitchFamily="2" charset="0"/>
+                <a:latin typeface="+mn-lt"/>
                 <a:ea typeface="Roboto" pitchFamily="2" charset="0"/>
               </a:rPr>
               <a:t>ProfitCo</a:t>
@@ -6553,7 +6586,7 @@
               <a:solidFill>
                 <a:schemeClr val="bg1"/>
               </a:solidFill>
-              <a:latin typeface="Roboto" pitchFamily="2" charset="0"/>
+              <a:latin typeface="+mn-lt"/>
               <a:ea typeface="Roboto" pitchFamily="2" charset="0"/>
             </a:endParaRPr>
           </a:p>
@@ -6634,7 +6667,7 @@
         </p:nvSpPr>
         <p:spPr>
           <a:xfrm>
-            <a:off x="3764082" y="4388451"/>
+            <a:off x="4181800" y="4567109"/>
             <a:ext cx="8775091" cy="2846273"/>
           </a:xfrm>
           <a:prstGeom prst="rect">
@@ -6812,60 +6845,97 @@
               <a:buNone/>
             </a:pPr>
             <a:r>
-              <a:rPr lang="pt-BR" sz="2500" dirty="0">
+              <a:rPr lang="pt-BR" sz="2600" dirty="0">
+                <a:latin typeface="+mn-lt"/>
                 <a:sym typeface="Roboto"/>
               </a:rPr>
-              <a:t>Requisitos...</a:t>
+              <a:t>REQUISITOS:</a:t>
+            </a:r>
+          </a:p>
+          <a:p>
+            <a:pPr>
+              <a:buClr>
+                <a:srgbClr val="FF8700"/>
+              </a:buClr>
+              <a:buFont typeface="Wingdings" panose="05000000000000000000" pitchFamily="2" charset="2"/>
+              <a:buChar char="§"/>
+            </a:pPr>
+            <a:r>
+              <a:rPr lang="pt-BR" sz="2400" dirty="0">
+                <a:latin typeface="+mj-lt"/>
+              </a:rPr>
+              <a:t>O valor do produto base e suas quantidades de compra</a:t>
             </a:r>
           </a:p>
           <a:p>
             <a:pPr marL="139700" indent="0">
-              <a:spcBef>
-                <a:spcPts val="0"/>
-              </a:spcBef>
+              <a:buClr>
+                <a:srgbClr val="FF8700"/>
+              </a:buClr>
               <a:buNone/>
             </a:pPr>
             <a:r>
-              <a:rPr lang="pt-BR" sz="2500" dirty="0"/>
-              <a:t>▪ O valor do produto e suas quantidades de vendidas sofrem </a:t>
-            </a:r>
-            <a:r>
-              <a:rPr lang="pt-BR" sz="2500" b="1" i="1" dirty="0">
+              <a:rPr lang="pt-BR" sz="2400" dirty="0">
+                <a:latin typeface="+mj-lt"/>
+              </a:rPr>
+              <a:t>  sofrem </a:t>
+            </a:r>
+            <a:r>
+              <a:rPr lang="pt-BR" sz="2400" b="1" i="1" dirty="0">
                 <a:solidFill>
                   <a:srgbClr val="FF8700"/>
                 </a:solidFill>
+                <a:latin typeface="+mn-lt"/>
                 <a:sym typeface="Roboto"/>
               </a:rPr>
               <a:t>variações</a:t>
             </a:r>
             <a:r>
-              <a:rPr lang="pt-BR" sz="2500" dirty="0"/>
-              <a:t> durante o ano; </a:t>
-            </a:r>
-          </a:p>
-          <a:p>
-            <a:pPr marL="139700" indent="0">
-              <a:spcBef>
-                <a:spcPts val="0"/>
-              </a:spcBef>
-              <a:buNone/>
+              <a:rPr lang="pt-BR" sz="2400" dirty="0">
+                <a:latin typeface="+mj-lt"/>
+              </a:rPr>
+              <a:t> durante o ano. </a:t>
+            </a:r>
+          </a:p>
+          <a:p>
+            <a:pPr marL="482600" indent="-342900">
+              <a:buClr>
+                <a:srgbClr val="FF8700"/>
+              </a:buClr>
+              <a:buFont typeface="Wingdings" panose="05000000000000000000" pitchFamily="2" charset="2"/>
+              <a:buChar char="§"/>
             </a:pPr>
             <a:r>
-              <a:rPr lang="pt-BR" sz="2500" dirty="0"/>
-              <a:t>▪ O estoque sempre contêm, pelo menos, </a:t>
-            </a:r>
-            <a:r>
-              <a:rPr lang="pt-BR" sz="2500" b="1" i="1" dirty="0">
+              <a:rPr lang="pt-BR" sz="2400" dirty="0">
+                <a:latin typeface="+mj-lt"/>
+              </a:rPr>
+              <a:t>O estoque sempre contêm, pelo menos, </a:t>
+            </a:r>
+            <a:r>
+              <a:rPr lang="pt-BR" sz="2400" b="1" i="1" dirty="0">
                 <a:solidFill>
                   <a:srgbClr val="FF8700"/>
                 </a:solidFill>
+                <a:latin typeface="+mn-lt"/>
                 <a:sym typeface="Roboto"/>
               </a:rPr>
               <a:t>1000 unidades</a:t>
             </a:r>
             <a:r>
-              <a:rPr lang="pt-BR" sz="2500" dirty="0"/>
-              <a:t>; </a:t>
+              <a:rPr lang="pt-BR" sz="2400" b="1" i="1" dirty="0">
+                <a:solidFill>
+                  <a:schemeClr val="tx1"/>
+                </a:solidFill>
+                <a:latin typeface="+mj-lt"/>
+                <a:sym typeface="Roboto"/>
+              </a:rPr>
+              <a:t>.</a:t>
+            </a:r>
+            <a:r>
+              <a:rPr lang="pt-BR" sz="2400" dirty="0">
+                <a:latin typeface="+mj-lt"/>
+              </a:rPr>
+              <a:t> </a:t>
             </a:r>
           </a:p>
         </p:txBody>
@@ -6886,7 +6956,7 @@
         </p:nvSpPr>
         <p:spPr>
           <a:xfrm>
-            <a:off x="3116972" y="2904768"/>
+            <a:off x="3371949" y="3148000"/>
             <a:ext cx="5448101" cy="1353053"/>
           </a:xfrm>
           <a:prstGeom prst="rect">
@@ -7149,21 +7219,6 @@
             </a:lvl9pPr>
           </a:lstStyle>
           <a:p>
-            <a:pPr marL="0" indent="0">
-              <a:spcBef>
-                <a:spcPts val="0"/>
-              </a:spcBef>
-              <a:buSzPct val="100000"/>
-              <a:buNone/>
-            </a:pPr>
-            <a:r>
-              <a:rPr lang="pt-BR" sz="2500" dirty="0">
-                <a:cs typeface="Calibri" panose="020F0502020204030204"/>
-              </a:rPr>
-              <a:t>Seus produtos são vendidos a:</a:t>
-            </a:r>
-          </a:p>
-          <a:p>
             <a:pPr marL="342900" indent="-342900">
               <a:spcBef>
                 <a:spcPts val="0"/>
@@ -7176,10 +7231,28 @@
               <a:buChar char="§"/>
             </a:pPr>
             <a:r>
-              <a:rPr lang="pt-BR" sz="2500" dirty="0">
+              <a:rPr lang="pt-BR" sz="2400" dirty="0">
+                <a:latin typeface="+mj-lt"/>
                 <a:cs typeface="Calibri" panose="020F0502020204030204"/>
               </a:rPr>
-              <a:t>Produtos Base R$ *variável*</a:t>
+              <a:t>Produtos Base: R$ *</a:t>
+            </a:r>
+            <a:r>
+              <a:rPr lang="pt-BR" sz="2400" b="1" i="1" dirty="0">
+                <a:solidFill>
+                  <a:srgbClr val="FF8700"/>
+                </a:solidFill>
+                <a:latin typeface="+mn-lt"/>
+                <a:cs typeface="Calibri" panose="020F0502020204030204"/>
+              </a:rPr>
+              <a:t>variável</a:t>
+            </a:r>
+            <a:r>
+              <a:rPr lang="pt-BR" sz="2400" dirty="0">
+                <a:latin typeface="+mj-lt"/>
+                <a:cs typeface="Calibri" panose="020F0502020204030204"/>
+              </a:rPr>
+              <a:t>*</a:t>
             </a:r>
           </a:p>
           <a:p>
@@ -7195,10 +7268,11 @@
               <a:buChar char="§"/>
             </a:pPr>
             <a:r>
-              <a:rPr lang="pt-BR" sz="2500" dirty="0">
+              <a:rPr lang="pt-BR" sz="2400" dirty="0">
+                <a:latin typeface="+mj-lt"/>
                 <a:cs typeface="Calibri" panose="020F0502020204030204"/>
               </a:rPr>
-              <a:t>Produtos Customizados R$50,00</a:t>
+              <a:t>Produtos Customizados: R$50,00</a:t>
             </a:r>
           </a:p>
         </p:txBody>
@@ -7268,7 +7342,7 @@
         </p:nvSpPr>
         <p:spPr>
           <a:xfrm>
-            <a:off x="2319969" y="1511802"/>
+            <a:off x="2319969" y="1551604"/>
             <a:ext cx="8195631" cy="1334472"/>
           </a:xfrm>
           <a:prstGeom prst="rect">
@@ -7281,7 +7355,7 @@
         </p:spPr>
         <p:txBody>
           <a:bodyPr spcFirstLastPara="1" wrap="square" lIns="121900" tIns="121900" rIns="121900" bIns="121900" anchor="t" anchorCtr="0">
-            <a:normAutofit fontScale="92500" lnSpcReduction="10000"/>
+            <a:noAutofit/>
           </a:bodyPr>
           <a:lstStyle>
             <a:defPPr marR="0" lvl="0" algn="l" rtl="0">
@@ -7539,40 +7613,45 @@
               <a:buNone/>
             </a:pPr>
             <a:r>
-              <a:rPr lang="pt-BR" sz="2700" dirty="0">
+              <a:rPr lang="pt-BR" sz="2400" dirty="0">
+                <a:latin typeface="+mj-lt"/>
                 <a:cs typeface="Calibri" panose="020F0502020204030204"/>
               </a:rPr>
               <a:t>Uma empresa de vendas on-line deseja saber qual o seu lucro em </a:t>
             </a:r>
             <a:r>
-              <a:rPr lang="pt-BR" sz="2700" b="1" i="1" dirty="0">
+              <a:rPr lang="pt-BR" sz="2400" b="1" i="1" dirty="0">
                 <a:solidFill>
                   <a:srgbClr val="FF8700"/>
                 </a:solidFill>
+                <a:latin typeface="+mn-lt"/>
                 <a:cs typeface="Calibri" panose="020F0502020204030204"/>
               </a:rPr>
               <a:t>cada mês </a:t>
             </a:r>
             <a:r>
-              <a:rPr lang="pt-BR" sz="2700" dirty="0">
+              <a:rPr lang="pt-BR" sz="2400" dirty="0">
+                <a:latin typeface="+mj-lt"/>
                 <a:cs typeface="Calibri" panose="020F0502020204030204"/>
               </a:rPr>
               <a:t>do ano e o total acumulado após </a:t>
             </a:r>
             <a:r>
-              <a:rPr lang="pt-BR" sz="2700" b="1" i="1" dirty="0">
+              <a:rPr lang="pt-BR" sz="2400" b="1" i="1" dirty="0">
                 <a:solidFill>
                   <a:srgbClr val="FF8700"/>
                 </a:solidFill>
+                <a:latin typeface="+mn-lt"/>
                 <a:cs typeface="Calibri" panose="020F0502020204030204"/>
               </a:rPr>
               <a:t>12 meses</a:t>
             </a:r>
             <a:r>
-              <a:rPr lang="pt-BR" sz="2700" b="1" dirty="0">
+              <a:rPr lang="pt-BR" sz="2400" b="1" dirty="0">
                 <a:solidFill>
                   <a:schemeClr val="tx1"/>
                 </a:solidFill>
+                <a:latin typeface="+mj-lt"/>
                 <a:cs typeface="Calibri" panose="020F0502020204030204"/>
               </a:rPr>
               <a:t>.</a:t>
@@ -7900,7 +7979,7 @@
         </p:nvSpPr>
         <p:spPr>
           <a:xfrm>
-            <a:off x="2544866" y="1388501"/>
+            <a:off x="2474700" y="1520978"/>
             <a:ext cx="9647134" cy="2148111"/>
           </a:xfrm>
           <a:prstGeom prst="rect">
@@ -7913,7 +7992,7 @@
         </p:spPr>
         <p:txBody>
           <a:bodyPr spcFirstLastPara="1" wrap="square" lIns="121900" tIns="121900" rIns="121900" bIns="121900" anchor="t" anchorCtr="0">
-            <a:normAutofit/>
+            <a:noAutofit/>
           </a:bodyPr>
           <a:lstStyle>
             <a:defPPr marR="0" lvl="0" algn="l" rtl="0">
@@ -8172,6 +8251,7 @@
             </a:pPr>
             <a:r>
               <a:rPr lang="pt-BR" sz="2400" dirty="0">
+                <a:latin typeface="+mj-lt"/>
                 <a:cs typeface="Calibri" panose="020F0502020204030204"/>
               </a:rPr>
               <a:t>Baseado na metodologia de Estrutura de Dados, utilizamos uma linguagem que seja de rápida e fácil lógica para a implementação da solução. </a:t>
@@ -8187,6 +8267,7 @@
             </a:pPr>
             <a:r>
               <a:rPr lang="pt-BR" sz="2400" dirty="0">
+                <a:latin typeface="+mj-lt"/>
                 <a:cs typeface="Calibri" panose="020F0502020204030204"/>
               </a:rPr>
               <a:t>O </a:t>
@@ -8196,12 +8277,14 @@
                 <a:solidFill>
                   <a:srgbClr val="FF8700"/>
                 </a:solidFill>
+                <a:latin typeface="+mn-lt"/>
                 <a:cs typeface="Calibri" panose="020F0502020204030204"/>
               </a:rPr>
               <a:t>Python</a:t>
             </a:r>
             <a:r>
               <a:rPr lang="pt-BR" sz="2400" dirty="0">
+                <a:latin typeface="+mj-lt"/>
                 <a:cs typeface="Calibri" panose="020F0502020204030204"/>
               </a:rPr>
               <a:t>, é a linguagem que mais vem crescendo ultimamente pela sua ampla forma de utilização.</a:t>
@@ -8933,7 +9016,7 @@
         </p:nvSpPr>
         <p:spPr>
           <a:xfrm>
-            <a:off x="3087168" y="3466735"/>
+            <a:off x="4969661" y="3385327"/>
             <a:ext cx="8860718" cy="1908309"/>
           </a:xfrm>
           <a:prstGeom prst="rect">
@@ -8946,7 +9029,7 @@
         </p:spPr>
         <p:txBody>
           <a:bodyPr spcFirstLastPara="1" wrap="square" lIns="121900" tIns="121900" rIns="121900" bIns="121900" anchor="t" anchorCtr="0">
-            <a:normAutofit lnSpcReduction="10000"/>
+            <a:noAutofit/>
           </a:bodyPr>
           <a:lstStyle>
             <a:defPPr marR="0" lvl="0" algn="l" rtl="0">
@@ -9205,6 +9288,7 @@
             </a:pPr>
             <a:r>
               <a:rPr lang="pt-BR" sz="2400" dirty="0">
+                <a:latin typeface="+mj-lt"/>
                 <a:cs typeface="Calibri" panose="020F0502020204030204"/>
               </a:rPr>
               <a:t>Utilizamos uma estrutura de dados:</a:t>
@@ -9218,7 +9302,8 @@
               <a:buSzPct val="75000"/>
               <a:buNone/>
             </a:pPr>
-            <a:endParaRPr lang="pt-BR" sz="1600" dirty="0">
+            <a:endParaRPr lang="pt-BR" sz="2400" dirty="0">
+              <a:latin typeface="+mj-lt"/>
               <a:cs typeface="Calibri" panose="020F0502020204030204"/>
             </a:endParaRPr>
           </a:p>
@@ -9235,30 +9320,72 @@
                 <a:solidFill>
                   <a:srgbClr val="FF8700"/>
                 </a:solidFill>
+                <a:latin typeface="+mj-lt"/>
                 <a:cs typeface="Calibri" panose="020F0502020204030204"/>
               </a:rPr>
-              <a:t>		for</a:t>
-            </a:r>
-            <a:r>
-              <a:rPr lang="pt-BR" sz="2400" dirty="0">
+              <a:t>		</a:t>
+            </a:r>
+            <a:r>
+              <a:rPr lang="pt-BR" sz="2400" b="1" i="1" dirty="0">
+                <a:solidFill>
+                  <a:srgbClr val="FF8700"/>
+                </a:solidFill>
+                <a:latin typeface="+mn-lt"/>
                 <a:cs typeface="Calibri" panose="020F0502020204030204"/>
               </a:rPr>
-              <a:t> mês </a:t>
+              <a:t>for</a:t>
+            </a:r>
+            <a:r>
+              <a:rPr lang="pt-BR" sz="2400" dirty="0">
+                <a:latin typeface="+mj-lt"/>
+                <a:cs typeface="Calibri" panose="020F0502020204030204"/>
+              </a:rPr>
+              <a:t> </a:t>
+            </a:r>
+            <a:r>
+              <a:rPr lang="pt-BR" sz="2400" dirty="0" err="1">
+                <a:latin typeface="+mj-lt"/>
+                <a:cs typeface="Calibri" panose="020F0502020204030204"/>
+              </a:rPr>
+              <a:t>mes</a:t>
+            </a:r>
+            <a:r>
+              <a:rPr lang="pt-BR" sz="2400" dirty="0">
+                <a:latin typeface="+mj-lt"/>
+                <a:cs typeface="Calibri" panose="020F0502020204030204"/>
+              </a:rPr>
+              <a:t> </a:t>
             </a:r>
             <a:r>
               <a:rPr lang="pt-BR" sz="2400" b="1" i="1" dirty="0">
                 <a:solidFill>
                   <a:srgbClr val="FF8700"/>
                 </a:solidFill>
+                <a:latin typeface="+mn-lt"/>
                 <a:cs typeface="Calibri" panose="020F0502020204030204"/>
               </a:rPr>
               <a:t>in</a:t>
             </a:r>
             <a:r>
               <a:rPr lang="pt-BR" sz="2400" dirty="0">
+                <a:latin typeface="+mj-lt"/>
                 <a:cs typeface="Calibri" panose="020F0502020204030204"/>
               </a:rPr>
-              <a:t> 12meses {</a:t>
+              <a:t> </a:t>
+            </a:r>
+            <a:r>
+              <a:rPr lang="pt-BR" sz="2400" dirty="0" err="1">
+                <a:latin typeface="+mj-lt"/>
+                <a:cs typeface="Calibri" panose="020F0502020204030204"/>
+              </a:rPr>
+              <a:t>doze_meses</a:t>
+            </a:r>
+            <a:r>
+              <a:rPr lang="pt-BR" sz="2400" dirty="0">
+                <a:latin typeface="+mj-lt"/>
+                <a:cs typeface="Calibri" panose="020F0502020204030204"/>
+              </a:rPr>
+              <a:t>:</a:t>
             </a:r>
           </a:p>
           <a:p>
@@ -9271,6 +9398,7 @@
             </a:pPr>
             <a:r>
               <a:rPr lang="pt-BR" sz="2400" dirty="0">
+                <a:latin typeface="+mj-lt"/>
                 <a:cs typeface="Calibri" panose="020F0502020204030204"/>
               </a:rPr>
               <a:t>		       ....</a:t>
@@ -9286,9 +9414,10 @@
             </a:pPr>
             <a:r>
               <a:rPr lang="pt-BR" sz="2400" dirty="0">
+                <a:latin typeface="+mj-lt"/>
                 <a:cs typeface="Calibri" panose="020F0502020204030204"/>
               </a:rPr>
-              <a:t>		}</a:t>
+              <a:t>		</a:t>
             </a:r>
           </a:p>
         </p:txBody>
@@ -9309,7 +9438,7 @@
         </p:nvSpPr>
         <p:spPr>
           <a:xfrm>
-            <a:off x="4190344" y="5139290"/>
+            <a:off x="4196521" y="5146745"/>
             <a:ext cx="7995479" cy="1672553"/>
           </a:xfrm>
           <a:prstGeom prst="rect">
@@ -9581,6 +9710,7 @@
             </a:pPr>
             <a:r>
               <a:rPr lang="pt-BR" sz="2400" dirty="0">
+                <a:latin typeface="+mj-lt"/>
                 <a:cs typeface="Calibri" panose="020F0502020204030204"/>
               </a:rPr>
               <a:t>Onde dentro dessa estrutura, </a:t>
@@ -9590,12 +9720,14 @@
                 <a:solidFill>
                   <a:srgbClr val="FF8700"/>
                 </a:solidFill>
+                <a:latin typeface="+mn-lt"/>
                 <a:cs typeface="Calibri" panose="020F0502020204030204"/>
               </a:rPr>
               <a:t>executamos as regras de negócio </a:t>
             </a:r>
             <a:r>
               <a:rPr lang="pt-BR" sz="2400" dirty="0">
+                <a:latin typeface="+mj-lt"/>
                 <a:cs typeface="Calibri" panose="020F0502020204030204"/>
               </a:rPr>
               <a:t>até que se termine o prazo determinado (12 meses) e apresente os </a:t>
@@ -9605,12 +9737,14 @@
                 <a:solidFill>
                   <a:srgbClr val="FF8700"/>
                 </a:solidFill>
+                <a:latin typeface="+mn-lt"/>
                 <a:cs typeface="Calibri" panose="020F0502020204030204"/>
               </a:rPr>
               <a:t>resultados</a:t>
             </a:r>
             <a:r>
               <a:rPr lang="pt-BR" sz="2400" dirty="0">
+                <a:latin typeface="+mj-lt"/>
                 <a:cs typeface="Calibri" panose="020F0502020204030204"/>
               </a:rPr>
               <a:t> de cada </a:t>
@@ -9620,12 +9754,14 @@
                 <a:solidFill>
                   <a:srgbClr val="FF8700"/>
                 </a:solidFill>
+                <a:latin typeface="+mn-lt"/>
                 <a:cs typeface="Calibri" panose="020F0502020204030204"/>
               </a:rPr>
               <a:t>mês</a:t>
             </a:r>
             <a:r>
               <a:rPr lang="pt-BR" sz="2400" dirty="0">
+                <a:latin typeface="+mj-lt"/>
                 <a:cs typeface="Calibri" panose="020F0502020204030204"/>
               </a:rPr>
               <a:t> e do </a:t>
@@ -9635,12 +9771,14 @@
                 <a:solidFill>
                   <a:srgbClr val="FF8700"/>
                 </a:solidFill>
+                <a:latin typeface="+mn-lt"/>
                 <a:cs typeface="Calibri" panose="020F0502020204030204"/>
               </a:rPr>
               <a:t>ano</a:t>
             </a:r>
             <a:r>
               <a:rPr lang="pt-BR" sz="2400" dirty="0">
+                <a:latin typeface="+mj-lt"/>
                 <a:cs typeface="Calibri" panose="020F0502020204030204"/>
               </a:rPr>
               <a:t>.</a:t>
@@ -9772,7 +9910,6 @@
                 <a:solidFill>
                   <a:schemeClr val="dk1"/>
                 </a:solidFill>
-                <a:latin typeface="Roboto"/>
                 <a:ea typeface="Roboto"/>
                 <a:cs typeface="Roboto"/>
                 <a:sym typeface="Roboto"/>
@@ -9795,7 +9932,7 @@
                     <a:lumOff val="50000"/>
                   </a:schemeClr>
                 </a:solidFill>
-                <a:latin typeface="Roboto"/>
+                <a:latin typeface="+mj-lt"/>
                 <a:ea typeface="Roboto"/>
                 <a:cs typeface="Roboto"/>
                 <a:sym typeface="Roboto"/>
@@ -9809,7 +9946,7 @@
                   <a:lumOff val="50000"/>
                 </a:schemeClr>
               </a:solidFill>
-              <a:latin typeface="Roboto"/>
+              <a:latin typeface="+mj-lt"/>
               <a:ea typeface="Roboto"/>
               <a:cs typeface="Roboto"/>
               <a:sym typeface="Roboto"/>
@@ -10024,7 +10161,6 @@
                 <a:solidFill>
                   <a:schemeClr val="dk1"/>
                 </a:solidFill>
-                <a:latin typeface="Roboto"/>
                 <a:ea typeface="Roboto"/>
                 <a:cs typeface="Roboto"/>
                 <a:sym typeface="Roboto"/>
@@ -10047,7 +10183,7 @@
                     <a:lumOff val="50000"/>
                   </a:schemeClr>
                 </a:solidFill>
-                <a:latin typeface="Roboto"/>
+                <a:latin typeface="+mj-lt"/>
                 <a:ea typeface="Roboto"/>
                 <a:cs typeface="Roboto"/>
                 <a:sym typeface="Roboto"/>
@@ -10061,7 +10197,7 @@
                   <a:lumOff val="50000"/>
                 </a:schemeClr>
               </a:solidFill>
-              <a:latin typeface="Roboto"/>
+              <a:latin typeface="+mj-lt"/>
               <a:ea typeface="Roboto"/>
               <a:cs typeface="Roboto"/>
               <a:sym typeface="Roboto"/>
@@ -10114,7 +10250,6 @@
                 <a:solidFill>
                   <a:schemeClr val="dk1"/>
                 </a:solidFill>
-                <a:latin typeface="Roboto"/>
                 <a:ea typeface="Roboto"/>
                 <a:cs typeface="Roboto"/>
                 <a:sym typeface="Roboto"/>
@@ -10132,7 +10267,7 @@
                     <a:lumOff val="50000"/>
                   </a:schemeClr>
                 </a:solidFill>
-                <a:latin typeface="Roboto"/>
+                <a:latin typeface="+mj-lt"/>
                 <a:ea typeface="Roboto"/>
                 <a:cs typeface="Roboto"/>
                 <a:sym typeface="Roboto"/>
@@ -10140,7 +10275,7 @@
               <a:t>Scrum Master</a:t>
             </a:r>
             <a:endParaRPr sz="2400" dirty="0">
-              <a:latin typeface="Roboto"/>
+              <a:latin typeface="+mj-lt"/>
               <a:ea typeface="Roboto"/>
               <a:cs typeface="Roboto"/>
               <a:sym typeface="Roboto"/>
@@ -10193,7 +10328,6 @@
                 <a:solidFill>
                   <a:schemeClr val="dk1"/>
                 </a:solidFill>
-                <a:latin typeface="Roboto"/>
                 <a:ea typeface="Roboto"/>
                 <a:cs typeface="Roboto"/>
                 <a:sym typeface="Roboto"/>
@@ -10211,7 +10345,7 @@
                     <a:lumOff val="50000"/>
                   </a:schemeClr>
                 </a:solidFill>
-                <a:latin typeface="Roboto"/>
+                <a:latin typeface="+mj-lt"/>
                 <a:ea typeface="Roboto"/>
                 <a:cs typeface="Roboto"/>
                 <a:sym typeface="Roboto"/>
@@ -10219,7 +10353,7 @@
               <a:t>Product  Owner</a:t>
             </a:r>
             <a:endParaRPr sz="1300" dirty="0">
-              <a:latin typeface="Roboto"/>
+              <a:latin typeface="+mj-lt"/>
               <a:ea typeface="Roboto"/>
               <a:cs typeface="Roboto"/>
               <a:sym typeface="Roboto"/>
@@ -10866,7 +11000,7 @@
                 <a:solidFill>
                   <a:schemeClr val="bg1"/>
                 </a:solidFill>
-                <a:latin typeface="Roboto" pitchFamily="2" charset="0"/>
+                <a:latin typeface="+mj-lt"/>
                 <a:ea typeface="Roboto" pitchFamily="2" charset="0"/>
               </a:rPr>
               <a:t>Pensar diferente é pensar </a:t>
@@ -10876,7 +11010,7 @@
                 <a:solidFill>
                   <a:srgbClr val="FF7825"/>
                 </a:solidFill>
-                <a:latin typeface="Roboto" pitchFamily="2" charset="0"/>
+                <a:latin typeface="+mn-lt"/>
                 <a:ea typeface="Roboto" pitchFamily="2" charset="0"/>
               </a:rPr>
               <a:t>digital</a:t>
@@ -10885,7 +11019,7 @@
               <a:solidFill>
                 <a:srgbClr val="FF7825"/>
               </a:solidFill>
-              <a:latin typeface="Roboto" pitchFamily="2" charset="0"/>
+              <a:latin typeface="+mn-lt"/>
               <a:ea typeface="Roboto" pitchFamily="2" charset="0"/>
               <a:cs typeface="Calibri" panose="020F0502020204030204"/>
             </a:endParaRPr>
@@ -11304,6 +11438,7 @@
                 <a:solidFill>
                   <a:schemeClr val="bg1"/>
                 </a:solidFill>
+                <a:latin typeface="+mj-lt"/>
                 <a:cs typeface="Calibri" panose="020F0502020204030204"/>
               </a:rPr>
               <a:t>“Aprender a controlar seu orçamento é o modo mais prático de cortar gastos e começar a </a:t>
@@ -11313,6 +11448,7 @@
                 <a:solidFill>
                   <a:srgbClr val="FF8700"/>
                 </a:solidFill>
+                <a:latin typeface="+mn-lt"/>
                 <a:cs typeface="Calibri" panose="020F0502020204030204"/>
               </a:rPr>
               <a:t>investir</a:t>
@@ -11322,6 +11458,7 @@
                 <a:solidFill>
                   <a:schemeClr val="bg1"/>
                 </a:solidFill>
+                <a:latin typeface="+mj-lt"/>
                 <a:cs typeface="Calibri" panose="020F0502020204030204"/>
               </a:rPr>
               <a:t>.”</a:t>
@@ -11336,6 +11473,7 @@
                 <a:solidFill>
                   <a:srgbClr val="FF8700"/>
                 </a:solidFill>
+                <a:latin typeface="+mn-lt"/>
                 <a:cs typeface="Calibri" panose="020F0502020204030204"/>
               </a:rPr>
               <a:t>Douglas Gonçalves</a:t>
@@ -11805,6 +11943,7 @@
                 <a:solidFill>
                   <a:schemeClr val="bg1"/>
                 </a:solidFill>
+                <a:latin typeface="+mj-lt"/>
                 <a:ea typeface="+mn-lt"/>
                 <a:cs typeface="+mn-lt"/>
               </a:rPr>
@@ -12406,6 +12545,7 @@
                 <a:solidFill>
                   <a:schemeClr val="bg1"/>
                 </a:solidFill>
+                <a:latin typeface="+mn-lt"/>
                 <a:cs typeface="Calibri" panose="020F0502020204030204"/>
               </a:rPr>
               <a:t>Funcionamento prático do código!</a:t>
@@ -13053,26 +13193,6 @@
 </file>
 
 <file path=customXml/item1.xml><?xml version="1.0" encoding="utf-8"?>
-<?mso-contentType ?>
-<FormTemplates xmlns="http://schemas.microsoft.com/sharepoint/v3/contenttype/forms">
-  <Display>DocumentLibraryForm</Display>
-  <Edit>DocumentLibraryForm</Edit>
-  <New>DocumentLibraryForm</New>
-</FormTemplates>
-</file>
-
-<file path=customXml/item2.xml><?xml version="1.0" encoding="utf-8"?>
-<p:properties xmlns:p="http://schemas.microsoft.com/office/2006/metadata/properties" xmlns:xsi="http://www.w3.org/2001/XMLSchema-instance" xmlns:pc="http://schemas.microsoft.com/office/infopath/2007/PartnerControls">
-  <documentManagement>
-    <lcf76f155ced4ddcb4097134ff3c332f xmlns="e7a56c43-a551-48af-881e-66529a67f522">
-      <Terms xmlns="http://schemas.microsoft.com/office/infopath/2007/PartnerControls"/>
-    </lcf76f155ced4ddcb4097134ff3c332f>
-    <TaxCatchAll xmlns="9abaf44a-a694-4711-a5ea-c368d004fa3e" xsi:nil="true"/>
-  </documentManagement>
-</p:properties>
-</file>
-
-<file path=customXml/item3.xml><?xml version="1.0" encoding="utf-8"?>
 <ct:contentTypeSchema xmlns:ct="http://schemas.microsoft.com/office/2006/metadata/contentType" xmlns:ma="http://schemas.microsoft.com/office/2006/metadata/properties/metaAttributes" ct:_="" ma:_="" ma:contentTypeName="Documento" ma:contentTypeID="0x0101001840908DAF44584A90801C620C0F77DF" ma:contentTypeVersion="16" ma:contentTypeDescription="Crie um novo documento." ma:contentTypeScope="" ma:versionID="3632b788ef0f41f43d5e13c8fbc55c98">
   <xsd:schema xmlns:xsd="http://www.w3.org/2001/XMLSchema" xmlns:xs="http://www.w3.org/2001/XMLSchema" xmlns:p="http://schemas.microsoft.com/office/2006/metadata/properties" xmlns:ns2="e7a56c43-a551-48af-881e-66529a67f522" xmlns:ns3="9abaf44a-a694-4711-a5ea-c368d004fa3e" targetNamespace="http://schemas.microsoft.com/office/2006/metadata/properties" ma:root="true" ma:fieldsID="22efaec193ce77addd645f47665cc11f" ns2:_="" ns3:_="">
     <xsd:import namespace="e7a56c43-a551-48af-881e-66529a67f522"/>
@@ -13309,10 +13429,41 @@
 </ct:contentTypeSchema>
 </file>
 
+<file path=customXml/item2.xml><?xml version="1.0" encoding="utf-8"?>
+<p:properties xmlns:p="http://schemas.microsoft.com/office/2006/metadata/properties" xmlns:xsi="http://www.w3.org/2001/XMLSchema-instance" xmlns:pc="http://schemas.microsoft.com/office/infopath/2007/PartnerControls">
+  <documentManagement>
+    <lcf76f155ced4ddcb4097134ff3c332f xmlns="e7a56c43-a551-48af-881e-66529a67f522">
+      <Terms xmlns="http://schemas.microsoft.com/office/infopath/2007/PartnerControls"/>
+    </lcf76f155ced4ddcb4097134ff3c332f>
+    <TaxCatchAll xmlns="9abaf44a-a694-4711-a5ea-c368d004fa3e" xsi:nil="true"/>
+  </documentManagement>
+</p:properties>
+</file>
+
+<file path=customXml/item3.xml><?xml version="1.0" encoding="utf-8"?>
+<?mso-contentType ?>
+<FormTemplates xmlns="http://schemas.microsoft.com/sharepoint/v3/contenttype/forms">
+  <Display>DocumentLibraryForm</Display>
+  <Edit>DocumentLibraryForm</Edit>
+  <New>DocumentLibraryForm</New>
+</FormTemplates>
+</file>
+
 <file path=customXml/itemProps1.xml><?xml version="1.0" encoding="utf-8"?>
-<ds:datastoreItem xmlns:ds="http://schemas.openxmlformats.org/officeDocument/2006/customXml" ds:itemID="{481741EA-086C-42E2-99EB-465115129655}">
+<ds:datastoreItem xmlns:ds="http://schemas.openxmlformats.org/officeDocument/2006/customXml" ds:itemID="{A7858E37-8D59-4DCF-A26A-95BB87388DF4}">
   <ds:schemaRefs>
-    <ds:schemaRef ds:uri="http://schemas.microsoft.com/sharepoint/v3/contenttype/forms"/>
+    <ds:schemaRef ds:uri="http://schemas.microsoft.com/office/2006/metadata/contentType"/>
+    <ds:schemaRef ds:uri="http://schemas.microsoft.com/office/2006/metadata/properties/metaAttributes"/>
+    <ds:schemaRef ds:uri="http://www.w3.org/2001/XMLSchema"/>
+    <ds:schemaRef ds:uri="http://schemas.microsoft.com/office/2006/metadata/properties"/>
+    <ds:schemaRef ds:uri="e7a56c43-a551-48af-881e-66529a67f522"/>
+    <ds:schemaRef ds:uri="9abaf44a-a694-4711-a5ea-c368d004fa3e"/>
+    <ds:schemaRef ds:uri="http://schemas.microsoft.com/office/2006/documentManagement/types"/>
+    <ds:schemaRef ds:uri="http://schemas.microsoft.com/office/infopath/2007/PartnerControls"/>
+    <ds:schemaRef ds:uri="http://schemas.openxmlformats.org/package/2006/metadata/core-properties"/>
+    <ds:schemaRef ds:uri="http://purl.org/dc/elements/1.1/"/>
+    <ds:schemaRef ds:uri="http://purl.org/dc/terms/"/>
+    <ds:schemaRef ds:uri="http://schemas.microsoft.com/internal/obd"/>
   </ds:schemaRefs>
 </ds:datastoreItem>
 </file>
@@ -13329,5 +13480,9 @@
 </file>
 
 <file path=customXml/itemProps3.xml><?xml version="1.0" encoding="utf-8"?>
-<ds:datastoreItem xmlns:ds="http://schemas.openxmlformats.org/officeDocument/2006/customXml" ds:itemID="{A7858E37-8D59-4DCF-A26A-95BB87388DF4}"/>
+<ds:datastoreItem xmlns:ds="http://schemas.openxmlformats.org/officeDocument/2006/customXml" ds:itemID="{481741EA-086C-42E2-99EB-465115129655}">
+  <ds:schemaRefs>
+    <ds:schemaRef ds:uri="http://schemas.microsoft.com/sharepoint/v3/contenttype/forms"/>
+  </ds:schemaRefs>
+</ds:datastoreItem>
 </file>